--- a/i18n/ja/docusaurus-plugin-content-docs/current/guides/images/resource/integration-mobile-client-server.pptx
+++ b/i18n/ja/docusaurus-plugin-content-docs/current/guides/images/resource/integration-mobile-client-server.pptx
@@ -1,15 +1,35 @@
 
 <file path=ppt/presentation.xml><?xml version="1.0" encoding="utf-8"?>
-<p:presentation xmlns:a="http://schemas.openxmlformats.org/drawingml/2006/main" xmlns:r="http://schemas.openxmlformats.org/officeDocument/2006/relationships" xmlns:p="http://schemas.openxmlformats.org/presentationml/2006/main" saveSubsetFonts="1" autoCompressPictures="0">
+<p:presentation xmlns:a="http://schemas.openxmlformats.org/drawingml/2006/main" xmlns:r="http://schemas.openxmlformats.org/officeDocument/2006/relationships" xmlns:p="http://schemas.openxmlformats.org/presentationml/2006/main" embedTrueTypeFonts="1" saveSubsetFonts="1" autoCompressPictures="0">
   <p:sldMasterIdLst>
     <p:sldMasterId id="2147483648" r:id="rId4"/>
   </p:sldMasterIdLst>
   <p:sldIdLst>
     <p:sldId id="256" r:id="rId5"/>
-    <p:sldId id="257" r:id="rId6"/>
+    <p:sldId id="259" r:id="rId6"/>
+    <p:sldId id="260" r:id="rId7"/>
+    <p:sldId id="257" r:id="rId8"/>
   </p:sldIdLst>
   <p:sldSz cx="12192000" cy="6858000"/>
   <p:notesSz cx="6858000" cy="9144000"/>
+  <p:embeddedFontLst>
+    <p:embeddedFont>
+      <p:font typeface="Meiryo UI" panose="020B0604030504040204" pitchFamily="34" charset="-128"/>
+      <p:regular r:id="rId9"/>
+      <p:bold r:id="rId10"/>
+      <p:italic r:id="rId11"/>
+      <p:boldItalic r:id="rId12"/>
+    </p:embeddedFont>
+    <p:embeddedFont>
+      <p:font typeface="Roboto Mono" pitchFamily="49" charset="0"/>
+      <p:regular r:id="rId13"/>
+    </p:embeddedFont>
+    <p:embeddedFont>
+      <p:font typeface="Segoe UI" panose="020B0502040204020203" pitchFamily="34" charset="0"/>
+      <p:regular r:id="rId14"/>
+      <p:bold r:id="rId15"/>
+    </p:embeddedFont>
+  </p:embeddedFontLst>
   <p:defaultTextStyle>
     <a:defPPr>
       <a:defRPr lang="en-US"/>
@@ -119,6 +139,7 @@
   <p188:author id="{7CF6BA38-19B2-ADCA-398E-AAEA40211DA1}" name="Gen Whitt" initials="GW" userId="S::gen.whitt@thetradedesk.com::db30c609-a160-40fc-8663-1d2eed761b7c" providerId="AD"/>
   <p188:author id="{8035EE43-C981-B273-210E-160A21BB1C76}" name="Ian Bird" initials="IB" userId="S::ian.bird@thetradedesk.com::56122729-f2b9-4f78-8bd4-d42deaee1571" providerId="AD"/>
   <p188:author id="{60053E6F-648C-B313-E5FC-68A90C662890}" name="Kristen Ruel" initials="KR" userId="S::kristen.ruel@thetradedesk.com::cf8d9084-4676-44b3-8491-2d2f321ae53e" providerId="AD"/>
+  <p188:author id="{6F9CB5DC-D923-89DA-E9E0-C73925AAC86D}" name="宮一良彦" initials="宮一良彦" userId="宮一良彦" providerId="None"/>
   <p188:author id="{DCE742EE-89C5-151A-8DA9-FBC519FFEF36}" name="Sunny Wu" initials="SW" userId="S::sunny.wu@thetradedesk.com::f78c210d-0cec-4ee3-865b-fef61a8e240b" providerId="AD"/>
 </p188:authorLst>
 </file>
@@ -379,9 +400,9 @@
           <a:p>
             <a:fld id="{D86445D4-6ECA-DA4A-AA52-A98E106F9ACF}" type="datetimeFigureOut">
               <a:rPr lang="en-US" smtClean="0"/>
-              <a:t>5/17/2024</a:t>
+              <a:t>7/3/24</a:t>
             </a:fld>
-            <a:endParaRPr lang="en-US"/>
+            <a:endParaRPr lang="en-US" dirty="0"/>
           </a:p>
         </p:txBody>
       </p:sp>
@@ -406,7 +427,7 @@
           <a:bodyPr/>
           <a:lstStyle/>
           <a:p>
-            <a:endParaRPr lang="en-US"/>
+            <a:endParaRPr lang="en-US" dirty="0"/>
           </a:p>
         </p:txBody>
       </p:sp>
@@ -435,7 +456,7 @@
               <a:rPr lang="en-US" smtClean="0"/>
               <a:t>‹#›</a:t>
             </a:fld>
-            <a:endParaRPr lang="en-US"/>
+            <a:endParaRPr lang="en-US" dirty="0"/>
           </a:p>
         </p:txBody>
       </p:sp>
@@ -577,9 +598,9 @@
           <a:p>
             <a:fld id="{D86445D4-6ECA-DA4A-AA52-A98E106F9ACF}" type="datetimeFigureOut">
               <a:rPr lang="en-US" smtClean="0"/>
-              <a:t>5/17/2024</a:t>
+              <a:t>7/3/24</a:t>
             </a:fld>
-            <a:endParaRPr lang="en-US"/>
+            <a:endParaRPr lang="en-US" dirty="0"/>
           </a:p>
         </p:txBody>
       </p:sp>
@@ -604,7 +625,7 @@
           <a:bodyPr/>
           <a:lstStyle/>
           <a:p>
-            <a:endParaRPr lang="en-US"/>
+            <a:endParaRPr lang="en-US" dirty="0"/>
           </a:p>
         </p:txBody>
       </p:sp>
@@ -633,7 +654,7 @@
               <a:rPr lang="en-US" smtClean="0"/>
               <a:t>‹#›</a:t>
             </a:fld>
-            <a:endParaRPr lang="en-US"/>
+            <a:endParaRPr lang="en-US" dirty="0"/>
           </a:p>
         </p:txBody>
       </p:sp>
@@ -785,9 +806,9 @@
           <a:p>
             <a:fld id="{D86445D4-6ECA-DA4A-AA52-A98E106F9ACF}" type="datetimeFigureOut">
               <a:rPr lang="en-US" smtClean="0"/>
-              <a:t>5/17/2024</a:t>
+              <a:t>7/3/24</a:t>
             </a:fld>
-            <a:endParaRPr lang="en-US"/>
+            <a:endParaRPr lang="en-US" dirty="0"/>
           </a:p>
         </p:txBody>
       </p:sp>
@@ -812,7 +833,7 @@
           <a:bodyPr/>
           <a:lstStyle/>
           <a:p>
-            <a:endParaRPr lang="en-US"/>
+            <a:endParaRPr lang="en-US" dirty="0"/>
           </a:p>
         </p:txBody>
       </p:sp>
@@ -841,7 +862,7 @@
               <a:rPr lang="en-US" smtClean="0"/>
               <a:t>‹#›</a:t>
             </a:fld>
-            <a:endParaRPr lang="en-US"/>
+            <a:endParaRPr lang="en-US" dirty="0"/>
           </a:p>
         </p:txBody>
       </p:sp>
@@ -983,9 +1004,9 @@
           <a:p>
             <a:fld id="{D86445D4-6ECA-DA4A-AA52-A98E106F9ACF}" type="datetimeFigureOut">
               <a:rPr lang="en-US" smtClean="0"/>
-              <a:t>5/17/2024</a:t>
+              <a:t>7/3/24</a:t>
             </a:fld>
-            <a:endParaRPr lang="en-US"/>
+            <a:endParaRPr lang="en-US" dirty="0"/>
           </a:p>
         </p:txBody>
       </p:sp>
@@ -1010,7 +1031,7 @@
           <a:bodyPr/>
           <a:lstStyle/>
           <a:p>
-            <a:endParaRPr lang="en-US"/>
+            <a:endParaRPr lang="en-US" dirty="0"/>
           </a:p>
         </p:txBody>
       </p:sp>
@@ -1039,7 +1060,7 @@
               <a:rPr lang="en-US" smtClean="0"/>
               <a:t>‹#›</a:t>
             </a:fld>
-            <a:endParaRPr lang="en-US"/>
+            <a:endParaRPr lang="en-US" dirty="0"/>
           </a:p>
         </p:txBody>
       </p:sp>
@@ -1258,9 +1279,9 @@
           <a:p>
             <a:fld id="{D86445D4-6ECA-DA4A-AA52-A98E106F9ACF}" type="datetimeFigureOut">
               <a:rPr lang="en-US" smtClean="0"/>
-              <a:t>5/17/2024</a:t>
+              <a:t>7/3/24</a:t>
             </a:fld>
-            <a:endParaRPr lang="en-US"/>
+            <a:endParaRPr lang="en-US" dirty="0"/>
           </a:p>
         </p:txBody>
       </p:sp>
@@ -1285,7 +1306,7 @@
           <a:bodyPr/>
           <a:lstStyle/>
           <a:p>
-            <a:endParaRPr lang="en-US"/>
+            <a:endParaRPr lang="en-US" dirty="0"/>
           </a:p>
         </p:txBody>
       </p:sp>
@@ -1314,7 +1335,7 @@
               <a:rPr lang="en-US" smtClean="0"/>
               <a:t>‹#›</a:t>
             </a:fld>
-            <a:endParaRPr lang="en-US"/>
+            <a:endParaRPr lang="en-US" dirty="0"/>
           </a:p>
         </p:txBody>
       </p:sp>
@@ -1523,9 +1544,9 @@
           <a:p>
             <a:fld id="{D86445D4-6ECA-DA4A-AA52-A98E106F9ACF}" type="datetimeFigureOut">
               <a:rPr lang="en-US" smtClean="0"/>
-              <a:t>5/17/2024</a:t>
+              <a:t>7/3/24</a:t>
             </a:fld>
-            <a:endParaRPr lang="en-US"/>
+            <a:endParaRPr lang="en-US" dirty="0"/>
           </a:p>
         </p:txBody>
       </p:sp>
@@ -1550,7 +1571,7 @@
           <a:bodyPr/>
           <a:lstStyle/>
           <a:p>
-            <a:endParaRPr lang="en-US"/>
+            <a:endParaRPr lang="en-US" dirty="0"/>
           </a:p>
         </p:txBody>
       </p:sp>
@@ -1579,7 +1600,7 @@
               <a:rPr lang="en-US" smtClean="0"/>
               <a:t>‹#›</a:t>
             </a:fld>
-            <a:endParaRPr lang="en-US"/>
+            <a:endParaRPr lang="en-US" dirty="0"/>
           </a:p>
         </p:txBody>
       </p:sp>
@@ -1935,9 +1956,9 @@
           <a:p>
             <a:fld id="{D86445D4-6ECA-DA4A-AA52-A98E106F9ACF}" type="datetimeFigureOut">
               <a:rPr lang="en-US" smtClean="0"/>
-              <a:t>5/17/2024</a:t>
+              <a:t>7/3/24</a:t>
             </a:fld>
-            <a:endParaRPr lang="en-US"/>
+            <a:endParaRPr lang="en-US" dirty="0"/>
           </a:p>
         </p:txBody>
       </p:sp>
@@ -1962,7 +1983,7 @@
           <a:bodyPr/>
           <a:lstStyle/>
           <a:p>
-            <a:endParaRPr lang="en-US"/>
+            <a:endParaRPr lang="en-US" dirty="0"/>
           </a:p>
         </p:txBody>
       </p:sp>
@@ -1991,7 +2012,7 @@
               <a:rPr lang="en-US" smtClean="0"/>
               <a:t>‹#›</a:t>
             </a:fld>
-            <a:endParaRPr lang="en-US"/>
+            <a:endParaRPr lang="en-US" dirty="0"/>
           </a:p>
         </p:txBody>
       </p:sp>
@@ -2076,9 +2097,9 @@
           <a:p>
             <a:fld id="{D86445D4-6ECA-DA4A-AA52-A98E106F9ACF}" type="datetimeFigureOut">
               <a:rPr lang="en-US" smtClean="0"/>
-              <a:t>5/17/2024</a:t>
+              <a:t>7/3/24</a:t>
             </a:fld>
-            <a:endParaRPr lang="en-US"/>
+            <a:endParaRPr lang="en-US" dirty="0"/>
           </a:p>
         </p:txBody>
       </p:sp>
@@ -2103,7 +2124,7 @@
           <a:bodyPr/>
           <a:lstStyle/>
           <a:p>
-            <a:endParaRPr lang="en-US"/>
+            <a:endParaRPr lang="en-US" dirty="0"/>
           </a:p>
         </p:txBody>
       </p:sp>
@@ -2132,7 +2153,7 @@
               <a:rPr lang="en-US" smtClean="0"/>
               <a:t>‹#›</a:t>
             </a:fld>
-            <a:endParaRPr lang="en-US"/>
+            <a:endParaRPr lang="en-US" dirty="0"/>
           </a:p>
         </p:txBody>
       </p:sp>
@@ -2189,9 +2210,9 @@
           <a:p>
             <a:fld id="{D86445D4-6ECA-DA4A-AA52-A98E106F9ACF}" type="datetimeFigureOut">
               <a:rPr lang="en-US" smtClean="0"/>
-              <a:t>5/17/2024</a:t>
+              <a:t>7/3/24</a:t>
             </a:fld>
-            <a:endParaRPr lang="en-US"/>
+            <a:endParaRPr lang="en-US" dirty="0"/>
           </a:p>
         </p:txBody>
       </p:sp>
@@ -2216,7 +2237,7 @@
           <a:bodyPr/>
           <a:lstStyle/>
           <a:p>
-            <a:endParaRPr lang="en-US"/>
+            <a:endParaRPr lang="en-US" dirty="0"/>
           </a:p>
         </p:txBody>
       </p:sp>
@@ -2245,7 +2266,7 @@
               <a:rPr lang="en-US" smtClean="0"/>
               <a:t>‹#›</a:t>
             </a:fld>
-            <a:endParaRPr lang="en-US"/>
+            <a:endParaRPr lang="en-US" dirty="0"/>
           </a:p>
         </p:txBody>
       </p:sp>
@@ -2500,9 +2521,9 @@
           <a:p>
             <a:fld id="{D86445D4-6ECA-DA4A-AA52-A98E106F9ACF}" type="datetimeFigureOut">
               <a:rPr lang="en-US" smtClean="0"/>
-              <a:t>5/17/2024</a:t>
+              <a:t>7/3/24</a:t>
             </a:fld>
-            <a:endParaRPr lang="en-US"/>
+            <a:endParaRPr lang="en-US" dirty="0"/>
           </a:p>
         </p:txBody>
       </p:sp>
@@ -2527,7 +2548,7 @@
           <a:bodyPr/>
           <a:lstStyle/>
           <a:p>
-            <a:endParaRPr lang="en-US"/>
+            <a:endParaRPr lang="en-US" dirty="0"/>
           </a:p>
         </p:txBody>
       </p:sp>
@@ -2556,7 +2577,7 @@
               <a:rPr lang="en-US" smtClean="0"/>
               <a:t>‹#›</a:t>
             </a:fld>
-            <a:endParaRPr lang="en-US"/>
+            <a:endParaRPr lang="en-US" dirty="0"/>
           </a:p>
         </p:txBody>
       </p:sp>
@@ -2690,7 +2711,7 @@
             </a:lvl9pPr>
           </a:lstStyle>
           <a:p>
-            <a:endParaRPr lang="en-US"/>
+            <a:endParaRPr lang="en-US" dirty="0"/>
           </a:p>
         </p:txBody>
       </p:sp>
@@ -2788,9 +2809,9 @@
           <a:p>
             <a:fld id="{D86445D4-6ECA-DA4A-AA52-A98E106F9ACF}" type="datetimeFigureOut">
               <a:rPr lang="en-US" smtClean="0"/>
-              <a:t>5/17/2024</a:t>
+              <a:t>7/3/24</a:t>
             </a:fld>
-            <a:endParaRPr lang="en-US"/>
+            <a:endParaRPr lang="en-US" dirty="0"/>
           </a:p>
         </p:txBody>
       </p:sp>
@@ -2815,7 +2836,7 @@
           <a:bodyPr/>
           <a:lstStyle/>
           <a:p>
-            <a:endParaRPr lang="en-US"/>
+            <a:endParaRPr lang="en-US" dirty="0"/>
           </a:p>
         </p:txBody>
       </p:sp>
@@ -2844,7 +2865,7 @@
               <a:rPr lang="en-US" smtClean="0"/>
               <a:t>‹#›</a:t>
             </a:fld>
-            <a:endParaRPr lang="en-US"/>
+            <a:endParaRPr lang="en-US" dirty="0"/>
           </a:p>
         </p:txBody>
       </p:sp>
@@ -3029,9 +3050,9 @@
           <a:p>
             <a:fld id="{D86445D4-6ECA-DA4A-AA52-A98E106F9ACF}" type="datetimeFigureOut">
               <a:rPr lang="en-US" smtClean="0"/>
-              <a:t>5/17/2024</a:t>
+              <a:t>7/3/24</a:t>
             </a:fld>
-            <a:endParaRPr lang="en-US"/>
+            <a:endParaRPr lang="en-US" dirty="0"/>
           </a:p>
         </p:txBody>
       </p:sp>
@@ -3074,7 +3095,7 @@
             </a:lvl1pPr>
           </a:lstStyle>
           <a:p>
-            <a:endParaRPr lang="en-US"/>
+            <a:endParaRPr lang="en-US" dirty="0"/>
           </a:p>
         </p:txBody>
       </p:sp>
@@ -3121,7 +3142,7 @@
               <a:rPr lang="en-US" smtClean="0"/>
               <a:t>‹#›</a:t>
             </a:fld>
-            <a:endParaRPr lang="en-US"/>
+            <a:endParaRPr lang="en-US" dirty="0"/>
           </a:p>
         </p:txBody>
       </p:sp>
@@ -3500,7 +3521,7 @@
           <a:bodyPr/>
           <a:lstStyle/>
           <a:p>
-            <a:endParaRPr lang="en-US"/>
+            <a:endParaRPr lang="en-US" dirty="0"/>
           </a:p>
         </p:txBody>
       </p:sp>
@@ -3562,7 +3583,7 @@
               </a:spcAft>
               <a:buNone/>
             </a:pPr>
-            <a:endParaRPr lang="en-US" sz="3500" kern="1200"/>
+            <a:endParaRPr lang="en-US" sz="3500" kern="1200" dirty="0"/>
           </a:p>
         </p:txBody>
       </p:sp>
@@ -3634,13 +3655,13 @@
           <a:lstStyle/>
           <a:p>
             <a:r>
-              <a:rPr lang="en-US" sz="1200"/>
+              <a:rPr lang="en-US" sz="1200" dirty="0"/>
               <a:t>Server-side </a:t>
             </a:r>
           </a:p>
           <a:p>
             <a:r>
-              <a:rPr lang="en-US" sz="1200"/>
+              <a:rPr lang="en-US" sz="1200" dirty="0"/>
               <a:t>integration completed</a:t>
             </a:r>
           </a:p>
@@ -3675,13 +3696,13 @@
           <a:lstStyle/>
           <a:p>
             <a:r>
-              <a:rPr lang="en-US" sz="1200"/>
+              <a:rPr lang="en-US" sz="1200" dirty="0"/>
               <a:t>UID2 Manager </a:t>
             </a:r>
           </a:p>
           <a:p>
             <a:r>
-              <a:rPr lang="en-US" sz="1200"/>
+              <a:rPr lang="en-US" sz="1200" dirty="0"/>
               <a:t>Initialized</a:t>
             </a:r>
           </a:p>
@@ -3908,7 +3929,7 @@
           <a:bodyPr/>
           <a:lstStyle/>
           <a:p>
-            <a:endParaRPr lang="en-US"/>
+            <a:endParaRPr lang="en-US" dirty="0"/>
           </a:p>
         </p:txBody>
       </p:sp>
@@ -4005,7 +4026,7 @@
           <a:bodyPr/>
           <a:lstStyle/>
           <a:p>
-            <a:endParaRPr lang="en-US"/>
+            <a:endParaRPr lang="en-US" dirty="0"/>
           </a:p>
         </p:txBody>
       </p:sp>
@@ -4110,10 +4131,10 @@
           <a:lstStyle/>
           <a:p>
             <a:r>
-              <a:rPr lang="en-US" sz="1200"/>
+              <a:rPr lang="en-US" sz="1200" dirty="0"/>
               <a:t>User DII captured </a:t>
             </a:r>
-            <a:endParaRPr lang="en-US" sz="1200">
+            <a:endParaRPr lang="en-US" sz="1200" dirty="0">
               <a:solidFill>
                 <a:srgbClr val="000000"/>
               </a:solidFill>
@@ -4121,14 +4142,14 @@
           </a:p>
           <a:p>
             <a:r>
-              <a:rPr lang="en-US" sz="1000">
+              <a:rPr lang="en-US" sz="1000" dirty="0">
                 <a:solidFill>
                   <a:srgbClr val="002F87"/>
                 </a:solidFill>
               </a:rPr>
               <a:t>(!) Obtain legal basis to </a:t>
             </a:r>
-            <a:endParaRPr lang="en-US" sz="1200">
+            <a:endParaRPr lang="en-US" sz="1200" dirty="0">
               <a:solidFill>
                 <a:srgbClr val="000000"/>
               </a:solidFill>
@@ -4138,7 +4159,7 @@
           </a:p>
           <a:p>
             <a:r>
-              <a:rPr lang="en-US" sz="1000">
+              <a:rPr lang="en-US" sz="1000" dirty="0">
                 <a:solidFill>
                   <a:srgbClr val="002F87"/>
                 </a:solidFill>
@@ -4148,7 +4169,7 @@
           </a:p>
           <a:p>
             <a:r>
-              <a:rPr lang="en-US" sz="1000">
+              <a:rPr lang="en-US" sz="1000" dirty="0">
                 <a:solidFill>
                   <a:srgbClr val="002F87"/>
                 </a:solidFill>
@@ -4228,18 +4249,18 @@
           <a:lstStyle/>
           <a:p>
             <a:r>
-              <a:rPr lang="en-US" sz="1100"/>
+              <a:rPr lang="en-US" sz="1100" dirty="0"/>
               <a:t>Publisher attempts token/generate server-side or via Java/Python SDK's Publisher Class</a:t>
             </a:r>
-            <a:endParaRPr lang="en-US" sz="1100" err="1">
+            <a:endParaRPr lang="en-US" sz="1100" dirty="0">
               <a:ea typeface="Calibri" panose="020F0502020204030204"/>
               <a:cs typeface="Calibri" panose="020F0502020204030204"/>
             </a:endParaRPr>
           </a:p>
           <a:p>
-            <a:endParaRPr lang="en-US" sz="1100">
-              <a:ea typeface="Calibri"/>
-              <a:cs typeface="Calibri"/>
+            <a:endParaRPr lang="en-US" sz="1100" dirty="0">
+              <a:ea typeface="Calibri" panose="020F0502020204030204"/>
+              <a:cs typeface="Calibri" panose="020F0502020204030204"/>
             </a:endParaRPr>
           </a:p>
         </p:txBody>
@@ -4273,7 +4294,7 @@
           <a:lstStyle/>
           <a:p>
             <a:r>
-              <a:rPr lang="en-US" sz="800" b="0" i="0">
+              <a:rPr lang="en-US" sz="800" b="0" i="0" dirty="0">
                 <a:solidFill>
                   <a:srgbClr val="002F87"/>
                 </a:solidFill>
@@ -4285,7 +4306,7 @@
           </a:p>
           <a:p>
             <a:r>
-              <a:rPr lang="en-US" sz="800" b="0" i="0">
+              <a:rPr lang="en-US" sz="800" b="0" i="0" dirty="0">
                 <a:solidFill>
                   <a:srgbClr val="002F87"/>
                 </a:solidFill>
@@ -4294,7 +4315,7 @@
               </a:rPr>
               <a:t>/v2/token/generate'</a:t>
             </a:r>
-            <a:endParaRPr lang="en-US" sz="800">
+            <a:endParaRPr lang="en-US" sz="800" dirty="0">
               <a:solidFill>
                 <a:srgbClr val="002F87"/>
               </a:solidFill>
@@ -4421,7 +4442,7 @@
           <a:bodyPr/>
           <a:lstStyle/>
           <a:p>
-            <a:endParaRPr lang="en-US">
+            <a:endParaRPr lang="en-US" dirty="0">
               <a:solidFill>
                 <a:schemeClr val="bg1"/>
               </a:solidFill>
@@ -4494,13 +4515,13 @@
           <a:lstStyle/>
           <a:p>
             <a:r>
-              <a:rPr lang="en-US" sz="1200"/>
+              <a:rPr lang="en-US" sz="1200" dirty="0"/>
               <a:t>UID2 Service </a:t>
             </a:r>
           </a:p>
           <a:p>
             <a:r>
-              <a:rPr lang="en-US" sz="1200"/>
+              <a:rPr lang="en-US" sz="1200" dirty="0"/>
               <a:t>checks for opt-out </a:t>
             </a:r>
           </a:p>
@@ -4614,7 +4635,7 @@
             <a:lstStyle/>
             <a:p>
               <a:pPr algn="ctr"/>
-              <a:endParaRPr lang="en-US"/>
+              <a:endParaRPr lang="en-US" dirty="0"/>
             </a:p>
           </p:txBody>
         </p:sp>
@@ -4647,7 +4668,7 @@
             <a:lstStyle/>
             <a:p>
               <a:r>
-                <a:rPr lang="en-US" sz="1300">
+                <a:rPr lang="en-US" sz="1300" dirty="0">
                   <a:solidFill>
                     <a:schemeClr val="bg2">
                       <a:lumMod val="25000"/>
@@ -4708,7 +4729,7 @@
           <a:lstStyle/>
           <a:p>
             <a:pPr algn="ctr"/>
-            <a:endParaRPr lang="en-US"/>
+            <a:endParaRPr lang="en-US" dirty="0"/>
           </a:p>
         </p:txBody>
       </p:sp>
@@ -4742,7 +4763,7 @@
           <a:p>
             <a:pPr lvl="0" algn="ctr"/>
             <a:r>
-              <a:rPr lang="en-US" sz="1200">
+              <a:rPr lang="en-US" sz="1200" dirty="0">
                 <a:solidFill>
                   <a:schemeClr val="tx1"/>
                 </a:solidFill>
@@ -4750,11 +4771,11 @@
               <a:t>Opt</a:t>
             </a:r>
             <a:r>
-              <a:rPr lang="en-US" sz="1200"/>
+              <a:rPr lang="en-US" sz="1200" dirty="0"/>
               <a:t>-</a:t>
             </a:r>
             <a:r>
-              <a:rPr lang="en-US" sz="1200">
+              <a:rPr lang="en-US" sz="1200" dirty="0">
                 <a:solidFill>
                   <a:schemeClr val="tx1"/>
                 </a:solidFill>
@@ -4765,7 +4786,7 @@
           <a:p>
             <a:pPr lvl="0" algn="ctr"/>
             <a:r>
-              <a:rPr lang="en-US" sz="1200">
+              <a:rPr lang="en-US" sz="1200" dirty="0">
                 <a:solidFill>
                   <a:schemeClr val="tx1"/>
                 </a:solidFill>
@@ -4805,7 +4826,7 @@
           <a:p>
             <a:pPr lvl="0" algn="ctr"/>
             <a:r>
-              <a:rPr lang="en-US" sz="1200">
+              <a:rPr lang="en-US" sz="1200" dirty="0">
                 <a:solidFill>
                   <a:schemeClr val="tx1"/>
                 </a:solidFill>
@@ -4953,7 +4974,7 @@
             <a:bodyPr/>
             <a:lstStyle/>
             <a:p>
-              <a:endParaRPr lang="en-US"/>
+              <a:endParaRPr lang="en-US" dirty="0"/>
             </a:p>
           </p:txBody>
         </p:sp>
@@ -5037,7 +5058,7 @@
             <a:lstStyle/>
             <a:p>
               <a:br>
-                <a:rPr lang="en-US" sz="800" b="0" i="0">
+                <a:rPr lang="en-US" sz="800" b="0" i="0" dirty="0">
                   <a:solidFill>
                     <a:srgbClr val="002F87"/>
                   </a:solidFill>
@@ -5046,7 +5067,7 @@
                 </a:rPr>
               </a:br>
               <a:r>
-                <a:rPr lang="en-US" sz="800" b="0" i="0">
+                <a:rPr lang="en-US" sz="800" b="0" i="0" dirty="0">
                   <a:solidFill>
                     <a:srgbClr val="002F87"/>
                   </a:solidFill>
@@ -5055,7 +5076,7 @@
                 </a:rPr>
                 <a:t>"status": "optout"</a:t>
               </a:r>
-              <a:endParaRPr lang="en-US" sz="800">
+              <a:endParaRPr lang="en-US" sz="800" dirty="0">
                 <a:solidFill>
                   <a:srgbClr val="002F87"/>
                 </a:solidFill>
@@ -5094,7 +5115,7 @@
           <a:p>
             <a:pPr lvl="0" algn="ctr"/>
             <a:r>
-              <a:rPr lang="en-US" sz="1200">
+              <a:rPr lang="en-US" sz="1200" dirty="0">
                 <a:solidFill>
                   <a:schemeClr val="tx1"/>
                 </a:solidFill>
@@ -5153,7 +5174,7 @@
             <a:lstStyle/>
             <a:p>
               <a:r>
-                <a:rPr lang="en-US" sz="1300">
+                <a:rPr lang="en-US" sz="1300" dirty="0">
                   <a:solidFill>
                     <a:schemeClr val="bg2">
                       <a:lumMod val="25000"/>
@@ -5215,7 +5236,7 @@
             <a:lstStyle/>
             <a:p>
               <a:pPr algn="ctr"/>
-              <a:endParaRPr lang="en-US"/>
+              <a:endParaRPr lang="en-US" dirty="0"/>
             </a:p>
           </p:txBody>
         </p:sp>
@@ -5249,19 +5270,19 @@
           <a:lstStyle/>
           <a:p>
             <a:r>
-              <a:rPr lang="en-US" sz="1200"/>
+              <a:rPr lang="en-US" sz="1200" dirty="0"/>
               <a:t>UID2 token </a:t>
             </a:r>
           </a:p>
           <a:p>
             <a:r>
-              <a:rPr lang="en-US" sz="1200"/>
+              <a:rPr lang="en-US" sz="1200" dirty="0"/>
               <a:t>generated </a:t>
             </a:r>
           </a:p>
           <a:p>
             <a:r>
-              <a:rPr lang="en-US" sz="1200"/>
+              <a:rPr lang="en-US" sz="1200" dirty="0"/>
               <a:t>server-side</a:t>
             </a:r>
           </a:p>
@@ -5296,7 +5317,7 @@
           <a:lstStyle/>
           <a:p>
             <a:r>
-              <a:rPr lang="en-US" sz="700">
+              <a:rPr lang="en-US" sz="700" dirty="0">
                 <a:solidFill>
                   <a:srgbClr val="002F87"/>
                 </a:solidFill>
@@ -5306,13 +5327,13 @@
               <a:t>{</a:t>
             </a:r>
             <a:br>
-              <a:rPr lang="en-US" sz="700" b="0" i="0">
+              <a:rPr lang="en-US" sz="700" b="0" i="0" dirty="0">
                 <a:effectLst/>
                 <a:latin typeface="Roboto Mono" pitchFamily="49" charset="0"/>
               </a:rPr>
             </a:br>
             <a:r>
-              <a:rPr lang="en-US" sz="700" b="0" i="0">
+              <a:rPr lang="en-US" sz="700" b="0" i="0" dirty="0">
                 <a:solidFill>
                   <a:srgbClr val="002F87"/>
                 </a:solidFill>
@@ -5323,13 +5344,13 @@
               <a:t>"body": {</a:t>
             </a:r>
             <a:br>
-              <a:rPr lang="en-US" sz="700" b="0" i="0">
+              <a:rPr lang="en-US" sz="700" b="0" i="0" dirty="0">
                 <a:effectLst/>
                 <a:latin typeface="Roboto Mono" pitchFamily="49" charset="0"/>
               </a:rPr>
             </a:br>
             <a:r>
-              <a:rPr lang="en-US" sz="700" b="0" i="0">
+              <a:rPr lang="en-US" sz="700" b="0" i="0" dirty="0">
                 <a:solidFill>
                   <a:srgbClr val="002F87"/>
                 </a:solidFill>
@@ -5337,10 +5358,16 @@
                 <a:latin typeface="Roboto Mono"/>
                 <a:ea typeface="Roboto Mono"/>
               </a:rPr>
-              <a:t>"</a:t>
-            </a:r>
-            <a:r>
-              <a:rPr lang="en-US" sz="700" b="0" i="0" err="1">
+              <a:t>"advertising_token": "AdvertisingTokenmZ4dZgeuXXl6DhoXqbRXQbHlHhA96leN94U1uavZVspwKXlfWETZ3b/besPFFvJxNLLySg4QEYHUAiyUrNncgnm7ppu0mi6wU2CW6hssiuEkKfstbo9XWgRUbWNTM+ewMzXXM8G9j8Q=",</a:t>
+            </a:r>
+            <a:br>
+              <a:rPr lang="en-US" sz="700" b="0" i="0" dirty="0">
+                <a:effectLst/>
+                <a:latin typeface="Roboto Mono" pitchFamily="49" charset="0"/>
+              </a:rPr>
+            </a:br>
+            <a:r>
+              <a:rPr lang="en-US" sz="700" b="0" i="0" dirty="0">
                 <a:solidFill>
                   <a:srgbClr val="002F87"/>
                 </a:solidFill>
@@ -5348,10 +5375,16 @@
                 <a:latin typeface="Roboto Mono"/>
                 <a:ea typeface="Roboto Mono"/>
               </a:rPr>
-              <a:t>advertising_token</a:t>
-            </a:r>
-            <a:r>
-              <a:rPr lang="en-US" sz="700" b="0" i="0">
+              <a:t>"refresh_token": "RefreshToken2F8AAAF2cskumF8AAAF2cskumF8AAAADXwFq/90PYmajV0IPrvo51Biqh7/M+JOuhfBY8KGUn//GsmZr9nf+jIWMUO4diOA92kCTF69JdP71Ooo+yF3V5yy70UDP6punSEGmhf5XSKFzjQssCtlHnKrJwqFGKpJkYA==",</a:t>
+            </a:r>
+            <a:br>
+              <a:rPr lang="en-US" sz="700" b="0" i="0" dirty="0">
+                <a:effectLst/>
+                <a:latin typeface="Roboto Mono" pitchFamily="49" charset="0"/>
+              </a:rPr>
+            </a:br>
+            <a:r>
+              <a:rPr lang="en-US" sz="700" b="0" i="0" dirty="0">
                 <a:solidFill>
                   <a:srgbClr val="002F87"/>
                 </a:solidFill>
@@ -5359,16 +5392,16 @@
                 <a:latin typeface="Roboto Mono"/>
                 <a:ea typeface="Roboto Mono"/>
               </a:rPr>
-              <a:t>": "AdvertisingTokenmZ4dZgeuXXl6DhoXqbRXQbHlHhA96leN94U1uavZVspwKXlfWETZ3b/besPFFvJxNLLySg4QEYHUAiyUrNncgnm7ppu0mi6wU2CW6hssiuEkKfstbo9XWgRUbWNTM+ewMzXXM8G9j8Q=",</a:t>
+              <a:t>"identity_expires": 1633643601000,</a:t>
             </a:r>
             <a:br>
-              <a:rPr lang="en-US" sz="700" b="0" i="0">
+              <a:rPr lang="en-US" sz="700" b="0" i="0" dirty="0">
                 <a:effectLst/>
                 <a:latin typeface="Roboto Mono" pitchFamily="49" charset="0"/>
               </a:rPr>
             </a:br>
             <a:r>
-              <a:rPr lang="en-US" sz="700" b="0" i="0">
+              <a:rPr lang="en-US" sz="700" b="0" i="0" dirty="0">
                 <a:solidFill>
                   <a:srgbClr val="002F87"/>
                 </a:solidFill>
@@ -5376,10 +5409,16 @@
                 <a:latin typeface="Roboto Mono"/>
                 <a:ea typeface="Roboto Mono"/>
               </a:rPr>
-              <a:t>"</a:t>
-            </a:r>
-            <a:r>
-              <a:rPr lang="en-US" sz="700" b="0" i="0" err="1">
+              <a:t>"refresh_from": 1633643001000,</a:t>
+            </a:r>
+            <a:br>
+              <a:rPr lang="en-US" sz="700" b="0" i="0" dirty="0">
+                <a:effectLst/>
+                <a:latin typeface="Roboto Mono" pitchFamily="49" charset="0"/>
+              </a:rPr>
+            </a:br>
+            <a:r>
+              <a:rPr lang="en-US" sz="700" b="0" i="0" dirty="0">
                 <a:solidFill>
                   <a:srgbClr val="002F87"/>
                 </a:solidFill>
@@ -5387,10 +5426,16 @@
                 <a:latin typeface="Roboto Mono"/>
                 <a:ea typeface="Roboto Mono"/>
               </a:rPr>
-              <a:t>refresh_token</a:t>
-            </a:r>
-            <a:r>
-              <a:rPr lang="en-US" sz="700" b="0" i="0">
+              <a:t>"refresh_expires": 1636322000000,</a:t>
+            </a:r>
+            <a:br>
+              <a:rPr lang="en-US" sz="700" b="0" i="0" dirty="0">
+                <a:effectLst/>
+                <a:latin typeface="Roboto Mono" pitchFamily="49" charset="0"/>
+              </a:rPr>
+            </a:br>
+            <a:r>
+              <a:rPr lang="en-US" sz="700" b="0" i="0" dirty="0">
                 <a:solidFill>
                   <a:srgbClr val="002F87"/>
                 </a:solidFill>
@@ -5398,16 +5443,16 @@
                 <a:latin typeface="Roboto Mono"/>
                 <a:ea typeface="Roboto Mono"/>
               </a:rPr>
-              <a:t>": "RefreshToken2F8AAAF2cskumF8AAAF2cskumF8AAAADXwFq/90PYmajV0IPrvo51Biqh7/M+JOuhfBY8KGUn//GsmZr9nf+jIWMUO4diOA92kCTF69JdP71Ooo+yF3V5yy70UDP6punSEGmhf5XSKFzjQssCtlHnKrJwqFGKpJkYA==",</a:t>
+              <a:t>"refresh_response_key": "wR5t6HKMfJ2r4J7fEGX9Gw=="</a:t>
             </a:r>
             <a:br>
-              <a:rPr lang="en-US" sz="700" b="0" i="0">
+              <a:rPr lang="en-US" sz="700" b="0" i="0" dirty="0">
                 <a:effectLst/>
                 <a:latin typeface="Roboto Mono" pitchFamily="49" charset="0"/>
               </a:rPr>
             </a:br>
             <a:r>
-              <a:rPr lang="en-US" sz="700" b="0" i="0">
+              <a:rPr lang="en-US" sz="700" b="0" i="0" dirty="0">
                 <a:solidFill>
                   <a:srgbClr val="002F87"/>
                 </a:solidFill>
@@ -5415,10 +5460,16 @@
                 <a:latin typeface="Roboto Mono"/>
                 <a:ea typeface="Roboto Mono"/>
               </a:rPr>
-              <a:t>"</a:t>
-            </a:r>
-            <a:r>
-              <a:rPr lang="en-US" sz="700" b="0" i="0" err="1">
+              <a:t>},</a:t>
+            </a:r>
+            <a:br>
+              <a:rPr lang="en-US" sz="700" b="0" i="0" dirty="0">
+                <a:effectLst/>
+                <a:latin typeface="Roboto Mono" pitchFamily="49" charset="0"/>
+              </a:rPr>
+            </a:br>
+            <a:r>
+              <a:rPr lang="en-US" sz="700" b="0" i="0" dirty="0">
                 <a:solidFill>
                   <a:srgbClr val="002F87"/>
                 </a:solidFill>
@@ -5426,10 +5477,16 @@
                 <a:latin typeface="Roboto Mono"/>
                 <a:ea typeface="Roboto Mono"/>
               </a:rPr>
-              <a:t>identity_expires</a:t>
-            </a:r>
-            <a:r>
-              <a:rPr lang="en-US" sz="700" b="0" i="0">
+              <a:t>"status": "success"</a:t>
+            </a:r>
+            <a:br>
+              <a:rPr lang="en-US" sz="700" b="0" i="0" dirty="0">
+                <a:effectLst/>
+                <a:latin typeface="Roboto Mono" pitchFamily="49" charset="0"/>
+              </a:rPr>
+            </a:br>
+            <a:r>
+              <a:rPr lang="en-US" sz="700" b="0" i="0" dirty="0">
                 <a:solidFill>
                   <a:srgbClr val="002F87"/>
                 </a:solidFill>
@@ -5437,177 +5494,9 @@
                 <a:latin typeface="Roboto Mono"/>
                 <a:ea typeface="Roboto Mono"/>
               </a:rPr>
-              <a:t>": 1633643601000,</a:t>
-            </a:r>
-            <a:br>
-              <a:rPr lang="en-US" sz="700" b="0" i="0">
-                <a:effectLst/>
-                <a:latin typeface="Roboto Mono" pitchFamily="49" charset="0"/>
-              </a:rPr>
-            </a:br>
-            <a:r>
-              <a:rPr lang="en-US" sz="700" b="0" i="0">
-                <a:solidFill>
-                  <a:srgbClr val="002F87"/>
-                </a:solidFill>
-                <a:effectLst/>
-                <a:latin typeface="Roboto Mono"/>
-                <a:ea typeface="Roboto Mono"/>
-              </a:rPr>
-              <a:t>"</a:t>
-            </a:r>
-            <a:r>
-              <a:rPr lang="en-US" sz="700" b="0" i="0" err="1">
-                <a:solidFill>
-                  <a:srgbClr val="002F87"/>
-                </a:solidFill>
-                <a:effectLst/>
-                <a:latin typeface="Roboto Mono"/>
-                <a:ea typeface="Roboto Mono"/>
-              </a:rPr>
-              <a:t>refresh_from</a:t>
-            </a:r>
-            <a:r>
-              <a:rPr lang="en-US" sz="700" b="0" i="0">
-                <a:solidFill>
-                  <a:srgbClr val="002F87"/>
-                </a:solidFill>
-                <a:effectLst/>
-                <a:latin typeface="Roboto Mono"/>
-                <a:ea typeface="Roboto Mono"/>
-              </a:rPr>
-              <a:t>": 1633643001000,</a:t>
-            </a:r>
-            <a:br>
-              <a:rPr lang="en-US" sz="700" b="0" i="0">
-                <a:effectLst/>
-                <a:latin typeface="Roboto Mono" pitchFamily="49" charset="0"/>
-              </a:rPr>
-            </a:br>
-            <a:r>
-              <a:rPr lang="en-US" sz="700" b="0" i="0">
-                <a:solidFill>
-                  <a:srgbClr val="002F87"/>
-                </a:solidFill>
-                <a:effectLst/>
-                <a:latin typeface="Roboto Mono"/>
-                <a:ea typeface="Roboto Mono"/>
-              </a:rPr>
-              <a:t>"</a:t>
-            </a:r>
-            <a:r>
-              <a:rPr lang="en-US" sz="700" b="0" i="0" err="1">
-                <a:solidFill>
-                  <a:srgbClr val="002F87"/>
-                </a:solidFill>
-                <a:effectLst/>
-                <a:latin typeface="Roboto Mono"/>
-                <a:ea typeface="Roboto Mono"/>
-              </a:rPr>
-              <a:t>refresh_expires</a:t>
-            </a:r>
-            <a:r>
-              <a:rPr lang="en-US" sz="700" b="0" i="0">
-                <a:solidFill>
-                  <a:srgbClr val="002F87"/>
-                </a:solidFill>
-                <a:effectLst/>
-                <a:latin typeface="Roboto Mono"/>
-                <a:ea typeface="Roboto Mono"/>
-              </a:rPr>
-              <a:t>": 1636322000000,</a:t>
-            </a:r>
-            <a:br>
-              <a:rPr lang="en-US" sz="700" b="0" i="0">
-                <a:effectLst/>
-                <a:latin typeface="Roboto Mono" pitchFamily="49" charset="0"/>
-              </a:rPr>
-            </a:br>
-            <a:r>
-              <a:rPr lang="en-US" sz="700" b="0" i="0">
-                <a:solidFill>
-                  <a:srgbClr val="002F87"/>
-                </a:solidFill>
-                <a:effectLst/>
-                <a:latin typeface="Roboto Mono"/>
-                <a:ea typeface="Roboto Mono"/>
-              </a:rPr>
-              <a:t>"</a:t>
-            </a:r>
-            <a:r>
-              <a:rPr lang="en-US" sz="700" b="0" i="0" err="1">
-                <a:solidFill>
-                  <a:srgbClr val="002F87"/>
-                </a:solidFill>
-                <a:effectLst/>
-                <a:latin typeface="Roboto Mono"/>
-                <a:ea typeface="Roboto Mono"/>
-              </a:rPr>
-              <a:t>refresh_response_key</a:t>
-            </a:r>
-            <a:r>
-              <a:rPr lang="en-US" sz="700" b="0" i="0">
-                <a:solidFill>
-                  <a:srgbClr val="002F87"/>
-                </a:solidFill>
-                <a:effectLst/>
-                <a:latin typeface="Roboto Mono"/>
-                <a:ea typeface="Roboto Mono"/>
-              </a:rPr>
-              <a:t>": "wR5t6HKMfJ2r4J7fEGX9Gw=="</a:t>
-            </a:r>
-            <a:br>
-              <a:rPr lang="en-US" sz="700" b="0" i="0">
-                <a:effectLst/>
-                <a:latin typeface="Roboto Mono" pitchFamily="49" charset="0"/>
-              </a:rPr>
-            </a:br>
-            <a:r>
-              <a:rPr lang="en-US" sz="700" b="0" i="0">
-                <a:solidFill>
-                  <a:srgbClr val="002F87"/>
-                </a:solidFill>
-                <a:effectLst/>
-                <a:latin typeface="Roboto Mono"/>
-                <a:ea typeface="Roboto Mono"/>
-              </a:rPr>
-              <a:t>},</a:t>
-            </a:r>
-            <a:br>
-              <a:rPr lang="en-US" sz="700" b="0" i="0">
-                <a:effectLst/>
-                <a:latin typeface="Roboto Mono" pitchFamily="49" charset="0"/>
-              </a:rPr>
-            </a:br>
-            <a:r>
-              <a:rPr lang="en-US" sz="700" b="0" i="0">
-                <a:solidFill>
-                  <a:srgbClr val="002F87"/>
-                </a:solidFill>
-                <a:effectLst/>
-                <a:latin typeface="Roboto Mono"/>
-                <a:ea typeface="Roboto Mono"/>
-              </a:rPr>
-              <a:t>"status": "success"</a:t>
-            </a:r>
-            <a:br>
-              <a:rPr lang="en-US" sz="700" b="0" i="0">
-                <a:effectLst/>
-                <a:latin typeface="Roboto Mono" pitchFamily="49" charset="0"/>
-              </a:rPr>
-            </a:br>
-            <a:r>
-              <a:rPr lang="en-US" sz="700" b="0" i="0">
-                <a:solidFill>
-                  <a:srgbClr val="002F87"/>
-                </a:solidFill>
-                <a:effectLst/>
-                <a:latin typeface="Roboto Mono"/>
-                <a:ea typeface="Roboto Mono"/>
-              </a:rPr>
               <a:t>}</a:t>
             </a:r>
-            <a:endParaRPr lang="en-US" sz="700">
+            <a:endParaRPr lang="en-US" sz="700" dirty="0">
               <a:solidFill>
                 <a:srgbClr val="002F87"/>
               </a:solidFill>
@@ -5757,7 +5646,7 @@
             <a:bodyPr/>
             <a:lstStyle/>
             <a:p>
-              <a:endParaRPr lang="en-US">
+              <a:endParaRPr lang="en-US" dirty="0">
                 <a:solidFill>
                   <a:schemeClr val="bg1"/>
                 </a:solidFill>
@@ -5795,18 +5684,10 @@
           <a:lstStyle/>
           <a:p>
             <a:r>
-              <a:rPr lang="en-US" sz="1200"/>
-              <a:t>The "body" content is extracted from (6) and passed into </a:t>
-            </a:r>
-            <a:r>
-              <a:rPr lang="en-US" sz="1200" err="1"/>
-              <a:t>setIdentity</a:t>
-            </a:r>
-            <a:r>
-              <a:rPr lang="en-US" sz="1200"/>
-              <a:t> </a:t>
-            </a:r>
-            <a:endParaRPr lang="en-US">
+              <a:rPr lang="en-US" sz="1200" dirty="0"/>
+              <a:t>The "body" content is extracted from (6) and passed into setIdentity </a:t>
+            </a:r>
+            <a:endParaRPr lang="en-US" dirty="0">
               <a:ea typeface="Calibri"/>
               <a:cs typeface="Calibri"/>
             </a:endParaRPr>
@@ -5842,7 +5723,7 @@
           <a:lstStyle/>
           <a:p>
             <a:r>
-              <a:rPr lang="en-US" sz="800" b="0" i="0">
+              <a:rPr lang="en-US" sz="800" b="0" i="0" dirty="0">
                 <a:solidFill>
                   <a:schemeClr val="bg2">
                     <a:lumMod val="75000"/>
@@ -5855,7 +5736,7 @@
               <a:t>UID2Manager.getInstance().</a:t>
             </a:r>
             <a:r>
-              <a:rPr lang="en-US" sz="800" err="1">
+              <a:rPr lang="en-US" sz="800" dirty="0">
                 <a:solidFill>
                   <a:schemeClr val="bg2">
                     <a:lumMod val="75000"/>
@@ -5864,21 +5745,9 @@
                 <a:latin typeface="Roboto Mono"/>
                 <a:ea typeface="Roboto Mono"/>
               </a:rPr>
-              <a:t>setIdentity</a:t>
-            </a:r>
-            <a:r>
-              <a:rPr lang="en-US" sz="800">
-                <a:solidFill>
-                  <a:schemeClr val="bg2">
-                    <a:lumMod val="75000"/>
-                  </a:schemeClr>
-                </a:solidFill>
-                <a:latin typeface="Roboto Mono"/>
-                <a:ea typeface="Roboto Mono"/>
-              </a:rPr>
-              <a:t> </a:t>
-            </a:r>
-            <a:endParaRPr lang="en-US" sz="800">
+              <a:t>setIdentity </a:t>
+            </a:r>
+            <a:endParaRPr lang="en-US" sz="800" dirty="0">
               <a:solidFill>
                 <a:schemeClr val="bg2">
                   <a:lumMod val="75000"/>
@@ -6000,7 +5869,7 @@
           <a:lstStyle/>
           <a:p>
             <a:r>
-              <a:rPr lang="en-US" sz="1200" b="0" i="0">
+              <a:rPr lang="en-US" sz="1200" b="0" i="0" dirty="0">
                 <a:solidFill>
                   <a:srgbClr val="000000"/>
                 </a:solidFill>
@@ -6009,14 +5878,14 @@
               <a:t>Mobile SDK calls</a:t>
             </a:r>
             <a:r>
-              <a:rPr lang="en-US" sz="1200">
+              <a:rPr lang="en-US" sz="1200" dirty="0">
                 <a:solidFill>
                   <a:srgbClr val="000000"/>
                 </a:solidFill>
               </a:rPr>
               <a:t> </a:t>
             </a:r>
-            <a:endParaRPr lang="en-US" sz="1200" b="0" i="0">
+            <a:endParaRPr lang="en-US" sz="1200" b="0" i="0" dirty="0">
               <a:solidFill>
                 <a:srgbClr val="000000"/>
               </a:solidFill>
@@ -6025,7 +5894,7 @@
           </a:p>
           <a:p>
             <a:r>
-              <a:rPr lang="en-US" sz="800" b="0" i="0">
+              <a:rPr lang="en-US" sz="800" b="0" i="0" dirty="0">
                 <a:solidFill>
                   <a:srgbClr val="002F87"/>
                 </a:solidFill>
@@ -6033,52 +5902,19 @@
                 <a:latin typeface="Roboto Mono"/>
                 <a:ea typeface="Roboto Mono"/>
               </a:rPr>
-              <a:t>UID2Manager. </a:t>
-            </a:r>
-            <a:r>
-              <a:rPr lang="en-US" sz="800" b="0" i="0" err="1">
+              <a:t>UID2Manager. getInstance().setIdentity</a:t>
+            </a:r>
+            <a:r>
+              <a:rPr lang="en-US" sz="800" dirty="0">
                 <a:solidFill>
                   <a:srgbClr val="002F87"/>
                 </a:solidFill>
-                <a:effectLst/>
                 <a:latin typeface="Roboto Mono"/>
                 <a:ea typeface="Roboto Mono"/>
               </a:rPr>
-              <a:t>getInstance</a:t>
-            </a:r>
-            <a:r>
-              <a:rPr lang="en-US" sz="800" b="0" i="0">
-                <a:solidFill>
-                  <a:srgbClr val="002F87"/>
-                </a:solidFill>
-                <a:effectLst/>
-                <a:latin typeface="Roboto Mono"/>
-                <a:ea typeface="Roboto Mono"/>
-              </a:rPr>
-              <a:t>().</a:t>
-            </a:r>
-            <a:r>
-              <a:rPr lang="en-US" sz="800" b="0" i="0" err="1">
-                <a:solidFill>
-                  <a:srgbClr val="002F87"/>
-                </a:solidFill>
-                <a:effectLst/>
-                <a:latin typeface="Roboto Mono"/>
-                <a:ea typeface="Roboto Mono"/>
-              </a:rPr>
-              <a:t>setIdentity</a:t>
-            </a:r>
-            <a:r>
-              <a:rPr lang="en-US" sz="800">
-                <a:solidFill>
-                  <a:srgbClr val="002F87"/>
-                </a:solidFill>
-                <a:latin typeface="Roboto Mono"/>
-                <a:ea typeface="Roboto Mono"/>
-              </a:rPr>
               <a:t>*</a:t>
             </a:r>
-            <a:endParaRPr lang="en-US" sz="800">
+            <a:endParaRPr lang="en-US" sz="800" dirty="0">
               <a:solidFill>
                 <a:srgbClr val="002F87"/>
               </a:solidFill>
@@ -6087,7 +5923,7 @@
             </a:endParaRPr>
           </a:p>
           <a:p>
-            <a:endParaRPr lang="en-US" sz="1200"/>
+            <a:endParaRPr lang="en-US" sz="1200" dirty="0"/>
           </a:p>
         </p:txBody>
       </p:sp>
@@ -6210,7 +6046,7 @@
           <a:bodyPr/>
           <a:lstStyle/>
           <a:p>
-            <a:endParaRPr lang="en-US">
+            <a:endParaRPr lang="en-US" dirty="0">
               <a:solidFill>
                 <a:schemeClr val="bg1"/>
               </a:solidFill>
@@ -6418,7 +6254,7 @@
           <a:lstStyle/>
           <a:p>
             <a:r>
-              <a:rPr lang="en-US" sz="1200" b="0" i="0">
+              <a:rPr lang="en-US" sz="1200" b="0" i="0" dirty="0">
                 <a:solidFill>
                   <a:srgbClr val="000000"/>
                 </a:solidFill>
@@ -6429,7 +6265,7 @@
               <a:t>Token </a:t>
             </a:r>
             <a:r>
-              <a:rPr lang="en-US" sz="1200">
+              <a:rPr lang="en-US" sz="1200" dirty="0">
                 <a:solidFill>
                   <a:srgbClr val="000000"/>
                 </a:solidFill>
@@ -6440,7 +6276,7 @@
             </a:r>
           </a:p>
           <a:p>
-            <a:endParaRPr lang="en-US" sz="1200">
+            <a:endParaRPr lang="en-US" sz="1200" dirty="0">
               <a:solidFill>
                 <a:srgbClr val="000000"/>
               </a:solidFill>
@@ -6479,7 +6315,7 @@
           <a:lstStyle/>
           <a:p>
             <a:r>
-              <a:rPr lang="en-US" sz="800" err="1">
+              <a:rPr lang="en-US" sz="800" dirty="0">
                 <a:solidFill>
                   <a:srgbClr val="002F87"/>
                 </a:solidFill>
@@ -6489,7 +6325,7 @@
               </a:rPr>
               <a:t>setAutomatic</a:t>
             </a:r>
-            <a:endParaRPr lang="en-US" sz="800" b="0" i="0">
+            <a:endParaRPr lang="en-US" sz="800" b="0" i="0" dirty="0">
               <a:solidFill>
                 <a:srgbClr val="002F87"/>
               </a:solidFill>
@@ -6501,7 +6337,7 @@
           </a:p>
           <a:p>
             <a:r>
-              <a:rPr lang="en-US" sz="800" b="0" i="0">
+              <a:rPr lang="en-US" sz="800" b="0" i="0" dirty="0">
                 <a:solidFill>
                   <a:srgbClr val="002F87"/>
                 </a:solidFill>
@@ -6515,7 +6351,7 @@
           </a:p>
           <a:p>
             <a:r>
-              <a:rPr lang="en-US" sz="800" b="0" i="0">
+              <a:rPr lang="en-US" sz="800" b="0" i="0" dirty="0">
                 <a:solidFill>
                   <a:srgbClr val="002F87"/>
                 </a:solidFill>
@@ -6526,7 +6362,7 @@
               </a:rPr>
               <a:t>Enabled() </a:t>
             </a:r>
-            <a:endParaRPr lang="en-US" sz="800">
+            <a:endParaRPr lang="en-US" sz="800" dirty="0">
               <a:solidFill>
                 <a:srgbClr val="002F87"/>
               </a:solidFill>
@@ -6644,19 +6480,19 @@
           <a:lstStyle/>
           <a:p>
             <a:r>
-              <a:rPr lang="en-US" sz="1200"/>
+              <a:rPr lang="en-US" sz="1200" dirty="0"/>
               <a:t>Ad SDK locally calls </a:t>
             </a:r>
           </a:p>
           <a:p>
             <a:r>
-              <a:rPr lang="en-US" sz="1200"/>
+              <a:rPr lang="en-US" sz="1200" dirty="0"/>
               <a:t>mobile SDK to </a:t>
             </a:r>
           </a:p>
           <a:p>
             <a:r>
-              <a:rPr lang="en-US" sz="1200"/>
+              <a:rPr lang="en-US" sz="1200" dirty="0"/>
               <a:t>retrieve the token</a:t>
             </a:r>
           </a:p>
@@ -6691,7 +6527,7 @@
           <a:lstStyle/>
           <a:p>
             <a:r>
-              <a:rPr lang="en-US" sz="800" b="0" i="0">
+              <a:rPr lang="en-US" sz="800" b="0" i="0" dirty="0">
                 <a:solidFill>
                   <a:srgbClr val="002F87"/>
                 </a:solidFill>
@@ -6704,7 +6540,7 @@
           </a:p>
           <a:p>
             <a:r>
-              <a:rPr lang="en-US" sz="800" b="0" i="0">
+              <a:rPr lang="en-US" sz="800" b="0" i="0" dirty="0">
                 <a:solidFill>
                   <a:srgbClr val="002F87"/>
                 </a:solidFill>
@@ -6712,31 +6548,9 @@
                 <a:latin typeface="Roboto Mono" pitchFamily="49" charset="0"/>
                 <a:ea typeface="Roboto Mono" pitchFamily="49" charset="0"/>
               </a:rPr>
-              <a:t>.</a:t>
-            </a:r>
-            <a:r>
-              <a:rPr lang="en-US" sz="800" b="0" i="0" err="1">
-                <a:solidFill>
-                  <a:srgbClr val="002F87"/>
-                </a:solidFill>
-                <a:effectLst/>
-                <a:latin typeface="Roboto Mono" pitchFamily="49" charset="0"/>
-                <a:ea typeface="Roboto Mono" pitchFamily="49" charset="0"/>
-              </a:rPr>
-              <a:t>getAdvertisingToken</a:t>
-            </a:r>
-            <a:r>
-              <a:rPr lang="en-US" sz="800" b="0" i="0">
-                <a:solidFill>
-                  <a:srgbClr val="002F87"/>
-                </a:solidFill>
-                <a:effectLst/>
-                <a:latin typeface="Roboto Mono" pitchFamily="49" charset="0"/>
-                <a:ea typeface="Roboto Mono" pitchFamily="49" charset="0"/>
-              </a:rPr>
-              <a:t>()</a:t>
-            </a:r>
-            <a:endParaRPr lang="en-US" sz="800">
+              <a:t>.getAdvertisingToken()</a:t>
+            </a:r>
+            <a:endParaRPr lang="en-US" sz="800" dirty="0">
               <a:solidFill>
                 <a:srgbClr val="002F87"/>
               </a:solidFill>
@@ -6846,7 +6660,7 @@
           <a:bodyPr/>
           <a:lstStyle/>
           <a:p>
-            <a:endParaRPr lang="en-US">
+            <a:endParaRPr lang="en-US" dirty="0">
               <a:solidFill>
                 <a:schemeClr val="bg1"/>
               </a:solidFill>
@@ -6911,7 +6725,7 @@
           <a:bodyPr/>
           <a:lstStyle/>
           <a:p>
-            <a:endParaRPr lang="en-US">
+            <a:endParaRPr lang="en-US" dirty="0">
               <a:solidFill>
                 <a:schemeClr val="bg1"/>
               </a:solidFill>
@@ -6948,19 +6762,19 @@
           <a:lstStyle/>
           <a:p>
             <a:r>
-              <a:rPr lang="en-US" sz="1200"/>
+              <a:rPr lang="en-US" sz="1200" dirty="0"/>
               <a:t>Token is inserted </a:t>
             </a:r>
           </a:p>
           <a:p>
             <a:r>
-              <a:rPr lang="en-US" sz="1200"/>
+              <a:rPr lang="en-US" sz="1200" dirty="0"/>
               <a:t>into ad call &amp; ready </a:t>
             </a:r>
           </a:p>
           <a:p>
             <a:r>
-              <a:rPr lang="en-US" sz="1200"/>
+              <a:rPr lang="en-US" sz="1200" dirty="0"/>
               <a:t>for the bid stream</a:t>
             </a:r>
           </a:p>
@@ -7247,10 +7061,12 @@
                 <a:ea typeface="+mn-lt"/>
                 <a:cs typeface="+mn-lt"/>
               </a:rPr>
-              <a:t>.</a:t>
-            </a:r>
-            <a:r>
-              <a:rPr lang="en-US" sz="800" dirty="0" err="1">
+              <a:t>.doNotGenerateTokensForOptedOut()</a:t>
+            </a:r>
+          </a:p>
+          <a:p>
+            <a:r>
+              <a:rPr lang="en-US" sz="800" dirty="0">
                 <a:solidFill>
                   <a:srgbClr val="002F87"/>
                 </a:solidFill>
@@ -7258,53 +7074,7 @@
                 <a:ea typeface="+mn-lt"/>
                 <a:cs typeface="+mn-lt"/>
               </a:rPr>
-              <a:t>doNotGenerateTokensForOptedOut</a:t>
-            </a:r>
-            <a:r>
-              <a:rPr lang="en-US" sz="800" dirty="0">
-                <a:solidFill>
-                  <a:srgbClr val="002F87"/>
-                </a:solidFill>
-                <a:latin typeface="Roboto Mono"/>
-                <a:ea typeface="+mn-lt"/>
-                <a:cs typeface="+mn-lt"/>
-              </a:rPr>
-              <a:t>()</a:t>
-            </a:r>
-          </a:p>
-          <a:p>
-            <a:r>
-              <a:rPr lang="en-US" sz="800" dirty="0">
-                <a:solidFill>
-                  <a:srgbClr val="002F87"/>
-                </a:solidFill>
-                <a:latin typeface="Roboto Mono"/>
-                <a:ea typeface="+mn-lt"/>
-                <a:cs typeface="+mn-lt"/>
-              </a:rPr>
-              <a:t>.</a:t>
-            </a:r>
-            <a:r>
-              <a:rPr lang="en-US" sz="800" dirty="0" err="1">
-                <a:solidFill>
-                  <a:srgbClr val="002F87"/>
-                </a:solidFill>
-                <a:latin typeface="Roboto Mono"/>
-                <a:ea typeface="+mn-lt"/>
-                <a:cs typeface="+mn-lt"/>
-              </a:rPr>
-              <a:t>getIdentityJsonString</a:t>
-            </a:r>
-            <a:r>
-              <a:rPr lang="en-US" sz="800" dirty="0">
-                <a:solidFill>
-                  <a:srgbClr val="002F87"/>
-                </a:solidFill>
-                <a:latin typeface="Roboto Mono"/>
-                <a:ea typeface="+mn-lt"/>
-                <a:cs typeface="+mn-lt"/>
-              </a:rPr>
-              <a:t>()</a:t>
+              <a:t>.getIdentityJsonString()</a:t>
             </a:r>
             <a:endParaRPr lang="en-US" sz="800" dirty="0">
               <a:solidFill>
@@ -7355,7 +7125,7 @@
           <a:lstStyle/>
           <a:p>
             <a:r>
-              <a:rPr lang="en-US" sz="1200"/>
+              <a:rPr lang="en-US" sz="1200" dirty="0"/>
               <a:t>or</a:t>
             </a:r>
           </a:p>
@@ -7393,7 +7163,7 @@
           <a:lstStyle/>
           <a:p>
             <a:r>
-              <a:rPr lang="en-US" sz="1100">
+              <a:rPr lang="en-US" sz="1100" dirty="0">
                 <a:solidFill>
                   <a:srgbClr val="1D1C1D"/>
                 </a:solidFill>
@@ -7502,7 +7272,7 @@
           <a:lstStyle/>
           <a:p>
             <a:pPr algn="ctr"/>
-            <a:endParaRPr lang="en-US"/>
+            <a:endParaRPr lang="en-US" dirty="0"/>
           </a:p>
         </p:txBody>
       </p:sp>
@@ -7539,7 +7309,7 @@
           <a:p>
             <a:pPr algn="l"/>
             <a:r>
-              <a:rPr lang="en-US" sz="1400">
+              <a:rPr lang="en-US" sz="1400" dirty="0">
                 <a:latin typeface="Calibri"/>
                 <a:ea typeface="Roboto Mono"/>
                 <a:cs typeface="Calibri"/>
@@ -7630,10 +7400,10 @@
       </p:grpSpPr>
       <p:sp>
         <p:nvSpPr>
-          <p:cNvPr id="2" name="TextBox 1">
-            <a:extLst>
-              <a:ext uri="{FF2B5EF4-FFF2-40B4-BE49-F238E27FC236}">
-                <a16:creationId xmlns:a16="http://schemas.microsoft.com/office/drawing/2014/main" id="{8F559799-5375-37BD-9FDB-52D59196B3CF}"/>
+          <p:cNvPr id="124" name="TextBox 123">
+            <a:extLst>
+              <a:ext uri="{FF2B5EF4-FFF2-40B4-BE49-F238E27FC236}">
+                <a16:creationId xmlns:a16="http://schemas.microsoft.com/office/drawing/2014/main" id="{B6FB10B8-C096-12E6-F43A-6B7053BA0E09}"/>
               </a:ext>
             </a:extLst>
           </p:cNvPr>
@@ -7642,8 +7412,2628 @@
         </p:nvSpPr>
         <p:spPr>
           <a:xfrm>
-            <a:off x="1765300" y="984250"/>
-            <a:ext cx="9023350" cy="2308324"/>
+            <a:off x="5434365" y="4837925"/>
+            <a:ext cx="5246685" cy="1708160"/>
+          </a:xfrm>
+          <a:prstGeom prst="rect">
+            <a:avLst/>
+          </a:prstGeom>
+          <a:noFill/>
+        </p:spPr>
+        <p:txBody>
+          <a:bodyPr wrap="square" lIns="91440" tIns="45720" rIns="91440" bIns="45720" anchor="t">
+            <a:spAutoFit/>
+          </a:bodyPr>
+          <a:lstStyle/>
+          <a:p>
+            <a:r>
+              <a:rPr lang="en-US" sz="700" dirty="0">
+                <a:solidFill>
+                  <a:srgbClr val="002F87"/>
+                </a:solidFill>
+                <a:latin typeface="Roboto Mono"/>
+                <a:ea typeface="Roboto Mono"/>
+              </a:rPr>
+              <a:t>{</a:t>
+            </a:r>
+            <a:br>
+              <a:rPr lang="en-US" sz="700" b="0" i="0" dirty="0">
+                <a:effectLst/>
+                <a:latin typeface="Roboto Mono" pitchFamily="49" charset="0"/>
+              </a:rPr>
+            </a:br>
+            <a:r>
+              <a:rPr lang="en-US" sz="700" b="0" i="0" dirty="0">
+                <a:solidFill>
+                  <a:srgbClr val="002F87"/>
+                </a:solidFill>
+                <a:effectLst/>
+                <a:latin typeface="Roboto Mono"/>
+                <a:ea typeface="Roboto Mono"/>
+              </a:rPr>
+              <a:t>"body": {</a:t>
+            </a:r>
+            <a:br>
+              <a:rPr lang="en-US" sz="700" b="0" i="0" dirty="0">
+                <a:effectLst/>
+                <a:latin typeface="Roboto Mono" pitchFamily="49" charset="0"/>
+              </a:rPr>
+            </a:br>
+            <a:r>
+              <a:rPr lang="en-US" sz="700" b="0" i="0" dirty="0">
+                <a:solidFill>
+                  <a:srgbClr val="002F87"/>
+                </a:solidFill>
+                <a:effectLst/>
+                <a:latin typeface="Roboto Mono"/>
+                <a:ea typeface="Roboto Mono"/>
+              </a:rPr>
+              <a:t>"advertising_token": "AdvertisingTokenmZ4dZgeuXXl6DhoXqbRXQbHlHhA96leN94U1uavZVspwKXlfWETZ3b/besPFFvJxNLLySg4QEYHUAiyUrNncgnm7ppu0mi6wU2CW6hssiuEkKfstbo9XWgRUbWNTM+ewMzXXM8G9j8Q=",</a:t>
+            </a:r>
+            <a:br>
+              <a:rPr lang="en-US" sz="700" b="0" i="0" dirty="0">
+                <a:effectLst/>
+                <a:latin typeface="Roboto Mono" pitchFamily="49" charset="0"/>
+              </a:rPr>
+            </a:br>
+            <a:r>
+              <a:rPr lang="en-US" sz="700" b="0" i="0" dirty="0">
+                <a:solidFill>
+                  <a:srgbClr val="002F87"/>
+                </a:solidFill>
+                <a:effectLst/>
+                <a:latin typeface="Roboto Mono"/>
+                <a:ea typeface="Roboto Mono"/>
+              </a:rPr>
+              <a:t>"refresh_token": "RefreshToken2F8AAAF2cskumF8AAAF2cskumF8AAAADXwFq/90PYmajV0IPrvo51Biqh7/M+JOuhfBY8KGUn//GsmZr9nf+jIWMUO4diOA92kCTF69JdP71Ooo+yF3V5yy70UDP6punSEGmhf5XSKFzjQssCtlHnKrJwqFGKpJkYA==",</a:t>
+            </a:r>
+            <a:br>
+              <a:rPr lang="en-US" sz="700" b="0" i="0" dirty="0">
+                <a:effectLst/>
+                <a:latin typeface="Roboto Mono" pitchFamily="49" charset="0"/>
+              </a:rPr>
+            </a:br>
+            <a:r>
+              <a:rPr lang="en-US" sz="700" b="0" i="0" dirty="0">
+                <a:solidFill>
+                  <a:srgbClr val="002F87"/>
+                </a:solidFill>
+                <a:effectLst/>
+                <a:latin typeface="Roboto Mono"/>
+                <a:ea typeface="Roboto Mono"/>
+              </a:rPr>
+              <a:t>"identity_expires": 1633643601000,</a:t>
+            </a:r>
+            <a:br>
+              <a:rPr lang="en-US" sz="700" b="0" i="0" dirty="0">
+                <a:effectLst/>
+                <a:latin typeface="Roboto Mono" pitchFamily="49" charset="0"/>
+              </a:rPr>
+            </a:br>
+            <a:r>
+              <a:rPr lang="en-US" sz="700" b="0" i="0" dirty="0">
+                <a:solidFill>
+                  <a:srgbClr val="002F87"/>
+                </a:solidFill>
+                <a:effectLst/>
+                <a:latin typeface="Roboto Mono"/>
+                <a:ea typeface="Roboto Mono"/>
+              </a:rPr>
+              <a:t>"refresh_from": 1633643001000,</a:t>
+            </a:r>
+            <a:br>
+              <a:rPr lang="en-US" sz="700" b="0" i="0" dirty="0">
+                <a:effectLst/>
+                <a:latin typeface="Roboto Mono" pitchFamily="49" charset="0"/>
+              </a:rPr>
+            </a:br>
+            <a:r>
+              <a:rPr lang="en-US" sz="700" b="0" i="0" dirty="0">
+                <a:solidFill>
+                  <a:srgbClr val="002F87"/>
+                </a:solidFill>
+                <a:effectLst/>
+                <a:latin typeface="Roboto Mono"/>
+                <a:ea typeface="Roboto Mono"/>
+              </a:rPr>
+              <a:t>"refresh_expires": 1636322000000,</a:t>
+            </a:r>
+            <a:br>
+              <a:rPr lang="en-US" sz="700" b="0" i="0" dirty="0">
+                <a:effectLst/>
+                <a:latin typeface="Roboto Mono" pitchFamily="49" charset="0"/>
+              </a:rPr>
+            </a:br>
+            <a:r>
+              <a:rPr lang="en-US" sz="700" b="0" i="0" dirty="0">
+                <a:solidFill>
+                  <a:srgbClr val="002F87"/>
+                </a:solidFill>
+                <a:effectLst/>
+                <a:latin typeface="Roboto Mono"/>
+                <a:ea typeface="Roboto Mono"/>
+              </a:rPr>
+              <a:t>"refresh_response_key": "wR5t6HKMfJ2r4J7fEGX9Gw=="</a:t>
+            </a:r>
+            <a:br>
+              <a:rPr lang="en-US" sz="700" b="0" i="0" dirty="0">
+                <a:effectLst/>
+                <a:latin typeface="Roboto Mono" pitchFamily="49" charset="0"/>
+              </a:rPr>
+            </a:br>
+            <a:r>
+              <a:rPr lang="en-US" sz="700" b="0" i="0" dirty="0">
+                <a:solidFill>
+                  <a:srgbClr val="002F87"/>
+                </a:solidFill>
+                <a:effectLst/>
+                <a:latin typeface="Roboto Mono"/>
+                <a:ea typeface="Roboto Mono"/>
+              </a:rPr>
+              <a:t>},</a:t>
+            </a:r>
+            <a:br>
+              <a:rPr lang="en-US" sz="700" b="0" i="0" dirty="0">
+                <a:effectLst/>
+                <a:latin typeface="Roboto Mono" pitchFamily="49" charset="0"/>
+              </a:rPr>
+            </a:br>
+            <a:r>
+              <a:rPr lang="en-US" sz="700" b="0" i="0" dirty="0">
+                <a:solidFill>
+                  <a:srgbClr val="002F87"/>
+                </a:solidFill>
+                <a:effectLst/>
+                <a:latin typeface="Roboto Mono"/>
+                <a:ea typeface="Roboto Mono"/>
+              </a:rPr>
+              <a:t>"status": "success"</a:t>
+            </a:r>
+            <a:br>
+              <a:rPr lang="en-US" sz="700" b="0" i="0" dirty="0">
+                <a:effectLst/>
+                <a:latin typeface="Roboto Mono" pitchFamily="49" charset="0"/>
+              </a:rPr>
+            </a:br>
+            <a:r>
+              <a:rPr lang="en-US" sz="700" b="0" i="0" dirty="0">
+                <a:solidFill>
+                  <a:srgbClr val="002F87"/>
+                </a:solidFill>
+                <a:effectLst/>
+                <a:latin typeface="Roboto Mono"/>
+                <a:ea typeface="Roboto Mono"/>
+              </a:rPr>
+              <a:t>}</a:t>
+            </a:r>
+            <a:endParaRPr lang="en-US" sz="700" dirty="0">
+              <a:solidFill>
+                <a:srgbClr val="002F87"/>
+              </a:solidFill>
+              <a:latin typeface="Calibri"/>
+              <a:ea typeface="Calibri"/>
+              <a:cs typeface="Calibri"/>
+            </a:endParaRPr>
+          </a:p>
+        </p:txBody>
+      </p:sp>
+      <p:sp>
+        <p:nvSpPr>
+          <p:cNvPr id="5" name="TextBox 4">
+            <a:extLst>
+              <a:ext uri="{FF2B5EF4-FFF2-40B4-BE49-F238E27FC236}">
+                <a16:creationId xmlns:a16="http://schemas.microsoft.com/office/drawing/2014/main" id="{E074B97A-4A64-6624-3EC8-7C0829CE0158}"/>
+              </a:ext>
+            </a:extLst>
+          </p:cNvPr>
+          <p:cNvSpPr txBox="1"/>
+          <p:nvPr/>
+        </p:nvSpPr>
+        <p:spPr>
+          <a:xfrm>
+            <a:off x="1883440" y="3307771"/>
+            <a:ext cx="2799075" cy="707886"/>
+          </a:xfrm>
+          <a:prstGeom prst="rect">
+            <a:avLst/>
+          </a:prstGeom>
+          <a:noFill/>
+        </p:spPr>
+        <p:txBody>
+          <a:bodyPr wrap="square" lIns="91440" tIns="45720" rIns="91440" bIns="45720" anchor="t">
+            <a:spAutoFit/>
+          </a:bodyPr>
+          <a:lstStyle/>
+          <a:p>
+            <a:r>
+              <a:rPr lang="en-US" sz="800" dirty="0">
+                <a:solidFill>
+                  <a:srgbClr val="002F87"/>
+                </a:solidFill>
+                <a:latin typeface="Roboto Mono"/>
+                <a:ea typeface="+mn-lt"/>
+                <a:cs typeface="+mn-lt"/>
+              </a:rPr>
+              <a:t>PublisherUid2Client:</a:t>
+            </a:r>
+          </a:p>
+          <a:p>
+            <a:r>
+              <a:rPr lang="en-US" sz="800" dirty="0">
+                <a:solidFill>
+                  <a:srgbClr val="002F87"/>
+                </a:solidFill>
+                <a:latin typeface="Roboto Mono"/>
+                <a:ea typeface="+mn-lt"/>
+                <a:cs typeface="+mn-lt"/>
+              </a:rPr>
+              <a:t>publisherUid2Client.generateTokenResponse()</a:t>
+            </a:r>
+          </a:p>
+          <a:p>
+            <a:r>
+              <a:rPr lang="en-US" sz="800" dirty="0">
+                <a:solidFill>
+                  <a:srgbClr val="002F87"/>
+                </a:solidFill>
+                <a:latin typeface="Roboto Mono"/>
+                <a:ea typeface="+mn-lt"/>
+                <a:cs typeface="+mn-lt"/>
+              </a:rPr>
+              <a:t>.doNotGenerateTokensForOptedOut()</a:t>
+            </a:r>
+          </a:p>
+          <a:p>
+            <a:r>
+              <a:rPr lang="en-US" sz="800" dirty="0">
+                <a:solidFill>
+                  <a:srgbClr val="002F87"/>
+                </a:solidFill>
+                <a:latin typeface="Roboto Mono"/>
+                <a:ea typeface="+mn-lt"/>
+                <a:cs typeface="+mn-lt"/>
+              </a:rPr>
+              <a:t>.getIdentityJsonString()</a:t>
+            </a:r>
+            <a:endParaRPr lang="en-US" sz="800" dirty="0">
+              <a:solidFill>
+                <a:srgbClr val="002F87"/>
+              </a:solidFill>
+              <a:latin typeface="Roboto Mono"/>
+              <a:ea typeface="Roboto Mono"/>
+            </a:endParaRPr>
+          </a:p>
+          <a:p>
+            <a:endParaRPr lang="en-US" sz="800" dirty="0">
+              <a:solidFill>
+                <a:srgbClr val="002F87"/>
+              </a:solidFill>
+              <a:latin typeface="Roboto Mono"/>
+              <a:ea typeface="Calibri"/>
+              <a:cs typeface="Calibri"/>
+            </a:endParaRPr>
+          </a:p>
+        </p:txBody>
+      </p:sp>
+      <p:sp>
+        <p:nvSpPr>
+          <p:cNvPr id="37" name="Rounded Rectangle 36">
+            <a:extLst>
+              <a:ext uri="{FF2B5EF4-FFF2-40B4-BE49-F238E27FC236}">
+                <a16:creationId xmlns:a16="http://schemas.microsoft.com/office/drawing/2014/main" id="{B1C2B8D2-A1DC-77EA-5444-05033CB691A8}"/>
+              </a:ext>
+            </a:extLst>
+          </p:cNvPr>
+          <p:cNvSpPr/>
+          <p:nvPr/>
+        </p:nvSpPr>
+        <p:spPr>
+          <a:xfrm>
+            <a:off x="177394" y="1801041"/>
+            <a:ext cx="1440000" cy="309605"/>
+          </a:xfrm>
+          <a:prstGeom prst="roundRect">
+            <a:avLst>
+              <a:gd name="adj" fmla="val 10000"/>
+            </a:avLst>
+          </a:prstGeom>
+          <a:solidFill>
+            <a:srgbClr val="78CC00"/>
+          </a:solidFill>
+        </p:spPr>
+        <p:style>
+          <a:lnRef idx="2">
+            <a:schemeClr val="lt1">
+              <a:hueOff val="0"/>
+              <a:satOff val="0"/>
+              <a:lumOff val="0"/>
+              <a:alphaOff val="0"/>
+            </a:schemeClr>
+          </a:lnRef>
+          <a:fillRef idx="1">
+            <a:scrgbClr r="0" g="0" b="0"/>
+          </a:fillRef>
+          <a:effectRef idx="0">
+            <a:schemeClr val="accent5">
+              <a:hueOff val="-6758543"/>
+              <a:satOff val="-17419"/>
+              <a:lumOff val="-11765"/>
+              <a:alphaOff val="0"/>
+            </a:schemeClr>
+          </a:effectRef>
+          <a:fontRef idx="minor">
+            <a:schemeClr val="lt1"/>
+          </a:fontRef>
+        </p:style>
+        <p:txBody>
+          <a:bodyPr/>
+          <a:lstStyle/>
+          <a:p>
+            <a:endParaRPr lang="en-US" dirty="0"/>
+          </a:p>
+        </p:txBody>
+      </p:sp>
+      <p:sp>
+        <p:nvSpPr>
+          <p:cNvPr id="48" name="Down Arrow 4">
+            <a:extLst>
+              <a:ext uri="{FF2B5EF4-FFF2-40B4-BE49-F238E27FC236}">
+                <a16:creationId xmlns:a16="http://schemas.microsoft.com/office/drawing/2014/main" id="{2EAECC4B-23AC-8AD3-CF5D-D588EACAC625}"/>
+              </a:ext>
+            </a:extLst>
+          </p:cNvPr>
+          <p:cNvSpPr txBox="1"/>
+          <p:nvPr/>
+        </p:nvSpPr>
+        <p:spPr>
+          <a:xfrm rot="16200000">
+            <a:off x="1955418" y="2068641"/>
+            <a:ext cx="89201" cy="705223"/>
+          </a:xfrm>
+          <a:prstGeom prst="rect">
+            <a:avLst/>
+          </a:prstGeom>
+        </p:spPr>
+        <p:style>
+          <a:lnRef idx="0">
+            <a:scrgbClr r="0" g="0" b="0"/>
+          </a:lnRef>
+          <a:fillRef idx="0">
+            <a:scrgbClr r="0" g="0" b="0"/>
+          </a:fillRef>
+          <a:effectRef idx="0">
+            <a:scrgbClr r="0" g="0" b="0"/>
+          </a:effectRef>
+          <a:fontRef idx="minor">
+            <a:schemeClr val="dk1">
+              <a:hueOff val="0"/>
+              <a:satOff val="0"/>
+              <a:lumOff val="0"/>
+              <a:alphaOff val="0"/>
+            </a:schemeClr>
+          </a:fontRef>
+        </p:style>
+        <p:txBody>
+          <a:bodyPr spcFirstLastPara="0" vert="horz" wrap="square" lIns="44450" tIns="44450" rIns="44450" bIns="44450" numCol="1" spcCol="1270" anchor="ctr" anchorCtr="0">
+            <a:noAutofit/>
+          </a:bodyPr>
+          <a:lstStyle/>
+          <a:p>
+            <a:pPr marL="0" lvl="0" indent="0" algn="ctr" defTabSz="1555750">
+              <a:lnSpc>
+                <a:spcPct val="90000"/>
+              </a:lnSpc>
+              <a:spcBef>
+                <a:spcPct val="0"/>
+              </a:spcBef>
+              <a:spcAft>
+                <a:spcPct val="35000"/>
+              </a:spcAft>
+              <a:buNone/>
+            </a:pPr>
+            <a:endParaRPr lang="en-US" sz="3500" kern="1200" dirty="0"/>
+          </a:p>
+        </p:txBody>
+      </p:sp>
+      <p:sp>
+        <p:nvSpPr>
+          <p:cNvPr id="3" name="Subtitle 2">
+            <a:extLst>
+              <a:ext uri="{FF2B5EF4-FFF2-40B4-BE49-F238E27FC236}">
+                <a16:creationId xmlns:a16="http://schemas.microsoft.com/office/drawing/2014/main" id="{A371885A-F63F-8485-AE6A-7141841FB16F}"/>
+              </a:ext>
+            </a:extLst>
+          </p:cNvPr>
+          <p:cNvSpPr>
+            <a:spLocks noGrp="1"/>
+          </p:cNvSpPr>
+          <p:nvPr>
+            <p:ph type="subTitle" idx="1"/>
+          </p:nvPr>
+        </p:nvSpPr>
+        <p:spPr>
+          <a:xfrm>
+            <a:off x="1450428" y="228218"/>
+            <a:ext cx="9144000" cy="491450"/>
+          </a:xfrm>
+        </p:spPr>
+        <p:txBody>
+          <a:bodyPr vert="horz" lIns="91440" tIns="45720" rIns="91440" bIns="45720" rtlCol="0" anchor="t">
+            <a:normAutofit/>
+          </a:bodyPr>
+          <a:lstStyle/>
+          <a:p>
+            <a:r>
+              <a:rPr lang="en-US" dirty="0">
+                <a:solidFill>
+                  <a:srgbClr val="002F87"/>
+                </a:solidFill>
+              </a:rPr>
+              <a:t>Data Flow for Client-Server Integration Guide for Android</a:t>
+            </a:r>
+          </a:p>
+        </p:txBody>
+      </p:sp>
+      <p:sp>
+        <p:nvSpPr>
+          <p:cNvPr id="7" name="TextBox 6">
+            <a:extLst>
+              <a:ext uri="{FF2B5EF4-FFF2-40B4-BE49-F238E27FC236}">
+                <a16:creationId xmlns:a16="http://schemas.microsoft.com/office/drawing/2014/main" id="{3709E987-5091-45E0-F23F-88559B357AE3}"/>
+              </a:ext>
+            </a:extLst>
+          </p:cNvPr>
+          <p:cNvSpPr txBox="1"/>
+          <p:nvPr/>
+        </p:nvSpPr>
+        <p:spPr>
+          <a:xfrm>
+            <a:off x="177394" y="1326048"/>
+            <a:ext cx="1386405" cy="369332"/>
+          </a:xfrm>
+          <a:prstGeom prst="rect">
+            <a:avLst/>
+          </a:prstGeom>
+          <a:noFill/>
+        </p:spPr>
+        <p:txBody>
+          <a:bodyPr wrap="none" lIns="0" tIns="0" rIns="0" bIns="0" rtlCol="0">
+            <a:spAutoFit/>
+          </a:bodyPr>
+          <a:lstStyle/>
+          <a:p>
+            <a:r>
+              <a:rPr lang="en-US" sz="1200" dirty="0"/>
+              <a:t>Server-side </a:t>
+            </a:r>
+          </a:p>
+          <a:p>
+            <a:r>
+              <a:rPr lang="en-US" sz="1200" dirty="0"/>
+              <a:t>integration completed</a:t>
+            </a:r>
+          </a:p>
+        </p:txBody>
+      </p:sp>
+      <p:sp>
+        <p:nvSpPr>
+          <p:cNvPr id="8" name="TextBox 7">
+            <a:extLst>
+              <a:ext uri="{FF2B5EF4-FFF2-40B4-BE49-F238E27FC236}">
+                <a16:creationId xmlns:a16="http://schemas.microsoft.com/office/drawing/2014/main" id="{CD3B3D6D-893A-D40F-BCD7-D04632B63464}"/>
+              </a:ext>
+            </a:extLst>
+          </p:cNvPr>
+          <p:cNvSpPr txBox="1"/>
+          <p:nvPr/>
+        </p:nvSpPr>
+        <p:spPr>
+          <a:xfrm>
+            <a:off x="1672038" y="2491405"/>
+            <a:ext cx="862416" cy="338554"/>
+          </a:xfrm>
+          <a:prstGeom prst="rect">
+            <a:avLst/>
+          </a:prstGeom>
+          <a:noFill/>
+        </p:spPr>
+        <p:txBody>
+          <a:bodyPr wrap="none" lIns="0" tIns="0" rIns="0" bIns="0" rtlCol="0">
+            <a:spAutoFit/>
+          </a:bodyPr>
+          <a:lstStyle/>
+          <a:p>
+            <a:pPr algn="ctr"/>
+            <a:r>
+              <a:rPr lang="en-US" sz="1100" dirty="0"/>
+              <a:t>UID2 Manager </a:t>
+            </a:r>
+          </a:p>
+          <a:p>
+            <a:pPr algn="ctr"/>
+            <a:r>
+              <a:rPr lang="en-US" sz="1100" dirty="0"/>
+              <a:t>Initialized</a:t>
+            </a:r>
+          </a:p>
+        </p:txBody>
+      </p:sp>
+      <p:sp>
+        <p:nvSpPr>
+          <p:cNvPr id="9" name="TextBox 8">
+            <a:extLst>
+              <a:ext uri="{FF2B5EF4-FFF2-40B4-BE49-F238E27FC236}">
+                <a16:creationId xmlns:a16="http://schemas.microsoft.com/office/drawing/2014/main" id="{F5DFA644-FAF8-5B12-7A5C-FF3D2A3071ED}"/>
+              </a:ext>
+            </a:extLst>
+          </p:cNvPr>
+          <p:cNvSpPr txBox="1"/>
+          <p:nvPr/>
+        </p:nvSpPr>
+        <p:spPr>
+          <a:xfrm>
+            <a:off x="953158" y="2917183"/>
+            <a:ext cx="1771011" cy="215444"/>
+          </a:xfrm>
+          <a:prstGeom prst="rect">
+            <a:avLst/>
+          </a:prstGeom>
+          <a:noFill/>
+        </p:spPr>
+        <p:txBody>
+          <a:bodyPr wrap="square" lIns="91440" tIns="45720" rIns="91440" bIns="45720" rtlCol="0" anchor="t">
+            <a:spAutoFit/>
+          </a:bodyPr>
+          <a:lstStyle/>
+          <a:p>
+            <a:r>
+              <a:rPr lang="en-US" sz="800" b="0" i="0" dirty="0">
+                <a:solidFill>
+                  <a:srgbClr val="002F87"/>
+                </a:solidFill>
+                <a:effectLst/>
+                <a:latin typeface="Roboto Mono"/>
+                <a:ea typeface="Roboto Mono"/>
+              </a:rPr>
+              <a:t>UID2Manager.init</a:t>
+            </a:r>
+            <a:r>
+              <a:rPr lang="en-US" sz="800" dirty="0">
+                <a:solidFill>
+                  <a:srgbClr val="002F87"/>
+                </a:solidFill>
+                <a:latin typeface="Roboto Mono"/>
+                <a:ea typeface="Roboto Mono"/>
+              </a:rPr>
+              <a:t>(context)</a:t>
+            </a:r>
+            <a:r>
+              <a:rPr lang="en-US" sz="800" b="0" i="0" dirty="0">
+                <a:solidFill>
+                  <a:srgbClr val="002F87"/>
+                </a:solidFill>
+                <a:effectLst/>
+                <a:latin typeface="Roboto Mono"/>
+                <a:ea typeface="Roboto Mono"/>
+              </a:rPr>
+              <a:t> </a:t>
+            </a:r>
+            <a:endParaRPr lang="en-US" dirty="0">
+              <a:cs typeface="Calibri"/>
+            </a:endParaRPr>
+          </a:p>
+        </p:txBody>
+      </p:sp>
+      <p:sp>
+        <p:nvSpPr>
+          <p:cNvPr id="39" name="Rounded Rectangle 38">
+            <a:extLst>
+              <a:ext uri="{FF2B5EF4-FFF2-40B4-BE49-F238E27FC236}">
+                <a16:creationId xmlns:a16="http://schemas.microsoft.com/office/drawing/2014/main" id="{9DF53174-0E11-3910-0F58-BCA4D37230FE}"/>
+              </a:ext>
+            </a:extLst>
+          </p:cNvPr>
+          <p:cNvSpPr/>
+          <p:nvPr/>
+        </p:nvSpPr>
+        <p:spPr>
+          <a:xfrm>
+            <a:off x="177394" y="1801040"/>
+            <a:ext cx="1440000" cy="1044000"/>
+          </a:xfrm>
+          <a:prstGeom prst="roundRect">
+            <a:avLst>
+              <a:gd name="adj" fmla="val 10000"/>
+            </a:avLst>
+          </a:prstGeom>
+          <a:noFill/>
+          <a:ln w="22225">
+            <a:solidFill>
+              <a:srgbClr val="002F87"/>
+            </a:solidFill>
+          </a:ln>
+        </p:spPr>
+        <p:style>
+          <a:lnRef idx="2">
+            <a:schemeClr val="lt1">
+              <a:hueOff val="0"/>
+              <a:satOff val="0"/>
+              <a:lumOff val="0"/>
+              <a:alphaOff val="0"/>
+            </a:schemeClr>
+          </a:lnRef>
+          <a:fillRef idx="1">
+            <a:scrgbClr r="0" g="0" b="0"/>
+          </a:fillRef>
+          <a:effectRef idx="0">
+            <a:schemeClr val="accent5">
+              <a:hueOff val="-6758543"/>
+              <a:satOff val="-17419"/>
+              <a:lumOff val="-11765"/>
+              <a:alphaOff val="0"/>
+            </a:schemeClr>
+          </a:effectRef>
+          <a:fontRef idx="minor">
+            <a:schemeClr val="lt1"/>
+          </a:fontRef>
+        </p:style>
+        <p:txBody>
+          <a:bodyPr lIns="0" tIns="0" rIns="0" bIns="0"/>
+          <a:lstStyle/>
+          <a:p>
+            <a:endParaRPr lang="en-US" altLang="ja-JP" sz="1100" dirty="0">
+              <a:solidFill>
+                <a:schemeClr val="tx1"/>
+              </a:solidFill>
+            </a:endParaRPr>
+          </a:p>
+          <a:p>
+            <a:endParaRPr lang="en-US" altLang="ja-JP" sz="1100" dirty="0">
+              <a:solidFill>
+                <a:schemeClr val="tx1"/>
+              </a:solidFill>
+            </a:endParaRPr>
+          </a:p>
+          <a:p>
+            <a:r>
+              <a:rPr lang="en-US" altLang="ja-JP" sz="1100" dirty="0">
+                <a:solidFill>
+                  <a:schemeClr val="tx1"/>
+                </a:solidFill>
+              </a:rPr>
+              <a:t>UID2 Android SDK is installed to the  app</a:t>
+            </a:r>
+          </a:p>
+        </p:txBody>
+      </p:sp>
+      <p:pic>
+        <p:nvPicPr>
+          <p:cNvPr id="56" name="Graphic 55" descr="User outline">
+            <a:extLst>
+              <a:ext uri="{FF2B5EF4-FFF2-40B4-BE49-F238E27FC236}">
+                <a16:creationId xmlns:a16="http://schemas.microsoft.com/office/drawing/2014/main" id="{BBBC7F25-403E-8805-71BE-1F19D59D71CA}"/>
+              </a:ext>
+            </a:extLst>
+          </p:cNvPr>
+          <p:cNvPicPr>
+            <a:picLocks noChangeAspect="1"/>
+          </p:cNvPicPr>
+          <p:nvPr/>
+        </p:nvPicPr>
+        <p:blipFill>
+          <a:blip r:embed="rId2">
+            <a:extLst>
+              <a:ext uri="{96DAC541-7B7A-43D3-8B79-37D633B846F1}">
+                <asvg:svgBlip xmlns:asvg="http://schemas.microsoft.com/office/drawing/2016/SVG/main" r:embed="rId3"/>
+              </a:ext>
+            </a:extLst>
+          </a:blip>
+          <a:stretch>
+            <a:fillRect/>
+          </a:stretch>
+        </p:blipFill>
+        <p:spPr>
+          <a:xfrm>
+            <a:off x="2897858" y="781200"/>
+            <a:ext cx="770238" cy="770238"/>
+          </a:xfrm>
+          <a:prstGeom prst="rect">
+            <a:avLst/>
+          </a:prstGeom>
+        </p:spPr>
+      </p:pic>
+      <p:sp>
+        <p:nvSpPr>
+          <p:cNvPr id="78" name="TextBox 77">
+            <a:extLst>
+              <a:ext uri="{FF2B5EF4-FFF2-40B4-BE49-F238E27FC236}">
+                <a16:creationId xmlns:a16="http://schemas.microsoft.com/office/drawing/2014/main" id="{1F5D49EA-E41D-EA4C-AF09-71F75B307A5C}"/>
+              </a:ext>
+            </a:extLst>
+          </p:cNvPr>
+          <p:cNvSpPr txBox="1"/>
+          <p:nvPr/>
+        </p:nvSpPr>
+        <p:spPr>
+          <a:xfrm>
+            <a:off x="3659449" y="803072"/>
+            <a:ext cx="1410964" cy="738664"/>
+          </a:xfrm>
+          <a:prstGeom prst="rect">
+            <a:avLst/>
+          </a:prstGeom>
+          <a:noFill/>
+        </p:spPr>
+        <p:txBody>
+          <a:bodyPr wrap="none" lIns="91440" tIns="45720" rIns="91440" bIns="45720" rtlCol="0" anchor="t">
+            <a:spAutoFit/>
+          </a:bodyPr>
+          <a:lstStyle/>
+          <a:p>
+            <a:r>
+              <a:rPr lang="en-US" sz="1100" dirty="0"/>
+              <a:t>User DII captured </a:t>
+            </a:r>
+            <a:endParaRPr lang="en-US" sz="1100" dirty="0">
+              <a:solidFill>
+                <a:srgbClr val="000000"/>
+              </a:solidFill>
+            </a:endParaRPr>
+          </a:p>
+          <a:p>
+            <a:r>
+              <a:rPr lang="en-US" sz="1000" dirty="0">
+                <a:solidFill>
+                  <a:srgbClr val="002F87"/>
+                </a:solidFill>
+              </a:rPr>
+              <a:t>(!) Obtain legal basis to </a:t>
+            </a:r>
+            <a:endParaRPr lang="en-US" sz="1200" dirty="0">
+              <a:solidFill>
+                <a:srgbClr val="000000"/>
+              </a:solidFill>
+              <a:ea typeface="Calibri" panose="020F0502020204030204"/>
+              <a:cs typeface="Calibri"/>
+            </a:endParaRPr>
+          </a:p>
+          <a:p>
+            <a:r>
+              <a:rPr lang="en-US" sz="1000" dirty="0">
+                <a:solidFill>
+                  <a:srgbClr val="002F87"/>
+                </a:solidFill>
+              </a:rPr>
+              <a:t>use DII for UID2 token </a:t>
+            </a:r>
+          </a:p>
+          <a:p>
+            <a:r>
+              <a:rPr lang="en-US" sz="1000" dirty="0">
+                <a:solidFill>
+                  <a:srgbClr val="002F87"/>
+                </a:solidFill>
+              </a:rPr>
+              <a:t>generation</a:t>
+            </a:r>
+          </a:p>
+        </p:txBody>
+      </p:sp>
+      <p:cxnSp>
+        <p:nvCxnSpPr>
+          <p:cNvPr id="79" name="Straight Arrow Connector 78">
+            <a:extLst>
+              <a:ext uri="{FF2B5EF4-FFF2-40B4-BE49-F238E27FC236}">
+                <a16:creationId xmlns:a16="http://schemas.microsoft.com/office/drawing/2014/main" id="{86F82452-9B12-5A2F-E405-74E9F02E8708}"/>
+              </a:ext>
+            </a:extLst>
+          </p:cNvPr>
+          <p:cNvCxnSpPr>
+            <a:cxnSpLocks/>
+          </p:cNvCxnSpPr>
+          <p:nvPr/>
+        </p:nvCxnSpPr>
+        <p:spPr>
+          <a:xfrm>
+            <a:off x="3275617" y="1270800"/>
+            <a:ext cx="9557" cy="519454"/>
+          </a:xfrm>
+          <a:prstGeom prst="straightConnector1">
+            <a:avLst/>
+          </a:prstGeom>
+          <a:ln>
+            <a:tailEnd type="triangle"/>
+          </a:ln>
+        </p:spPr>
+        <p:style>
+          <a:lnRef idx="1">
+            <a:schemeClr val="accent1"/>
+          </a:lnRef>
+          <a:fillRef idx="0">
+            <a:schemeClr val="accent1"/>
+          </a:fillRef>
+          <a:effectRef idx="0">
+            <a:schemeClr val="accent1"/>
+          </a:effectRef>
+          <a:fontRef idx="minor">
+            <a:schemeClr val="tx1"/>
+          </a:fontRef>
+        </p:style>
+      </p:cxnSp>
+      <p:sp>
+        <p:nvSpPr>
+          <p:cNvPr id="85" name="TextBox 84">
+            <a:extLst>
+              <a:ext uri="{FF2B5EF4-FFF2-40B4-BE49-F238E27FC236}">
+                <a16:creationId xmlns:a16="http://schemas.microsoft.com/office/drawing/2014/main" id="{B8C7E20F-994F-90C1-3776-98943458280D}"/>
+              </a:ext>
+            </a:extLst>
+          </p:cNvPr>
+          <p:cNvSpPr txBox="1"/>
+          <p:nvPr/>
+        </p:nvSpPr>
+        <p:spPr>
+          <a:xfrm>
+            <a:off x="2553064" y="2891539"/>
+            <a:ext cx="1459826" cy="338554"/>
+          </a:xfrm>
+          <a:prstGeom prst="rect">
+            <a:avLst/>
+          </a:prstGeom>
+          <a:noFill/>
+        </p:spPr>
+        <p:txBody>
+          <a:bodyPr wrap="square">
+            <a:spAutoFit/>
+          </a:bodyPr>
+          <a:lstStyle/>
+          <a:p>
+            <a:r>
+              <a:rPr lang="en-US" sz="800" b="0" i="0" dirty="0">
+                <a:solidFill>
+                  <a:srgbClr val="002F87"/>
+                </a:solidFill>
+                <a:effectLst/>
+                <a:latin typeface="Roboto Mono" panose="020F0502020204030204" pitchFamily="34" charset="0"/>
+              </a:rPr>
+              <a:t>POST ‘{environment}</a:t>
+            </a:r>
+          </a:p>
+          <a:p>
+            <a:r>
+              <a:rPr lang="en-US" sz="800" b="0" i="0" dirty="0">
+                <a:solidFill>
+                  <a:srgbClr val="002F87"/>
+                </a:solidFill>
+                <a:effectLst/>
+                <a:latin typeface="Roboto Mono" panose="020F0502020204030204" pitchFamily="34" charset="0"/>
+              </a:rPr>
+              <a:t>/v2/token/generate'</a:t>
+            </a:r>
+            <a:endParaRPr lang="en-US" sz="800" dirty="0">
+              <a:solidFill>
+                <a:srgbClr val="002F87"/>
+              </a:solidFill>
+            </a:endParaRPr>
+          </a:p>
+        </p:txBody>
+      </p:sp>
+      <p:sp>
+        <p:nvSpPr>
+          <p:cNvPr id="89" name="Rounded Rectangle 88">
+            <a:extLst>
+              <a:ext uri="{FF2B5EF4-FFF2-40B4-BE49-F238E27FC236}">
+                <a16:creationId xmlns:a16="http://schemas.microsoft.com/office/drawing/2014/main" id="{4D14AF39-01D5-56F0-4BCC-0183C9886FE0}"/>
+              </a:ext>
+            </a:extLst>
+          </p:cNvPr>
+          <p:cNvSpPr/>
+          <p:nvPr/>
+        </p:nvSpPr>
+        <p:spPr>
+          <a:xfrm>
+            <a:off x="5380111" y="3781555"/>
+            <a:ext cx="1440000" cy="309605"/>
+          </a:xfrm>
+          <a:prstGeom prst="roundRect">
+            <a:avLst>
+              <a:gd name="adj" fmla="val 10000"/>
+            </a:avLst>
+          </a:prstGeom>
+          <a:solidFill>
+            <a:srgbClr val="1BD2DE"/>
+          </a:solidFill>
+        </p:spPr>
+        <p:style>
+          <a:lnRef idx="2">
+            <a:schemeClr val="lt1">
+              <a:hueOff val="0"/>
+              <a:satOff val="0"/>
+              <a:lumOff val="0"/>
+              <a:alphaOff val="0"/>
+            </a:schemeClr>
+          </a:lnRef>
+          <a:fillRef idx="1">
+            <a:scrgbClr r="0" g="0" b="0"/>
+          </a:fillRef>
+          <a:effectRef idx="0">
+            <a:schemeClr val="accent5">
+              <a:hueOff val="-6758543"/>
+              <a:satOff val="-17419"/>
+              <a:lumOff val="-11765"/>
+              <a:alphaOff val="0"/>
+            </a:schemeClr>
+          </a:effectRef>
+          <a:fontRef idx="minor">
+            <a:schemeClr val="lt1"/>
+          </a:fontRef>
+        </p:style>
+        <p:txBody>
+          <a:bodyPr/>
+          <a:lstStyle/>
+          <a:p>
+            <a:endParaRPr lang="en-US" dirty="0">
+              <a:solidFill>
+                <a:schemeClr val="bg1"/>
+              </a:solidFill>
+            </a:endParaRPr>
+          </a:p>
+        </p:txBody>
+      </p:sp>
+      <p:sp>
+        <p:nvSpPr>
+          <p:cNvPr id="90" name="Rounded Rectangle 89">
+            <a:extLst>
+              <a:ext uri="{FF2B5EF4-FFF2-40B4-BE49-F238E27FC236}">
+                <a16:creationId xmlns:a16="http://schemas.microsoft.com/office/drawing/2014/main" id="{A681ADC5-DF77-F900-8190-9BFFEF3E53EA}"/>
+              </a:ext>
+            </a:extLst>
+          </p:cNvPr>
+          <p:cNvSpPr/>
+          <p:nvPr/>
+        </p:nvSpPr>
+        <p:spPr>
+          <a:xfrm>
+            <a:off x="5380111" y="3781555"/>
+            <a:ext cx="1440000" cy="1044000"/>
+          </a:xfrm>
+          <a:prstGeom prst="roundRect">
+            <a:avLst>
+              <a:gd name="adj" fmla="val 10000"/>
+            </a:avLst>
+          </a:prstGeom>
+          <a:noFill/>
+          <a:ln w="22225">
+            <a:solidFill>
+              <a:srgbClr val="002F87"/>
+            </a:solidFill>
+          </a:ln>
+        </p:spPr>
+        <p:style>
+          <a:lnRef idx="2">
+            <a:schemeClr val="lt1">
+              <a:hueOff val="0"/>
+              <a:satOff val="0"/>
+              <a:lumOff val="0"/>
+              <a:alphaOff val="0"/>
+            </a:schemeClr>
+          </a:lnRef>
+          <a:fillRef idx="1">
+            <a:scrgbClr r="0" g="0" b="0"/>
+          </a:fillRef>
+          <a:effectRef idx="0">
+            <a:schemeClr val="accent5">
+              <a:hueOff val="-6758543"/>
+              <a:satOff val="-17419"/>
+              <a:lumOff val="-11765"/>
+              <a:alphaOff val="0"/>
+            </a:schemeClr>
+          </a:effectRef>
+          <a:fontRef idx="minor">
+            <a:schemeClr val="lt1"/>
+          </a:fontRef>
+        </p:style>
+        <p:txBody>
+          <a:bodyPr lIns="36000" tIns="0" rIns="36000" bIns="0"/>
+          <a:lstStyle/>
+          <a:p>
+            <a:endParaRPr lang="en-US" altLang="ja-JP" sz="1100" dirty="0">
+              <a:solidFill>
+                <a:schemeClr val="tx1"/>
+              </a:solidFill>
+            </a:endParaRPr>
+          </a:p>
+          <a:p>
+            <a:endParaRPr lang="en-US" altLang="ja-JP" sz="1100" dirty="0">
+              <a:solidFill>
+                <a:schemeClr val="tx1"/>
+              </a:solidFill>
+            </a:endParaRPr>
+          </a:p>
+          <a:p>
+            <a:r>
+              <a:rPr lang="en-US" altLang="ja-JP" sz="1100" dirty="0">
+                <a:solidFill>
+                  <a:schemeClr val="tx1"/>
+                </a:solidFill>
+              </a:rPr>
+              <a:t>UID2 token generated server-side</a:t>
+            </a:r>
+          </a:p>
+        </p:txBody>
+      </p:sp>
+      <p:sp>
+        <p:nvSpPr>
+          <p:cNvPr id="94" name="TextBox 93">
+            <a:extLst>
+              <a:ext uri="{FF2B5EF4-FFF2-40B4-BE49-F238E27FC236}">
+                <a16:creationId xmlns:a16="http://schemas.microsoft.com/office/drawing/2014/main" id="{ADC062EF-7AA0-8AC4-5C1F-4F8E4FB99BD6}"/>
+              </a:ext>
+            </a:extLst>
+          </p:cNvPr>
+          <p:cNvSpPr txBox="1"/>
+          <p:nvPr/>
+        </p:nvSpPr>
+        <p:spPr>
+          <a:xfrm>
+            <a:off x="4008259" y="2502524"/>
+            <a:ext cx="902898" cy="507831"/>
+          </a:xfrm>
+          <a:prstGeom prst="rect">
+            <a:avLst/>
+          </a:prstGeom>
+          <a:noFill/>
+        </p:spPr>
+        <p:txBody>
+          <a:bodyPr wrap="square" lIns="0" tIns="0" rIns="0" bIns="0" rtlCol="0">
+            <a:spAutoFit/>
+          </a:bodyPr>
+          <a:lstStyle/>
+          <a:p>
+            <a:pPr algn="ctr"/>
+            <a:r>
+              <a:rPr lang="en-US" sz="1100" dirty="0"/>
+              <a:t>UID2 Service checks for</a:t>
+            </a:r>
+          </a:p>
+          <a:p>
+            <a:pPr algn="ctr"/>
+            <a:r>
+              <a:rPr lang="en-US" sz="1100" dirty="0"/>
+              <a:t> Opt-out </a:t>
+            </a:r>
+          </a:p>
+        </p:txBody>
+      </p:sp>
+      <p:cxnSp>
+        <p:nvCxnSpPr>
+          <p:cNvPr id="95" name="Straight Arrow Connector 94">
+            <a:extLst>
+              <a:ext uri="{FF2B5EF4-FFF2-40B4-BE49-F238E27FC236}">
+                <a16:creationId xmlns:a16="http://schemas.microsoft.com/office/drawing/2014/main" id="{C6D85557-199A-4425-2BDA-5CB5573DBCA3}"/>
+              </a:ext>
+            </a:extLst>
+          </p:cNvPr>
+          <p:cNvCxnSpPr>
+            <a:cxnSpLocks/>
+          </p:cNvCxnSpPr>
+          <p:nvPr/>
+        </p:nvCxnSpPr>
+        <p:spPr>
+          <a:xfrm flipH="1">
+            <a:off x="4788000" y="2977200"/>
+            <a:ext cx="617425" cy="726511"/>
+          </a:xfrm>
+          <a:prstGeom prst="straightConnector1">
+            <a:avLst/>
+          </a:prstGeom>
+          <a:ln w="12700">
+            <a:solidFill>
+              <a:srgbClr val="002F87"/>
+            </a:solidFill>
+            <a:tailEnd type="triangle"/>
+          </a:ln>
+        </p:spPr>
+        <p:style>
+          <a:lnRef idx="1">
+            <a:schemeClr val="accent1"/>
+          </a:lnRef>
+          <a:fillRef idx="0">
+            <a:schemeClr val="accent1"/>
+          </a:fillRef>
+          <a:effectRef idx="0">
+            <a:schemeClr val="accent1"/>
+          </a:effectRef>
+          <a:fontRef idx="minor">
+            <a:schemeClr val="tx1"/>
+          </a:fontRef>
+        </p:style>
+      </p:cxnSp>
+      <p:sp>
+        <p:nvSpPr>
+          <p:cNvPr id="98" name="Decision 97">
+            <a:extLst>
+              <a:ext uri="{FF2B5EF4-FFF2-40B4-BE49-F238E27FC236}">
+                <a16:creationId xmlns:a16="http://schemas.microsoft.com/office/drawing/2014/main" id="{74C905A4-CFD6-FD9B-C045-F06DC83B33F5}"/>
+              </a:ext>
+            </a:extLst>
+          </p:cNvPr>
+          <p:cNvSpPr/>
+          <p:nvPr/>
+        </p:nvSpPr>
+        <p:spPr>
+          <a:xfrm>
+            <a:off x="4899296" y="1817381"/>
+            <a:ext cx="998654" cy="1159731"/>
+          </a:xfrm>
+          <a:prstGeom prst="flowChartDecision">
+            <a:avLst/>
+          </a:prstGeom>
+          <a:noFill/>
+          <a:ln w="22225">
+            <a:solidFill>
+              <a:srgbClr val="002F87"/>
+            </a:solidFill>
+          </a:ln>
+        </p:spPr>
+        <p:style>
+          <a:lnRef idx="2">
+            <a:schemeClr val="accent1">
+              <a:shade val="15000"/>
+            </a:schemeClr>
+          </a:lnRef>
+          <a:fillRef idx="1">
+            <a:schemeClr val="accent1"/>
+          </a:fillRef>
+          <a:effectRef idx="0">
+            <a:schemeClr val="accent1"/>
+          </a:effectRef>
+          <a:fontRef idx="minor">
+            <a:schemeClr val="lt1"/>
+          </a:fontRef>
+        </p:style>
+        <p:txBody>
+          <a:bodyPr lIns="0" tIns="0" rIns="0" bIns="0" rtlCol="0" anchor="ctr"/>
+          <a:lstStyle/>
+          <a:p>
+            <a:pPr lvl="0" algn="ctr"/>
+            <a:r>
+              <a:rPr lang="en-US" altLang="ja-JP" sz="1100" dirty="0">
+                <a:solidFill>
+                  <a:schemeClr val="tx1"/>
+                </a:solidFill>
+              </a:rPr>
+              <a:t>Opt-out </a:t>
+            </a:r>
+          </a:p>
+          <a:p>
+            <a:pPr lvl="0" algn="ctr"/>
+            <a:r>
+              <a:rPr lang="en-US" altLang="ja-JP" sz="1100" dirty="0">
+                <a:solidFill>
+                  <a:schemeClr val="tx1"/>
+                </a:solidFill>
+              </a:rPr>
+              <a:t>Y/N?</a:t>
+            </a:r>
+          </a:p>
+        </p:txBody>
+      </p:sp>
+      <p:sp>
+        <p:nvSpPr>
+          <p:cNvPr id="104" name="TextBox 103">
+            <a:extLst>
+              <a:ext uri="{FF2B5EF4-FFF2-40B4-BE49-F238E27FC236}">
+                <a16:creationId xmlns:a16="http://schemas.microsoft.com/office/drawing/2014/main" id="{536544AA-B44A-65D5-4600-8999B784C775}"/>
+              </a:ext>
+            </a:extLst>
+          </p:cNvPr>
+          <p:cNvSpPr txBox="1"/>
+          <p:nvPr/>
+        </p:nvSpPr>
+        <p:spPr>
+          <a:xfrm>
+            <a:off x="4542018" y="3388978"/>
+            <a:ext cx="422859" cy="276999"/>
+          </a:xfrm>
+          <a:prstGeom prst="rect">
+            <a:avLst/>
+          </a:prstGeom>
+          <a:noFill/>
+        </p:spPr>
+        <p:txBody>
+          <a:bodyPr wrap="square">
+            <a:spAutoFit/>
+          </a:bodyPr>
+          <a:lstStyle/>
+          <a:p>
+            <a:pPr lvl="0" algn="ctr"/>
+            <a:r>
+              <a:rPr lang="en-US" sz="1200" dirty="0">
+                <a:solidFill>
+                  <a:schemeClr val="tx1"/>
+                </a:solidFill>
+              </a:rPr>
+              <a:t>Yes</a:t>
+            </a:r>
+          </a:p>
+        </p:txBody>
+      </p:sp>
+      <p:sp>
+        <p:nvSpPr>
+          <p:cNvPr id="109" name="Rounded Rectangle 108">
+            <a:extLst>
+              <a:ext uri="{FF2B5EF4-FFF2-40B4-BE49-F238E27FC236}">
+                <a16:creationId xmlns:a16="http://schemas.microsoft.com/office/drawing/2014/main" id="{55BAD7D0-BC22-BBA4-58AA-2BEA3571262C}"/>
+              </a:ext>
+            </a:extLst>
+          </p:cNvPr>
+          <p:cNvSpPr/>
+          <p:nvPr/>
+        </p:nvSpPr>
+        <p:spPr>
+          <a:xfrm>
+            <a:off x="3826356" y="3781555"/>
+            <a:ext cx="1440000" cy="310896"/>
+          </a:xfrm>
+          <a:prstGeom prst="roundRect">
+            <a:avLst>
+              <a:gd name="adj" fmla="val 10000"/>
+            </a:avLst>
+          </a:prstGeom>
+          <a:solidFill>
+            <a:srgbClr val="78CC00"/>
+          </a:solidFill>
+        </p:spPr>
+        <p:style>
+          <a:lnRef idx="2">
+            <a:schemeClr val="lt1">
+              <a:hueOff val="0"/>
+              <a:satOff val="0"/>
+              <a:lumOff val="0"/>
+              <a:alphaOff val="0"/>
+            </a:schemeClr>
+          </a:lnRef>
+          <a:fillRef idx="1">
+            <a:scrgbClr r="0" g="0" b="0"/>
+          </a:fillRef>
+          <a:effectRef idx="0">
+            <a:schemeClr val="accent5">
+              <a:hueOff val="-6758543"/>
+              <a:satOff val="-17419"/>
+              <a:lumOff val="-11765"/>
+              <a:alphaOff val="0"/>
+            </a:schemeClr>
+          </a:effectRef>
+          <a:fontRef idx="minor">
+            <a:schemeClr val="lt1"/>
+          </a:fontRef>
+        </p:style>
+        <p:txBody>
+          <a:bodyPr lIns="91440" tIns="45720" rIns="91440" bIns="45720" anchor="t"/>
+          <a:lstStyle/>
+          <a:p>
+            <a:endParaRPr lang="en-US" dirty="0">
+              <a:ea typeface="Calibri"/>
+              <a:cs typeface="Calibri"/>
+            </a:endParaRPr>
+          </a:p>
+        </p:txBody>
+      </p:sp>
+      <p:sp>
+        <p:nvSpPr>
+          <p:cNvPr id="107" name="Rounded Rectangle 106">
+            <a:extLst>
+              <a:ext uri="{FF2B5EF4-FFF2-40B4-BE49-F238E27FC236}">
+                <a16:creationId xmlns:a16="http://schemas.microsoft.com/office/drawing/2014/main" id="{68A29C54-2907-2B26-06E8-9C37545CAAD3}"/>
+              </a:ext>
+            </a:extLst>
+          </p:cNvPr>
+          <p:cNvSpPr/>
+          <p:nvPr/>
+        </p:nvSpPr>
+        <p:spPr>
+          <a:xfrm>
+            <a:off x="3826356" y="3781555"/>
+            <a:ext cx="1440000" cy="1044000"/>
+          </a:xfrm>
+          <a:prstGeom prst="roundRect">
+            <a:avLst>
+              <a:gd name="adj" fmla="val 10000"/>
+            </a:avLst>
+          </a:prstGeom>
+          <a:noFill/>
+          <a:ln w="22225">
+            <a:solidFill>
+              <a:srgbClr val="002F87"/>
+            </a:solidFill>
+          </a:ln>
+        </p:spPr>
+        <p:style>
+          <a:lnRef idx="2">
+            <a:schemeClr val="lt1">
+              <a:hueOff val="0"/>
+              <a:satOff val="0"/>
+              <a:lumOff val="0"/>
+              <a:alphaOff val="0"/>
+            </a:schemeClr>
+          </a:lnRef>
+          <a:fillRef idx="1">
+            <a:scrgbClr r="0" g="0" b="0"/>
+          </a:fillRef>
+          <a:effectRef idx="0">
+            <a:schemeClr val="accent5">
+              <a:hueOff val="-6758543"/>
+              <a:satOff val="-17419"/>
+              <a:lumOff val="-11765"/>
+              <a:alphaOff val="0"/>
+            </a:schemeClr>
+          </a:effectRef>
+          <a:fontRef idx="minor">
+            <a:schemeClr val="lt1"/>
+          </a:fontRef>
+        </p:style>
+        <p:txBody>
+          <a:bodyPr lIns="0" tIns="0" rIns="0" bIns="0"/>
+          <a:lstStyle/>
+          <a:p>
+            <a:pPr lvl="0"/>
+            <a:endParaRPr lang="en-US" altLang="ja-JP" sz="1100" dirty="0">
+              <a:solidFill>
+                <a:schemeClr val="tx1"/>
+              </a:solidFill>
+            </a:endParaRPr>
+          </a:p>
+          <a:p>
+            <a:pPr lvl="0"/>
+            <a:endParaRPr lang="en-US" altLang="ja-JP" sz="1100" dirty="0">
+              <a:solidFill>
+                <a:schemeClr val="tx1"/>
+              </a:solidFill>
+            </a:endParaRPr>
+          </a:p>
+          <a:p>
+            <a:pPr lvl="0"/>
+            <a:r>
+              <a:rPr lang="en-US" altLang="ja-JP" sz="1100" dirty="0">
+                <a:solidFill>
+                  <a:schemeClr val="tx1"/>
+                </a:solidFill>
+              </a:rPr>
+              <a:t>Opt-Out </a:t>
+            </a:r>
+          </a:p>
+          <a:p>
+            <a:pPr lvl="0"/>
+            <a:r>
+              <a:rPr lang="en-US" altLang="ja-JP" sz="1100" dirty="0">
+                <a:solidFill>
+                  <a:schemeClr val="tx1"/>
+                </a:solidFill>
+              </a:rPr>
+              <a:t>Confirmation </a:t>
+            </a:r>
+          </a:p>
+        </p:txBody>
+      </p:sp>
+      <p:sp>
+        <p:nvSpPr>
+          <p:cNvPr id="111" name="TextBox 110">
+            <a:extLst>
+              <a:ext uri="{FF2B5EF4-FFF2-40B4-BE49-F238E27FC236}">
+                <a16:creationId xmlns:a16="http://schemas.microsoft.com/office/drawing/2014/main" id="{A4D11D91-8D27-9D2C-13B8-FD2655397132}"/>
+              </a:ext>
+            </a:extLst>
+          </p:cNvPr>
+          <p:cNvSpPr txBox="1"/>
+          <p:nvPr/>
+        </p:nvSpPr>
+        <p:spPr>
+          <a:xfrm>
+            <a:off x="3831156" y="4837926"/>
+            <a:ext cx="1435200" cy="287176"/>
+          </a:xfrm>
+          <a:prstGeom prst="rect">
+            <a:avLst/>
+          </a:prstGeom>
+          <a:noFill/>
+        </p:spPr>
+        <p:txBody>
+          <a:bodyPr wrap="square" lIns="0" tIns="0" rIns="0" bIns="0">
+            <a:noAutofit/>
+          </a:bodyPr>
+          <a:lstStyle/>
+          <a:p>
+            <a:br>
+              <a:rPr lang="en-US" sz="800" b="0" i="0" dirty="0">
+                <a:solidFill>
+                  <a:srgbClr val="002F87"/>
+                </a:solidFill>
+                <a:effectLst/>
+                <a:latin typeface="Roboto Mono" pitchFamily="49" charset="0"/>
+              </a:rPr>
+            </a:br>
+            <a:r>
+              <a:rPr lang="en-US" sz="800" b="0" i="0" dirty="0">
+                <a:solidFill>
+                  <a:srgbClr val="002F87"/>
+                </a:solidFill>
+                <a:effectLst/>
+                <a:latin typeface="Roboto Mono" pitchFamily="49" charset="0"/>
+              </a:rPr>
+              <a:t>"status": "optout"</a:t>
+            </a:r>
+            <a:endParaRPr lang="en-US" sz="800" dirty="0">
+              <a:solidFill>
+                <a:srgbClr val="002F87"/>
+              </a:solidFill>
+            </a:endParaRPr>
+          </a:p>
+        </p:txBody>
+      </p:sp>
+      <p:sp>
+        <p:nvSpPr>
+          <p:cNvPr id="114" name="TextBox 113">
+            <a:extLst>
+              <a:ext uri="{FF2B5EF4-FFF2-40B4-BE49-F238E27FC236}">
+                <a16:creationId xmlns:a16="http://schemas.microsoft.com/office/drawing/2014/main" id="{261095B8-6C2F-8986-DCC3-FE9A34F35F87}"/>
+              </a:ext>
+            </a:extLst>
+          </p:cNvPr>
+          <p:cNvSpPr txBox="1"/>
+          <p:nvPr/>
+        </p:nvSpPr>
+        <p:spPr>
+          <a:xfrm>
+            <a:off x="5835937" y="3389042"/>
+            <a:ext cx="422859" cy="276999"/>
+          </a:xfrm>
+          <a:prstGeom prst="rect">
+            <a:avLst/>
+          </a:prstGeom>
+          <a:noFill/>
+        </p:spPr>
+        <p:txBody>
+          <a:bodyPr wrap="square">
+            <a:spAutoFit/>
+          </a:bodyPr>
+          <a:lstStyle/>
+          <a:p>
+            <a:pPr lvl="0" algn="ctr"/>
+            <a:r>
+              <a:rPr lang="en-US" sz="1200" dirty="0">
+                <a:solidFill>
+                  <a:schemeClr val="tx1"/>
+                </a:solidFill>
+              </a:rPr>
+              <a:t>No</a:t>
+            </a:r>
+          </a:p>
+        </p:txBody>
+      </p:sp>
+      <p:sp>
+        <p:nvSpPr>
+          <p:cNvPr id="126" name="Rounded Rectangle 125">
+            <a:extLst>
+              <a:ext uri="{FF2B5EF4-FFF2-40B4-BE49-F238E27FC236}">
+                <a16:creationId xmlns:a16="http://schemas.microsoft.com/office/drawing/2014/main" id="{3F12140D-A5C5-FC60-D78B-2922CD5C98D7}"/>
+              </a:ext>
+            </a:extLst>
+          </p:cNvPr>
+          <p:cNvSpPr/>
+          <p:nvPr/>
+        </p:nvSpPr>
+        <p:spPr>
+          <a:xfrm>
+            <a:off x="5989282" y="1801041"/>
+            <a:ext cx="1440000" cy="309605"/>
+          </a:xfrm>
+          <a:prstGeom prst="roundRect">
+            <a:avLst>
+              <a:gd name="adj" fmla="val 10000"/>
+            </a:avLst>
+          </a:prstGeom>
+          <a:solidFill>
+            <a:srgbClr val="1BD2DE"/>
+          </a:solidFill>
+        </p:spPr>
+        <p:style>
+          <a:lnRef idx="2">
+            <a:schemeClr val="lt1">
+              <a:hueOff val="0"/>
+              <a:satOff val="0"/>
+              <a:lumOff val="0"/>
+              <a:alphaOff val="0"/>
+            </a:schemeClr>
+          </a:lnRef>
+          <a:fillRef idx="1">
+            <a:scrgbClr r="0" g="0" b="0"/>
+          </a:fillRef>
+          <a:effectRef idx="0">
+            <a:schemeClr val="accent5">
+              <a:hueOff val="-6758543"/>
+              <a:satOff val="-17419"/>
+              <a:lumOff val="-11765"/>
+              <a:alphaOff val="0"/>
+            </a:schemeClr>
+          </a:effectRef>
+          <a:fontRef idx="minor">
+            <a:schemeClr val="lt1"/>
+          </a:fontRef>
+        </p:style>
+        <p:txBody>
+          <a:bodyPr/>
+          <a:lstStyle/>
+          <a:p>
+            <a:endParaRPr lang="en-US" dirty="0">
+              <a:solidFill>
+                <a:schemeClr val="bg1"/>
+              </a:solidFill>
+            </a:endParaRPr>
+          </a:p>
+        </p:txBody>
+      </p:sp>
+      <p:sp>
+        <p:nvSpPr>
+          <p:cNvPr id="127" name="Rounded Rectangle 126">
+            <a:extLst>
+              <a:ext uri="{FF2B5EF4-FFF2-40B4-BE49-F238E27FC236}">
+                <a16:creationId xmlns:a16="http://schemas.microsoft.com/office/drawing/2014/main" id="{1E3A2014-EBBB-4A16-8AC3-946863BBB79C}"/>
+              </a:ext>
+            </a:extLst>
+          </p:cNvPr>
+          <p:cNvSpPr/>
+          <p:nvPr/>
+        </p:nvSpPr>
+        <p:spPr>
+          <a:xfrm>
+            <a:off x="5989282" y="1801041"/>
+            <a:ext cx="1440000" cy="1044000"/>
+          </a:xfrm>
+          <a:prstGeom prst="roundRect">
+            <a:avLst>
+              <a:gd name="adj" fmla="val 10000"/>
+            </a:avLst>
+          </a:prstGeom>
+          <a:noFill/>
+          <a:ln w="22225">
+            <a:solidFill>
+              <a:srgbClr val="002F87"/>
+            </a:solidFill>
+          </a:ln>
+        </p:spPr>
+        <p:style>
+          <a:lnRef idx="2">
+            <a:schemeClr val="lt1">
+              <a:hueOff val="0"/>
+              <a:satOff val="0"/>
+              <a:lumOff val="0"/>
+              <a:alphaOff val="0"/>
+            </a:schemeClr>
+          </a:lnRef>
+          <a:fillRef idx="1">
+            <a:scrgbClr r="0" g="0" b="0"/>
+          </a:fillRef>
+          <a:effectRef idx="0">
+            <a:schemeClr val="accent5">
+              <a:hueOff val="-6758543"/>
+              <a:satOff val="-17419"/>
+              <a:lumOff val="-11765"/>
+              <a:alphaOff val="0"/>
+            </a:schemeClr>
+          </a:effectRef>
+          <a:fontRef idx="minor">
+            <a:schemeClr val="lt1"/>
+          </a:fontRef>
+        </p:style>
+        <p:txBody>
+          <a:bodyPr lIns="0" tIns="0" rIns="0" bIns="0"/>
+          <a:lstStyle/>
+          <a:p>
+            <a:endParaRPr lang="en-US" altLang="ja-JP" sz="1100" b="0" i="0" dirty="0">
+              <a:solidFill>
+                <a:srgbClr val="000000"/>
+              </a:solidFill>
+              <a:effectLst/>
+            </a:endParaRPr>
+          </a:p>
+          <a:p>
+            <a:endParaRPr lang="en-US" altLang="ja-JP" sz="1100" dirty="0">
+              <a:solidFill>
+                <a:srgbClr val="000000"/>
+              </a:solidFill>
+            </a:endParaRPr>
+          </a:p>
+          <a:p>
+            <a:r>
+              <a:rPr lang="en-US" altLang="ja-JP" sz="1100" b="0" i="0" dirty="0">
+                <a:solidFill>
+                  <a:srgbClr val="000000"/>
+                </a:solidFill>
+                <a:effectLst/>
+              </a:rPr>
+              <a:t>Mobile SDK calls</a:t>
+            </a:r>
+            <a:r>
+              <a:rPr lang="en-US" altLang="ja-JP" sz="1100" dirty="0">
+                <a:solidFill>
+                  <a:srgbClr val="000000"/>
+                </a:solidFill>
+              </a:rPr>
+              <a:t> </a:t>
+            </a:r>
+            <a:endParaRPr lang="en-US" altLang="ja-JP" sz="1100" b="0" i="0" dirty="0">
+              <a:solidFill>
+                <a:srgbClr val="000000"/>
+              </a:solidFill>
+              <a:effectLst/>
+            </a:endParaRPr>
+          </a:p>
+          <a:p>
+            <a:r>
+              <a:rPr lang="en-US" altLang="ja-JP" sz="800" b="0" i="0" dirty="0">
+                <a:solidFill>
+                  <a:srgbClr val="002F87"/>
+                </a:solidFill>
+                <a:effectLst/>
+                <a:ea typeface="Roboto Mono"/>
+              </a:rPr>
+              <a:t>UID2Manager. getInstance().setIdentity</a:t>
+            </a:r>
+            <a:r>
+              <a:rPr lang="en-US" altLang="ja-JP" sz="800" dirty="0">
+                <a:solidFill>
+                  <a:srgbClr val="002F87"/>
+                </a:solidFill>
+                <a:ea typeface="Roboto Mono"/>
+              </a:rPr>
+              <a:t>*</a:t>
+            </a:r>
+            <a:endParaRPr lang="en-US" altLang="ja-JP" sz="800" dirty="0">
+              <a:solidFill>
+                <a:srgbClr val="002F87"/>
+              </a:solidFill>
+              <a:ea typeface="Roboto Mono" pitchFamily="49" charset="0"/>
+            </a:endParaRPr>
+          </a:p>
+        </p:txBody>
+      </p:sp>
+      <p:sp>
+        <p:nvSpPr>
+          <p:cNvPr id="131" name="TextBox 130">
+            <a:extLst>
+              <a:ext uri="{FF2B5EF4-FFF2-40B4-BE49-F238E27FC236}">
+                <a16:creationId xmlns:a16="http://schemas.microsoft.com/office/drawing/2014/main" id="{766BE95D-13C8-8197-9D69-E21403FDFD54}"/>
+              </a:ext>
+            </a:extLst>
+          </p:cNvPr>
+          <p:cNvSpPr txBox="1"/>
+          <p:nvPr/>
+        </p:nvSpPr>
+        <p:spPr>
+          <a:xfrm>
+            <a:off x="7049051" y="3401006"/>
+            <a:ext cx="1729187" cy="600164"/>
+          </a:xfrm>
+          <a:prstGeom prst="rect">
+            <a:avLst/>
+          </a:prstGeom>
+          <a:noFill/>
+        </p:spPr>
+        <p:txBody>
+          <a:bodyPr wrap="square" lIns="91440" tIns="45720" rIns="91440" bIns="45720" rtlCol="0" anchor="t">
+            <a:spAutoFit/>
+          </a:bodyPr>
+          <a:lstStyle/>
+          <a:p>
+            <a:r>
+              <a:rPr lang="en-US" sz="1100" dirty="0"/>
+              <a:t>The "body" content is extracted from (6) and passed into setIdentity </a:t>
+            </a:r>
+            <a:endParaRPr lang="en-US" sz="1100" dirty="0">
+              <a:ea typeface="Calibri"/>
+              <a:cs typeface="Calibri"/>
+            </a:endParaRPr>
+          </a:p>
+        </p:txBody>
+      </p:sp>
+      <p:cxnSp>
+        <p:nvCxnSpPr>
+          <p:cNvPr id="148" name="Straight Arrow Connector 147">
+            <a:extLst>
+              <a:ext uri="{FF2B5EF4-FFF2-40B4-BE49-F238E27FC236}">
+                <a16:creationId xmlns:a16="http://schemas.microsoft.com/office/drawing/2014/main" id="{516EE8EA-3D0B-2B8E-A326-12525A8B09A5}"/>
+              </a:ext>
+            </a:extLst>
+          </p:cNvPr>
+          <p:cNvCxnSpPr>
+            <a:cxnSpLocks/>
+          </p:cNvCxnSpPr>
+          <p:nvPr/>
+        </p:nvCxnSpPr>
+        <p:spPr>
+          <a:xfrm>
+            <a:off x="5400000" y="2977200"/>
+            <a:ext cx="646410" cy="761482"/>
+          </a:xfrm>
+          <a:prstGeom prst="straightConnector1">
+            <a:avLst/>
+          </a:prstGeom>
+          <a:ln w="12700">
+            <a:solidFill>
+              <a:srgbClr val="002F87"/>
+            </a:solidFill>
+            <a:tailEnd type="triangle"/>
+          </a:ln>
+        </p:spPr>
+        <p:style>
+          <a:lnRef idx="1">
+            <a:schemeClr val="accent1"/>
+          </a:lnRef>
+          <a:fillRef idx="0">
+            <a:schemeClr val="accent1"/>
+          </a:fillRef>
+          <a:effectRef idx="0">
+            <a:schemeClr val="accent1"/>
+          </a:effectRef>
+          <a:fontRef idx="minor">
+            <a:schemeClr val="tx1"/>
+          </a:fontRef>
+        </p:style>
+      </p:cxnSp>
+      <p:sp>
+        <p:nvSpPr>
+          <p:cNvPr id="177" name="Rounded Rectangle 176">
+            <a:extLst>
+              <a:ext uri="{FF2B5EF4-FFF2-40B4-BE49-F238E27FC236}">
+                <a16:creationId xmlns:a16="http://schemas.microsoft.com/office/drawing/2014/main" id="{F3149CF5-D12F-7ED7-BBD0-F90E2F8F2E2E}"/>
+              </a:ext>
+            </a:extLst>
+          </p:cNvPr>
+          <p:cNvSpPr/>
+          <p:nvPr/>
+        </p:nvSpPr>
+        <p:spPr>
+          <a:xfrm>
+            <a:off x="8379593" y="1801041"/>
+            <a:ext cx="1440000" cy="309605"/>
+          </a:xfrm>
+          <a:prstGeom prst="roundRect">
+            <a:avLst>
+              <a:gd name="adj" fmla="val 10000"/>
+            </a:avLst>
+          </a:prstGeom>
+          <a:solidFill>
+            <a:srgbClr val="7085D4"/>
+          </a:solidFill>
+        </p:spPr>
+        <p:style>
+          <a:lnRef idx="2">
+            <a:schemeClr val="lt1">
+              <a:hueOff val="0"/>
+              <a:satOff val="0"/>
+              <a:lumOff val="0"/>
+              <a:alphaOff val="0"/>
+            </a:schemeClr>
+          </a:lnRef>
+          <a:fillRef idx="1">
+            <a:scrgbClr r="0" g="0" b="0"/>
+          </a:fillRef>
+          <a:effectRef idx="0">
+            <a:schemeClr val="accent5">
+              <a:hueOff val="-6758543"/>
+              <a:satOff val="-17419"/>
+              <a:lumOff val="-11765"/>
+              <a:alphaOff val="0"/>
+            </a:schemeClr>
+          </a:effectRef>
+          <a:fontRef idx="minor">
+            <a:schemeClr val="lt1"/>
+          </a:fontRef>
+        </p:style>
+        <p:txBody>
+          <a:bodyPr/>
+          <a:lstStyle/>
+          <a:p>
+            <a:endParaRPr lang="en-US" dirty="0">
+              <a:solidFill>
+                <a:schemeClr val="bg1"/>
+              </a:solidFill>
+            </a:endParaRPr>
+          </a:p>
+        </p:txBody>
+      </p:sp>
+      <p:sp>
+        <p:nvSpPr>
+          <p:cNvPr id="178" name="Rounded Rectangle 177">
+            <a:extLst>
+              <a:ext uri="{FF2B5EF4-FFF2-40B4-BE49-F238E27FC236}">
+                <a16:creationId xmlns:a16="http://schemas.microsoft.com/office/drawing/2014/main" id="{4BA97FC7-251A-E75B-B86B-DF831B37B888}"/>
+              </a:ext>
+            </a:extLst>
+          </p:cNvPr>
+          <p:cNvSpPr/>
+          <p:nvPr/>
+        </p:nvSpPr>
+        <p:spPr>
+          <a:xfrm>
+            <a:off x="8379593" y="1801041"/>
+            <a:ext cx="1440000" cy="1044000"/>
+          </a:xfrm>
+          <a:prstGeom prst="roundRect">
+            <a:avLst>
+              <a:gd name="adj" fmla="val 10000"/>
+            </a:avLst>
+          </a:prstGeom>
+          <a:noFill/>
+          <a:ln w="22225">
+            <a:solidFill>
+              <a:srgbClr val="002F87"/>
+            </a:solidFill>
+          </a:ln>
+        </p:spPr>
+        <p:style>
+          <a:lnRef idx="2">
+            <a:schemeClr val="lt1">
+              <a:hueOff val="0"/>
+              <a:satOff val="0"/>
+              <a:lumOff val="0"/>
+              <a:alphaOff val="0"/>
+            </a:schemeClr>
+          </a:lnRef>
+          <a:fillRef idx="1">
+            <a:scrgbClr r="0" g="0" b="0"/>
+          </a:fillRef>
+          <a:effectRef idx="0">
+            <a:schemeClr val="accent5">
+              <a:hueOff val="-6758543"/>
+              <a:satOff val="-17419"/>
+              <a:lumOff val="-11765"/>
+              <a:alphaOff val="0"/>
+            </a:schemeClr>
+          </a:effectRef>
+          <a:fontRef idx="minor">
+            <a:schemeClr val="lt1"/>
+          </a:fontRef>
+        </p:style>
+        <p:txBody>
+          <a:bodyPr lIns="0" tIns="0" rIns="0" bIns="0"/>
+          <a:lstStyle/>
+          <a:p>
+            <a:endParaRPr lang="en-US" sz="1100" dirty="0">
+              <a:solidFill>
+                <a:schemeClr val="tx1"/>
+              </a:solidFill>
+            </a:endParaRPr>
+          </a:p>
+          <a:p>
+            <a:endParaRPr lang="en-US" sz="1100" dirty="0">
+              <a:solidFill>
+                <a:schemeClr val="tx1"/>
+              </a:solidFill>
+            </a:endParaRPr>
+          </a:p>
+          <a:p>
+            <a:r>
+              <a:rPr lang="en-US" sz="1100" dirty="0">
+                <a:solidFill>
+                  <a:schemeClr val="tx1"/>
+                </a:solidFill>
+              </a:rPr>
+              <a:t>Ad SDK locally calls mobile SDK to retrieve the token</a:t>
+            </a:r>
+          </a:p>
+          <a:p>
+            <a:endParaRPr lang="en-US" sz="1100" dirty="0">
+              <a:solidFill>
+                <a:schemeClr val="tx1"/>
+              </a:solidFill>
+            </a:endParaRPr>
+          </a:p>
+          <a:p>
+            <a:endParaRPr lang="en-US" sz="1100" dirty="0">
+              <a:solidFill>
+                <a:schemeClr val="tx1"/>
+              </a:solidFill>
+            </a:endParaRPr>
+          </a:p>
+        </p:txBody>
+      </p:sp>
+      <p:cxnSp>
+        <p:nvCxnSpPr>
+          <p:cNvPr id="180" name="Elbow Connector 179">
+            <a:extLst>
+              <a:ext uri="{FF2B5EF4-FFF2-40B4-BE49-F238E27FC236}">
+                <a16:creationId xmlns:a16="http://schemas.microsoft.com/office/drawing/2014/main" id="{2C7BFB46-2B05-EEF4-F863-046D36128E8D}"/>
+              </a:ext>
+            </a:extLst>
+          </p:cNvPr>
+          <p:cNvCxnSpPr>
+            <a:cxnSpLocks/>
+          </p:cNvCxnSpPr>
+          <p:nvPr/>
+        </p:nvCxnSpPr>
+        <p:spPr>
+          <a:xfrm>
+            <a:off x="1720757" y="2401592"/>
+            <a:ext cx="756000" cy="3132"/>
+          </a:xfrm>
+          <a:prstGeom prst="bentConnector4">
+            <a:avLst>
+              <a:gd name="adj1" fmla="val 1231"/>
+              <a:gd name="adj2" fmla="val -82631"/>
+            </a:avLst>
+          </a:prstGeom>
+          <a:ln w="41275" cmpd="tri">
+            <a:headEnd w="med" len="sm"/>
+            <a:tailEnd type="triangle"/>
+          </a:ln>
+        </p:spPr>
+        <p:style>
+          <a:lnRef idx="1">
+            <a:schemeClr val="accent1"/>
+          </a:lnRef>
+          <a:fillRef idx="0">
+            <a:schemeClr val="accent1"/>
+          </a:fillRef>
+          <a:effectRef idx="0">
+            <a:schemeClr val="accent1"/>
+          </a:effectRef>
+          <a:fontRef idx="minor">
+            <a:schemeClr val="tx1"/>
+          </a:fontRef>
+        </p:style>
+      </p:cxnSp>
+      <p:cxnSp>
+        <p:nvCxnSpPr>
+          <p:cNvPr id="189" name="Elbow Connector 188">
+            <a:extLst>
+              <a:ext uri="{FF2B5EF4-FFF2-40B4-BE49-F238E27FC236}">
+                <a16:creationId xmlns:a16="http://schemas.microsoft.com/office/drawing/2014/main" id="{9276D802-533D-BEB7-A987-6ACDDECB77FD}"/>
+              </a:ext>
+            </a:extLst>
+          </p:cNvPr>
+          <p:cNvCxnSpPr>
+            <a:cxnSpLocks/>
+          </p:cNvCxnSpPr>
+          <p:nvPr/>
+        </p:nvCxnSpPr>
+        <p:spPr>
+          <a:xfrm>
+            <a:off x="4081708" y="2414693"/>
+            <a:ext cx="756000" cy="3132"/>
+          </a:xfrm>
+          <a:prstGeom prst="bentConnector4">
+            <a:avLst>
+              <a:gd name="adj1" fmla="val 1231"/>
+              <a:gd name="adj2" fmla="val -82631"/>
+            </a:avLst>
+          </a:prstGeom>
+          <a:ln w="41275" cmpd="tri">
+            <a:headEnd w="med" len="sm"/>
+            <a:tailEnd type="triangle"/>
+          </a:ln>
+        </p:spPr>
+        <p:style>
+          <a:lnRef idx="1">
+            <a:schemeClr val="accent1"/>
+          </a:lnRef>
+          <a:fillRef idx="0">
+            <a:schemeClr val="accent1"/>
+          </a:fillRef>
+          <a:effectRef idx="0">
+            <a:schemeClr val="accent1"/>
+          </a:effectRef>
+          <a:fontRef idx="minor">
+            <a:schemeClr val="tx1"/>
+          </a:fontRef>
+        </p:style>
+      </p:cxnSp>
+      <p:cxnSp>
+        <p:nvCxnSpPr>
+          <p:cNvPr id="190" name="Elbow Connector 189">
+            <a:extLst>
+              <a:ext uri="{FF2B5EF4-FFF2-40B4-BE49-F238E27FC236}">
+                <a16:creationId xmlns:a16="http://schemas.microsoft.com/office/drawing/2014/main" id="{17BB3FF2-5BDD-6C17-C136-A47BF5F80376}"/>
+              </a:ext>
+            </a:extLst>
+          </p:cNvPr>
+          <p:cNvCxnSpPr>
+            <a:cxnSpLocks/>
+          </p:cNvCxnSpPr>
+          <p:nvPr/>
+        </p:nvCxnSpPr>
+        <p:spPr>
+          <a:xfrm>
+            <a:off x="7526437" y="2400004"/>
+            <a:ext cx="756000" cy="3132"/>
+          </a:xfrm>
+          <a:prstGeom prst="bentConnector4">
+            <a:avLst>
+              <a:gd name="adj1" fmla="val 1231"/>
+              <a:gd name="adj2" fmla="val -82631"/>
+            </a:avLst>
+          </a:prstGeom>
+          <a:ln w="41275" cmpd="tri">
+            <a:headEnd w="med" len="sm"/>
+            <a:tailEnd type="triangle"/>
+          </a:ln>
+        </p:spPr>
+        <p:style>
+          <a:lnRef idx="1">
+            <a:schemeClr val="accent1"/>
+          </a:lnRef>
+          <a:fillRef idx="0">
+            <a:schemeClr val="accent1"/>
+          </a:fillRef>
+          <a:effectRef idx="0">
+            <a:schemeClr val="accent1"/>
+          </a:effectRef>
+          <a:fontRef idx="minor">
+            <a:schemeClr val="tx1"/>
+          </a:fontRef>
+        </p:style>
+      </p:cxnSp>
+      <p:sp>
+        <p:nvSpPr>
+          <p:cNvPr id="196" name="TextBox 195">
+            <a:extLst>
+              <a:ext uri="{FF2B5EF4-FFF2-40B4-BE49-F238E27FC236}">
+                <a16:creationId xmlns:a16="http://schemas.microsoft.com/office/drawing/2014/main" id="{FB92CAC1-A7A5-0EF5-EDB2-F1136BD95729}"/>
+              </a:ext>
+            </a:extLst>
+          </p:cNvPr>
+          <p:cNvSpPr txBox="1"/>
+          <p:nvPr/>
+        </p:nvSpPr>
+        <p:spPr>
+          <a:xfrm>
+            <a:off x="7355880" y="2467013"/>
+            <a:ext cx="1097114" cy="261610"/>
+          </a:xfrm>
+          <a:prstGeom prst="rect">
+            <a:avLst/>
+          </a:prstGeom>
+          <a:noFill/>
+        </p:spPr>
+        <p:txBody>
+          <a:bodyPr wrap="square" lIns="91440" tIns="45720" rIns="91440" bIns="45720" anchor="t">
+            <a:spAutoFit/>
+          </a:bodyPr>
+          <a:lstStyle/>
+          <a:p>
+            <a:pPr algn="ctr"/>
+            <a:r>
+              <a:rPr lang="en-US" sz="1100" b="0" i="0" dirty="0">
+                <a:solidFill>
+                  <a:srgbClr val="000000"/>
+                </a:solidFill>
+                <a:effectLst/>
+                <a:latin typeface="Calibri"/>
+                <a:cs typeface="Calibri"/>
+              </a:rPr>
+              <a:t>Token </a:t>
+            </a:r>
+            <a:r>
+              <a:rPr lang="en-US" sz="1100" dirty="0">
+                <a:solidFill>
+                  <a:srgbClr val="000000"/>
+                </a:solidFill>
+                <a:latin typeface="Calibri"/>
+                <a:cs typeface="Calibri"/>
+              </a:rPr>
+              <a:t>refresh</a:t>
+            </a:r>
+          </a:p>
+        </p:txBody>
+      </p:sp>
+      <p:sp>
+        <p:nvSpPr>
+          <p:cNvPr id="197" name="TextBox 196">
+            <a:extLst>
+              <a:ext uri="{FF2B5EF4-FFF2-40B4-BE49-F238E27FC236}">
+                <a16:creationId xmlns:a16="http://schemas.microsoft.com/office/drawing/2014/main" id="{320BCC24-6871-8237-5EEF-CFF467899ED6}"/>
+              </a:ext>
+            </a:extLst>
+          </p:cNvPr>
+          <p:cNvSpPr txBox="1"/>
+          <p:nvPr/>
+        </p:nvSpPr>
+        <p:spPr>
+          <a:xfrm>
+            <a:off x="7488950" y="2695623"/>
+            <a:ext cx="915635" cy="461665"/>
+          </a:xfrm>
+          <a:prstGeom prst="rect">
+            <a:avLst/>
+          </a:prstGeom>
+          <a:noFill/>
+        </p:spPr>
+        <p:txBody>
+          <a:bodyPr wrap="none" lIns="91440" tIns="45720" rIns="91440" bIns="45720" rtlCol="0" anchor="t">
+            <a:spAutoFit/>
+          </a:bodyPr>
+          <a:lstStyle/>
+          <a:p>
+            <a:r>
+              <a:rPr lang="en-US" sz="800" dirty="0">
+                <a:solidFill>
+                  <a:srgbClr val="002F87"/>
+                </a:solidFill>
+                <a:latin typeface="Roboto Mono"/>
+                <a:ea typeface="Roboto Mono"/>
+                <a:cs typeface="Calibri"/>
+              </a:rPr>
+              <a:t>setAutomatic</a:t>
+            </a:r>
+            <a:endParaRPr lang="en-US" sz="800" b="0" i="0" dirty="0">
+              <a:solidFill>
+                <a:srgbClr val="002F87"/>
+              </a:solidFill>
+              <a:effectLst/>
+              <a:latin typeface="Roboto Mono" pitchFamily="49" charset="0"/>
+              <a:ea typeface="Roboto Mono" pitchFamily="49" charset="0"/>
+              <a:cs typeface="Calibri" panose="020F0502020204030204" pitchFamily="34" charset="0"/>
+            </a:endParaRPr>
+          </a:p>
+          <a:p>
+            <a:r>
+              <a:rPr lang="en-US" sz="800" b="0" i="0" dirty="0">
+                <a:solidFill>
+                  <a:srgbClr val="002F87"/>
+                </a:solidFill>
+                <a:effectLst/>
+                <a:latin typeface="Roboto Mono"/>
+                <a:ea typeface="Roboto Mono"/>
+                <a:cs typeface="Calibri"/>
+              </a:rPr>
+              <a:t>Refresh</a:t>
+            </a:r>
+          </a:p>
+          <a:p>
+            <a:r>
+              <a:rPr lang="en-US" sz="800" b="0" i="0" dirty="0">
+                <a:solidFill>
+                  <a:srgbClr val="002F87"/>
+                </a:solidFill>
+                <a:effectLst/>
+                <a:latin typeface="Roboto Mono"/>
+                <a:ea typeface="Roboto Mono"/>
+                <a:cs typeface="Calibri"/>
+              </a:rPr>
+              <a:t>Enabled() </a:t>
+            </a:r>
+            <a:endParaRPr lang="en-US" sz="800" dirty="0">
+              <a:solidFill>
+                <a:srgbClr val="002F87"/>
+              </a:solidFill>
+              <a:latin typeface="Roboto Mono"/>
+              <a:ea typeface="Roboto Mono"/>
+              <a:cs typeface="Calibri"/>
+            </a:endParaRPr>
+          </a:p>
+        </p:txBody>
+      </p:sp>
+      <p:cxnSp>
+        <p:nvCxnSpPr>
+          <p:cNvPr id="198" name="Elbow Connector 197">
+            <a:extLst>
+              <a:ext uri="{FF2B5EF4-FFF2-40B4-BE49-F238E27FC236}">
+                <a16:creationId xmlns:a16="http://schemas.microsoft.com/office/drawing/2014/main" id="{616AC311-3769-5FE2-959F-3D7A304B9126}"/>
+              </a:ext>
+            </a:extLst>
+          </p:cNvPr>
+          <p:cNvCxnSpPr>
+            <a:cxnSpLocks/>
+          </p:cNvCxnSpPr>
+          <p:nvPr/>
+        </p:nvCxnSpPr>
+        <p:spPr>
+          <a:xfrm flipV="1">
+            <a:off x="6855143" y="2844629"/>
+            <a:ext cx="205471" cy="1367113"/>
+          </a:xfrm>
+          <a:prstGeom prst="bentConnector2">
+            <a:avLst/>
+          </a:prstGeom>
+          <a:ln w="41275" cmpd="tri">
+            <a:headEnd w="med" len="sm"/>
+            <a:tailEnd type="triangle"/>
+          </a:ln>
+        </p:spPr>
+        <p:style>
+          <a:lnRef idx="1">
+            <a:schemeClr val="accent1"/>
+          </a:lnRef>
+          <a:fillRef idx="0">
+            <a:schemeClr val="accent1"/>
+          </a:fillRef>
+          <a:effectRef idx="0">
+            <a:schemeClr val="accent1"/>
+          </a:effectRef>
+          <a:fontRef idx="minor">
+            <a:schemeClr val="tx1"/>
+          </a:fontRef>
+        </p:style>
+      </p:cxnSp>
+      <p:sp>
+        <p:nvSpPr>
+          <p:cNvPr id="207" name="TextBox 206">
+            <a:extLst>
+              <a:ext uri="{FF2B5EF4-FFF2-40B4-BE49-F238E27FC236}">
+                <a16:creationId xmlns:a16="http://schemas.microsoft.com/office/drawing/2014/main" id="{9CD82EB2-3013-D029-6F3B-19B437235F6B}"/>
+              </a:ext>
+            </a:extLst>
+          </p:cNvPr>
+          <p:cNvSpPr txBox="1"/>
+          <p:nvPr/>
+        </p:nvSpPr>
+        <p:spPr>
+          <a:xfrm>
+            <a:off x="8297375" y="2849880"/>
+            <a:ext cx="1707519" cy="338554"/>
+          </a:xfrm>
+          <a:prstGeom prst="rect">
+            <a:avLst/>
+          </a:prstGeom>
+          <a:noFill/>
+        </p:spPr>
+        <p:txBody>
+          <a:bodyPr wrap="none" rtlCol="0">
+            <a:spAutoFit/>
+          </a:bodyPr>
+          <a:lstStyle/>
+          <a:p>
+            <a:r>
+              <a:rPr lang="en-US" sz="800" b="0" i="0" dirty="0">
+                <a:solidFill>
+                  <a:srgbClr val="002F87"/>
+                </a:solidFill>
+                <a:effectLst/>
+                <a:latin typeface="Roboto Mono" pitchFamily="49" charset="0"/>
+                <a:ea typeface="Roboto Mono" pitchFamily="49" charset="0"/>
+              </a:rPr>
+              <a:t>UID2Manager.getInstance()</a:t>
+            </a:r>
+          </a:p>
+          <a:p>
+            <a:r>
+              <a:rPr lang="en-US" sz="800" b="0" i="0" dirty="0">
+                <a:solidFill>
+                  <a:srgbClr val="002F87"/>
+                </a:solidFill>
+                <a:effectLst/>
+                <a:latin typeface="Roboto Mono" pitchFamily="49" charset="0"/>
+                <a:ea typeface="Roboto Mono" pitchFamily="49" charset="0"/>
+              </a:rPr>
+              <a:t>.getAdvertisingToken()</a:t>
+            </a:r>
+            <a:endParaRPr lang="en-US" sz="800" dirty="0">
+              <a:solidFill>
+                <a:srgbClr val="002F87"/>
+              </a:solidFill>
+              <a:latin typeface="Roboto Mono" pitchFamily="49" charset="0"/>
+              <a:ea typeface="Roboto Mono" pitchFamily="49" charset="0"/>
+              <a:cs typeface="Calibri" panose="020F0502020204030204" pitchFamily="34" charset="0"/>
+            </a:endParaRPr>
+          </a:p>
+        </p:txBody>
+      </p:sp>
+      <p:cxnSp>
+        <p:nvCxnSpPr>
+          <p:cNvPr id="208" name="Elbow Connector 207">
+            <a:extLst>
+              <a:ext uri="{FF2B5EF4-FFF2-40B4-BE49-F238E27FC236}">
+                <a16:creationId xmlns:a16="http://schemas.microsoft.com/office/drawing/2014/main" id="{56139FFC-3A4E-8E58-3200-F2A7FD3A7B91}"/>
+              </a:ext>
+            </a:extLst>
+          </p:cNvPr>
+          <p:cNvCxnSpPr>
+            <a:cxnSpLocks/>
+          </p:cNvCxnSpPr>
+          <p:nvPr/>
+        </p:nvCxnSpPr>
+        <p:spPr>
+          <a:xfrm>
+            <a:off x="9877500" y="2380357"/>
+            <a:ext cx="756000" cy="3132"/>
+          </a:xfrm>
+          <a:prstGeom prst="bentConnector4">
+            <a:avLst>
+              <a:gd name="adj1" fmla="val 1231"/>
+              <a:gd name="adj2" fmla="val -82631"/>
+            </a:avLst>
+          </a:prstGeom>
+          <a:ln w="41275" cmpd="tri">
+            <a:headEnd w="med" len="sm"/>
+            <a:tailEnd type="triangle"/>
+          </a:ln>
+        </p:spPr>
+        <p:style>
+          <a:lnRef idx="1">
+            <a:schemeClr val="accent1"/>
+          </a:lnRef>
+          <a:fillRef idx="0">
+            <a:schemeClr val="accent1"/>
+          </a:fillRef>
+          <a:effectRef idx="0">
+            <a:schemeClr val="accent1"/>
+          </a:effectRef>
+          <a:fontRef idx="minor">
+            <a:schemeClr val="tx1"/>
+          </a:fontRef>
+        </p:style>
+      </p:cxnSp>
+      <p:sp>
+        <p:nvSpPr>
+          <p:cNvPr id="211" name="Rounded Rectangle 210">
+            <a:extLst>
+              <a:ext uri="{FF2B5EF4-FFF2-40B4-BE49-F238E27FC236}">
+                <a16:creationId xmlns:a16="http://schemas.microsoft.com/office/drawing/2014/main" id="{E5934EDE-62C2-5F7A-0AFA-0E06E75E1A83}"/>
+              </a:ext>
+            </a:extLst>
+          </p:cNvPr>
+          <p:cNvSpPr/>
+          <p:nvPr/>
+        </p:nvSpPr>
+        <p:spPr>
+          <a:xfrm>
+            <a:off x="10663259" y="1801041"/>
+            <a:ext cx="1440000" cy="309605"/>
+          </a:xfrm>
+          <a:prstGeom prst="roundRect">
+            <a:avLst>
+              <a:gd name="adj" fmla="val 10000"/>
+            </a:avLst>
+          </a:prstGeom>
+          <a:solidFill>
+            <a:srgbClr val="7085D4"/>
+          </a:solidFill>
+        </p:spPr>
+        <p:style>
+          <a:lnRef idx="2">
+            <a:schemeClr val="lt1">
+              <a:hueOff val="0"/>
+              <a:satOff val="0"/>
+              <a:lumOff val="0"/>
+              <a:alphaOff val="0"/>
+            </a:schemeClr>
+          </a:lnRef>
+          <a:fillRef idx="1">
+            <a:scrgbClr r="0" g="0" b="0"/>
+          </a:fillRef>
+          <a:effectRef idx="0">
+            <a:schemeClr val="accent5">
+              <a:hueOff val="-6758543"/>
+              <a:satOff val="-17419"/>
+              <a:lumOff val="-11765"/>
+              <a:alphaOff val="0"/>
+            </a:schemeClr>
+          </a:effectRef>
+          <a:fontRef idx="minor">
+            <a:schemeClr val="lt1"/>
+          </a:fontRef>
+        </p:style>
+        <p:txBody>
+          <a:bodyPr/>
+          <a:lstStyle/>
+          <a:p>
+            <a:endParaRPr lang="en-US" dirty="0">
+              <a:solidFill>
+                <a:schemeClr val="bg1"/>
+              </a:solidFill>
+            </a:endParaRPr>
+          </a:p>
+        </p:txBody>
+      </p:sp>
+      <p:sp>
+        <p:nvSpPr>
+          <p:cNvPr id="212" name="Rounded Rectangle 211">
+            <a:extLst>
+              <a:ext uri="{FF2B5EF4-FFF2-40B4-BE49-F238E27FC236}">
+                <a16:creationId xmlns:a16="http://schemas.microsoft.com/office/drawing/2014/main" id="{066AA3E1-4CF8-44F9-0CDF-224599FE09EA}"/>
+              </a:ext>
+            </a:extLst>
+          </p:cNvPr>
+          <p:cNvSpPr/>
+          <p:nvPr/>
+        </p:nvSpPr>
+        <p:spPr>
+          <a:xfrm>
+            <a:off x="10663259" y="1801041"/>
+            <a:ext cx="1440000" cy="1044000"/>
+          </a:xfrm>
+          <a:prstGeom prst="roundRect">
+            <a:avLst>
+              <a:gd name="adj" fmla="val 10000"/>
+            </a:avLst>
+          </a:prstGeom>
+          <a:noFill/>
+          <a:ln w="22225">
+            <a:solidFill>
+              <a:srgbClr val="002F87"/>
+            </a:solidFill>
+          </a:ln>
+        </p:spPr>
+        <p:style>
+          <a:lnRef idx="2">
+            <a:schemeClr val="lt1">
+              <a:hueOff val="0"/>
+              <a:satOff val="0"/>
+              <a:lumOff val="0"/>
+              <a:alphaOff val="0"/>
+            </a:schemeClr>
+          </a:lnRef>
+          <a:fillRef idx="1">
+            <a:scrgbClr r="0" g="0" b="0"/>
+          </a:fillRef>
+          <a:effectRef idx="0">
+            <a:schemeClr val="accent5">
+              <a:hueOff val="-6758543"/>
+              <a:satOff val="-17419"/>
+              <a:lumOff val="-11765"/>
+              <a:alphaOff val="0"/>
+            </a:schemeClr>
+          </a:effectRef>
+          <a:fontRef idx="minor">
+            <a:schemeClr val="lt1"/>
+          </a:fontRef>
+        </p:style>
+        <p:txBody>
+          <a:bodyPr lIns="0" tIns="0" rIns="0" bIns="0"/>
+          <a:lstStyle/>
+          <a:p>
+            <a:endParaRPr lang="en-US" sz="1100" dirty="0">
+              <a:solidFill>
+                <a:schemeClr val="tx1"/>
+              </a:solidFill>
+            </a:endParaRPr>
+          </a:p>
+          <a:p>
+            <a:endParaRPr lang="en-US" sz="1100" dirty="0">
+              <a:solidFill>
+                <a:schemeClr val="tx1"/>
+              </a:solidFill>
+            </a:endParaRPr>
+          </a:p>
+          <a:p>
+            <a:r>
+              <a:rPr lang="en-US" sz="1100" dirty="0">
+                <a:solidFill>
+                  <a:schemeClr val="tx1"/>
+                </a:solidFill>
+              </a:rPr>
+              <a:t>Token is inserted into ad call &amp; ready for the bid stream</a:t>
+            </a:r>
+          </a:p>
+        </p:txBody>
+      </p:sp>
+      <p:pic>
+        <p:nvPicPr>
+          <p:cNvPr id="1026" name="Picture 2" descr="11 Vector Icons free download in SVG, PNG Format">
+            <a:extLst>
+              <a:ext uri="{FF2B5EF4-FFF2-40B4-BE49-F238E27FC236}">
+                <a16:creationId xmlns:a16="http://schemas.microsoft.com/office/drawing/2014/main" id="{C35BFA13-57F0-A96F-3094-5646AE0A78F5}"/>
+              </a:ext>
+            </a:extLst>
+          </p:cNvPr>
+          <p:cNvPicPr>
+            <a:picLocks noChangeAspect="1" noChangeArrowheads="1"/>
+          </p:cNvPicPr>
+          <p:nvPr/>
+        </p:nvPicPr>
+        <p:blipFill>
+          <a:blip r:embed="rId4">
+            <a:extLst>
+              <a:ext uri="{28A0092B-C50C-407E-A947-70E740481C1C}">
+                <a14:useLocalDpi xmlns:a14="http://schemas.microsoft.com/office/drawing/2010/main" val="0"/>
+              </a:ext>
+            </a:extLst>
+          </a:blip>
+          <a:srcRect/>
+          <a:stretch>
+            <a:fillRect/>
+          </a:stretch>
+        </p:blipFill>
+        <p:spPr bwMode="auto">
+          <a:xfrm>
+            <a:off x="15726622" y="2088822"/>
+            <a:ext cx="92191" cy="86768"/>
+          </a:xfrm>
+          <a:prstGeom prst="rect">
+            <a:avLst/>
+          </a:prstGeom>
+          <a:noFill/>
+          <a:extLst>
+            <a:ext uri="{909E8E84-426E-40DD-AFC4-6F175D3DCCD1}">
+              <a14:hiddenFill xmlns:a14="http://schemas.microsoft.com/office/drawing/2010/main">
+                <a:solidFill>
+                  <a:srgbClr val="FFFFFF"/>
+                </a:solidFill>
+              </a14:hiddenFill>
+            </a:ext>
+          </a:extLst>
+        </p:spPr>
+      </p:pic>
+      <p:sp>
+        <p:nvSpPr>
+          <p:cNvPr id="4" name="TextBox 3">
+            <a:extLst>
+              <a:ext uri="{FF2B5EF4-FFF2-40B4-BE49-F238E27FC236}">
+                <a16:creationId xmlns:a16="http://schemas.microsoft.com/office/drawing/2014/main" id="{215F9AC8-6122-427D-807A-F5D899804ECB}"/>
+              </a:ext>
+            </a:extLst>
+          </p:cNvPr>
+          <p:cNvSpPr txBox="1"/>
+          <p:nvPr/>
+        </p:nvSpPr>
+        <p:spPr>
+          <a:xfrm>
+            <a:off x="2486576" y="4010575"/>
+            <a:ext cx="1334657" cy="571316"/>
+          </a:xfrm>
+          <a:prstGeom prst="rect">
+            <a:avLst/>
+          </a:prstGeom>
+          <a:noFill/>
+        </p:spPr>
+        <p:txBody>
+          <a:bodyPr rot="0" spcFirstLastPara="0" vertOverflow="overflow" horzOverflow="overflow" vert="horz" wrap="square" lIns="91440" tIns="45720" rIns="91440" bIns="45720" numCol="1" spcCol="0" rtlCol="0" fromWordArt="0" anchor="t" anchorCtr="0" forceAA="0" compatLnSpc="1">
+            <a:prstTxWarp prst="textNoShape">
+              <a:avLst/>
+            </a:prstTxWarp>
+            <a:spAutoFit/>
+          </a:bodyPr>
+          <a:lstStyle/>
+          <a:p>
+            <a:r>
+              <a:rPr lang="en-US" sz="1000" dirty="0">
+                <a:solidFill>
+                  <a:srgbClr val="002F87"/>
+                </a:solidFill>
+                <a:cs typeface="Segoe UI"/>
+              </a:rPr>
+              <a:t>(!) Publisher saves the information and does </a:t>
+            </a:r>
+            <a:endParaRPr lang="en-US" sz="1000" dirty="0">
+              <a:solidFill>
+                <a:srgbClr val="000000"/>
+              </a:solidFill>
+              <a:cs typeface="Calibri" panose="020F0502020204030204"/>
+            </a:endParaRPr>
+          </a:p>
+          <a:p>
+            <a:r>
+              <a:rPr lang="en-US" sz="1000" dirty="0">
+                <a:solidFill>
+                  <a:srgbClr val="002F87"/>
+                </a:solidFill>
+                <a:cs typeface="Segoe UI"/>
+              </a:rPr>
+              <a:t>not call the user again</a:t>
+            </a:r>
+            <a:endParaRPr lang="en-US" sz="1000" dirty="0">
+              <a:cs typeface="Calibri" panose="020F0502020204030204"/>
+            </a:endParaRPr>
+          </a:p>
+        </p:txBody>
+      </p:sp>
+      <p:sp>
+        <p:nvSpPr>
+          <p:cNvPr id="6" name="TextBox 5">
+            <a:extLst>
+              <a:ext uri="{FF2B5EF4-FFF2-40B4-BE49-F238E27FC236}">
+                <a16:creationId xmlns:a16="http://schemas.microsoft.com/office/drawing/2014/main" id="{1582AC30-A204-8AA5-259E-A485541FE744}"/>
+              </a:ext>
+            </a:extLst>
+          </p:cNvPr>
+          <p:cNvSpPr txBox="1"/>
+          <p:nvPr/>
+        </p:nvSpPr>
+        <p:spPr>
+          <a:xfrm>
+            <a:off x="3123318" y="3104655"/>
+            <a:ext cx="319318" cy="276999"/>
           </a:xfrm>
           <a:prstGeom prst="rect">
             <a:avLst/>
@@ -7657,6 +10047,5186 @@
           <a:lstStyle/>
           <a:p>
             <a:r>
+              <a:rPr lang="en-US" sz="1200" dirty="0"/>
+              <a:t>or</a:t>
+            </a:r>
+          </a:p>
+        </p:txBody>
+      </p:sp>
+      <p:sp>
+        <p:nvSpPr>
+          <p:cNvPr id="11" name="TextBox 10">
+            <a:extLst>
+              <a:ext uri="{FF2B5EF4-FFF2-40B4-BE49-F238E27FC236}">
+                <a16:creationId xmlns:a16="http://schemas.microsoft.com/office/drawing/2014/main" id="{D7E6C14D-59F0-3080-33DD-B42A69E88222}"/>
+              </a:ext>
+            </a:extLst>
+          </p:cNvPr>
+          <p:cNvSpPr txBox="1"/>
+          <p:nvPr/>
+        </p:nvSpPr>
+        <p:spPr>
+          <a:xfrm>
+            <a:off x="234293" y="6489066"/>
+            <a:ext cx="6466356" cy="430887"/>
+          </a:xfrm>
+          <a:prstGeom prst="rect">
+            <a:avLst/>
+          </a:prstGeom>
+          <a:noFill/>
+        </p:spPr>
+        <p:txBody>
+          <a:bodyPr rot="0" spcFirstLastPara="0" vertOverflow="overflow" horzOverflow="overflow" vert="horz" wrap="square" lIns="91440" tIns="45720" rIns="91440" bIns="45720" numCol="1" spcCol="0" rtlCol="0" fromWordArt="0" anchor="t" anchorCtr="0" forceAA="0" compatLnSpc="1">
+            <a:prstTxWarp prst="textNoShape">
+              <a:avLst/>
+            </a:prstTxWarp>
+            <a:spAutoFit/>
+          </a:bodyPr>
+          <a:lstStyle/>
+          <a:p>
+            <a:r>
+              <a:rPr lang="en-US" sz="1100" dirty="0">
+                <a:solidFill>
+                  <a:srgbClr val="1D1C1D"/>
+                </a:solidFill>
+                <a:ea typeface="+mn-lt"/>
+                <a:cs typeface="+mn-lt"/>
+              </a:rPr>
+              <a:t>* UID2Manager.getInstance() relies on the backend server to generate a token/identity in this workflow.</a:t>
+            </a:r>
+            <a:br>
+              <a:rPr lang="en-US" sz="1100" dirty="0">
+                <a:ea typeface="+mn-lt"/>
+                <a:cs typeface="+mn-lt"/>
+              </a:rPr>
+            </a:br>
+            <a:endParaRPr lang="en-US" sz="1100" dirty="0">
+              <a:solidFill>
+                <a:srgbClr val="1D1C1D"/>
+              </a:solidFill>
+              <a:ea typeface="+mn-lt"/>
+              <a:cs typeface="+mn-lt"/>
+            </a:endParaRPr>
+          </a:p>
+        </p:txBody>
+      </p:sp>
+      <p:sp>
+        <p:nvSpPr>
+          <p:cNvPr id="10" name="円/楕円 9">
+            <a:extLst>
+              <a:ext uri="{FF2B5EF4-FFF2-40B4-BE49-F238E27FC236}">
+                <a16:creationId xmlns:a16="http://schemas.microsoft.com/office/drawing/2014/main" id="{1E16739B-4AD0-DB59-D55F-1F507F59DD2E}"/>
+              </a:ext>
+            </a:extLst>
+          </p:cNvPr>
+          <p:cNvSpPr>
+            <a:spLocks noChangeAspect="1"/>
+          </p:cNvSpPr>
+          <p:nvPr/>
+        </p:nvSpPr>
+        <p:spPr>
+          <a:xfrm>
+            <a:off x="177394" y="1801041"/>
+            <a:ext cx="288000" cy="288000"/>
+          </a:xfrm>
+          <a:prstGeom prst="ellipse">
+            <a:avLst/>
+          </a:prstGeom>
+          <a:noFill/>
+        </p:spPr>
+        <p:style>
+          <a:lnRef idx="2">
+            <a:schemeClr val="accent1">
+              <a:shade val="15000"/>
+            </a:schemeClr>
+          </a:lnRef>
+          <a:fillRef idx="1">
+            <a:schemeClr val="accent1"/>
+          </a:fillRef>
+          <a:effectRef idx="0">
+            <a:schemeClr val="accent1"/>
+          </a:effectRef>
+          <a:fontRef idx="minor">
+            <a:schemeClr val="lt1"/>
+          </a:fontRef>
+        </p:style>
+        <p:txBody>
+          <a:bodyPr lIns="0" tIns="0" rIns="0" bIns="0" rtlCol="0" anchor="ctr"/>
+          <a:lstStyle/>
+          <a:p>
+            <a:pPr algn="ctr"/>
+            <a:r>
+              <a:rPr kumimoji="1" lang="en-US" altLang="ja-JP" sz="1400" dirty="0">
+                <a:solidFill>
+                  <a:schemeClr val="tx1"/>
+                </a:solidFill>
+              </a:rPr>
+              <a:t>1</a:t>
+            </a:r>
+            <a:endParaRPr kumimoji="1" lang="ja-JP" altLang="en-US" sz="1400">
+              <a:solidFill>
+                <a:schemeClr val="tx1"/>
+              </a:solidFill>
+            </a:endParaRPr>
+          </a:p>
+        </p:txBody>
+      </p:sp>
+      <p:sp>
+        <p:nvSpPr>
+          <p:cNvPr id="17" name="円/楕円 16">
+            <a:extLst>
+              <a:ext uri="{FF2B5EF4-FFF2-40B4-BE49-F238E27FC236}">
+                <a16:creationId xmlns:a16="http://schemas.microsoft.com/office/drawing/2014/main" id="{5D5C603E-8F52-65D0-A155-F3AA40DD8795}"/>
+              </a:ext>
+            </a:extLst>
+          </p:cNvPr>
+          <p:cNvSpPr>
+            <a:spLocks noChangeAspect="1"/>
+          </p:cNvSpPr>
+          <p:nvPr/>
+        </p:nvSpPr>
+        <p:spPr>
+          <a:xfrm>
+            <a:off x="4315708" y="2014716"/>
+            <a:ext cx="288000" cy="288000"/>
+          </a:xfrm>
+          <a:prstGeom prst="ellipse">
+            <a:avLst/>
+          </a:prstGeom>
+          <a:noFill/>
+        </p:spPr>
+        <p:style>
+          <a:lnRef idx="2">
+            <a:schemeClr val="accent1">
+              <a:shade val="15000"/>
+            </a:schemeClr>
+          </a:lnRef>
+          <a:fillRef idx="1">
+            <a:schemeClr val="accent1"/>
+          </a:fillRef>
+          <a:effectRef idx="0">
+            <a:schemeClr val="accent1"/>
+          </a:effectRef>
+          <a:fontRef idx="minor">
+            <a:schemeClr val="lt1"/>
+          </a:fontRef>
+        </p:style>
+        <p:txBody>
+          <a:bodyPr lIns="0" tIns="0" rIns="0" bIns="0" rtlCol="0" anchor="ctr"/>
+          <a:lstStyle/>
+          <a:p>
+            <a:pPr algn="ctr"/>
+            <a:r>
+              <a:rPr kumimoji="1" lang="en-US" altLang="ja-JP" sz="1200" dirty="0">
+                <a:solidFill>
+                  <a:schemeClr val="tx1"/>
+                </a:solidFill>
+              </a:rPr>
+              <a:t>4</a:t>
+            </a:r>
+            <a:endParaRPr kumimoji="1" lang="ja-JP" altLang="en-US" sz="1200">
+              <a:solidFill>
+                <a:schemeClr val="tx1"/>
+              </a:solidFill>
+            </a:endParaRPr>
+          </a:p>
+        </p:txBody>
+      </p:sp>
+      <p:sp>
+        <p:nvSpPr>
+          <p:cNvPr id="18" name="円/楕円 17">
+            <a:extLst>
+              <a:ext uri="{FF2B5EF4-FFF2-40B4-BE49-F238E27FC236}">
+                <a16:creationId xmlns:a16="http://schemas.microsoft.com/office/drawing/2014/main" id="{DE942625-E6AC-751E-DEA5-3EC41DA1F7A7}"/>
+              </a:ext>
+            </a:extLst>
+          </p:cNvPr>
+          <p:cNvSpPr>
+            <a:spLocks noChangeAspect="1"/>
+          </p:cNvSpPr>
+          <p:nvPr/>
+        </p:nvSpPr>
+        <p:spPr>
+          <a:xfrm>
+            <a:off x="3826356" y="3793925"/>
+            <a:ext cx="288000" cy="288000"/>
+          </a:xfrm>
+          <a:prstGeom prst="ellipse">
+            <a:avLst/>
+          </a:prstGeom>
+          <a:noFill/>
+        </p:spPr>
+        <p:style>
+          <a:lnRef idx="2">
+            <a:schemeClr val="accent1">
+              <a:shade val="15000"/>
+            </a:schemeClr>
+          </a:lnRef>
+          <a:fillRef idx="1">
+            <a:schemeClr val="accent1"/>
+          </a:fillRef>
+          <a:effectRef idx="0">
+            <a:schemeClr val="accent1"/>
+          </a:effectRef>
+          <a:fontRef idx="minor">
+            <a:schemeClr val="lt1"/>
+          </a:fontRef>
+        </p:style>
+        <p:txBody>
+          <a:bodyPr lIns="0" tIns="0" rIns="0" bIns="0" rtlCol="0" anchor="ctr"/>
+          <a:lstStyle/>
+          <a:p>
+            <a:pPr algn="ctr"/>
+            <a:r>
+              <a:rPr kumimoji="1" lang="en-US" altLang="ja-JP" sz="1200" dirty="0">
+                <a:solidFill>
+                  <a:schemeClr val="tx1"/>
+                </a:solidFill>
+              </a:rPr>
+              <a:t>5</a:t>
+            </a:r>
+            <a:endParaRPr kumimoji="1" lang="ja-JP" altLang="en-US" sz="1200">
+              <a:solidFill>
+                <a:schemeClr val="tx1"/>
+              </a:solidFill>
+            </a:endParaRPr>
+          </a:p>
+        </p:txBody>
+      </p:sp>
+      <p:sp>
+        <p:nvSpPr>
+          <p:cNvPr id="19" name="円/楕円 18">
+            <a:extLst>
+              <a:ext uri="{FF2B5EF4-FFF2-40B4-BE49-F238E27FC236}">
+                <a16:creationId xmlns:a16="http://schemas.microsoft.com/office/drawing/2014/main" id="{8F815C24-AF7A-A581-497D-A50A100D5A05}"/>
+              </a:ext>
+            </a:extLst>
+          </p:cNvPr>
+          <p:cNvSpPr>
+            <a:spLocks noChangeAspect="1"/>
+          </p:cNvSpPr>
+          <p:nvPr/>
+        </p:nvSpPr>
+        <p:spPr>
+          <a:xfrm>
+            <a:off x="5380111" y="3793925"/>
+            <a:ext cx="288000" cy="288000"/>
+          </a:xfrm>
+          <a:prstGeom prst="ellipse">
+            <a:avLst/>
+          </a:prstGeom>
+          <a:noFill/>
+        </p:spPr>
+        <p:style>
+          <a:lnRef idx="2">
+            <a:schemeClr val="accent1">
+              <a:shade val="15000"/>
+            </a:schemeClr>
+          </a:lnRef>
+          <a:fillRef idx="1">
+            <a:schemeClr val="accent1"/>
+          </a:fillRef>
+          <a:effectRef idx="0">
+            <a:schemeClr val="accent1"/>
+          </a:effectRef>
+          <a:fontRef idx="minor">
+            <a:schemeClr val="lt1"/>
+          </a:fontRef>
+        </p:style>
+        <p:txBody>
+          <a:bodyPr lIns="0" tIns="0" rIns="0" bIns="0" rtlCol="0" anchor="ctr"/>
+          <a:lstStyle/>
+          <a:p>
+            <a:pPr algn="ctr"/>
+            <a:r>
+              <a:rPr kumimoji="1" lang="en-US" altLang="ja-JP" sz="1200" dirty="0">
+                <a:solidFill>
+                  <a:schemeClr val="tx1"/>
+                </a:solidFill>
+              </a:rPr>
+              <a:t>6</a:t>
+            </a:r>
+            <a:endParaRPr kumimoji="1" lang="ja-JP" altLang="en-US" sz="1200">
+              <a:solidFill>
+                <a:schemeClr val="tx1"/>
+              </a:solidFill>
+            </a:endParaRPr>
+          </a:p>
+        </p:txBody>
+      </p:sp>
+      <p:sp>
+        <p:nvSpPr>
+          <p:cNvPr id="20" name="円/楕円 19">
+            <a:extLst>
+              <a:ext uri="{FF2B5EF4-FFF2-40B4-BE49-F238E27FC236}">
+                <a16:creationId xmlns:a16="http://schemas.microsoft.com/office/drawing/2014/main" id="{003FBE65-3853-D2FC-AE74-FCCBB35E14B2}"/>
+              </a:ext>
+            </a:extLst>
+          </p:cNvPr>
+          <p:cNvSpPr>
+            <a:spLocks noChangeAspect="1"/>
+          </p:cNvSpPr>
+          <p:nvPr/>
+        </p:nvSpPr>
+        <p:spPr>
+          <a:xfrm>
+            <a:off x="7137069" y="3131397"/>
+            <a:ext cx="288000" cy="288000"/>
+          </a:xfrm>
+          <a:prstGeom prst="ellipse">
+            <a:avLst/>
+          </a:prstGeom>
+          <a:noFill/>
+        </p:spPr>
+        <p:style>
+          <a:lnRef idx="2">
+            <a:schemeClr val="accent1">
+              <a:shade val="15000"/>
+            </a:schemeClr>
+          </a:lnRef>
+          <a:fillRef idx="1">
+            <a:schemeClr val="accent1"/>
+          </a:fillRef>
+          <a:effectRef idx="0">
+            <a:schemeClr val="accent1"/>
+          </a:effectRef>
+          <a:fontRef idx="minor">
+            <a:schemeClr val="lt1"/>
+          </a:fontRef>
+        </p:style>
+        <p:txBody>
+          <a:bodyPr lIns="0" tIns="0" rIns="0" bIns="0" rtlCol="0" anchor="ctr"/>
+          <a:lstStyle/>
+          <a:p>
+            <a:pPr algn="ctr"/>
+            <a:r>
+              <a:rPr kumimoji="1" lang="en-US" altLang="ja-JP" sz="1200" dirty="0">
+                <a:solidFill>
+                  <a:schemeClr val="tx1"/>
+                </a:solidFill>
+              </a:rPr>
+              <a:t>7</a:t>
+            </a:r>
+            <a:endParaRPr kumimoji="1" lang="ja-JP" altLang="en-US" sz="1200">
+              <a:solidFill>
+                <a:schemeClr val="tx1"/>
+              </a:solidFill>
+            </a:endParaRPr>
+          </a:p>
+        </p:txBody>
+      </p:sp>
+      <p:sp>
+        <p:nvSpPr>
+          <p:cNvPr id="21" name="円/楕円 20">
+            <a:extLst>
+              <a:ext uri="{FF2B5EF4-FFF2-40B4-BE49-F238E27FC236}">
+                <a16:creationId xmlns:a16="http://schemas.microsoft.com/office/drawing/2014/main" id="{2FA30159-4056-9F07-17CE-57314896E0E2}"/>
+              </a:ext>
+            </a:extLst>
+          </p:cNvPr>
+          <p:cNvSpPr>
+            <a:spLocks noChangeAspect="1"/>
+          </p:cNvSpPr>
+          <p:nvPr/>
+        </p:nvSpPr>
+        <p:spPr>
+          <a:xfrm>
+            <a:off x="5989282" y="1801041"/>
+            <a:ext cx="288000" cy="288000"/>
+          </a:xfrm>
+          <a:prstGeom prst="ellipse">
+            <a:avLst/>
+          </a:prstGeom>
+          <a:noFill/>
+        </p:spPr>
+        <p:style>
+          <a:lnRef idx="2">
+            <a:schemeClr val="accent1">
+              <a:shade val="15000"/>
+            </a:schemeClr>
+          </a:lnRef>
+          <a:fillRef idx="1">
+            <a:schemeClr val="accent1"/>
+          </a:fillRef>
+          <a:effectRef idx="0">
+            <a:schemeClr val="accent1"/>
+          </a:effectRef>
+          <a:fontRef idx="minor">
+            <a:schemeClr val="lt1"/>
+          </a:fontRef>
+        </p:style>
+        <p:txBody>
+          <a:bodyPr lIns="0" tIns="0" rIns="0" bIns="0" rtlCol="0" anchor="ctr"/>
+          <a:lstStyle/>
+          <a:p>
+            <a:pPr algn="ctr"/>
+            <a:r>
+              <a:rPr kumimoji="1" lang="en-US" altLang="ja-JP" sz="1200" dirty="0">
+                <a:solidFill>
+                  <a:schemeClr val="tx1"/>
+                </a:solidFill>
+              </a:rPr>
+              <a:t>8</a:t>
+            </a:r>
+            <a:endParaRPr kumimoji="1" lang="ja-JP" altLang="en-US" sz="1200">
+              <a:solidFill>
+                <a:schemeClr val="tx1"/>
+              </a:solidFill>
+            </a:endParaRPr>
+          </a:p>
+        </p:txBody>
+      </p:sp>
+      <p:sp>
+        <p:nvSpPr>
+          <p:cNvPr id="22" name="円/楕円 21">
+            <a:extLst>
+              <a:ext uri="{FF2B5EF4-FFF2-40B4-BE49-F238E27FC236}">
+                <a16:creationId xmlns:a16="http://schemas.microsoft.com/office/drawing/2014/main" id="{75AA9C7C-6CB2-0049-710D-ECF7470DC3C3}"/>
+              </a:ext>
+            </a:extLst>
+          </p:cNvPr>
+          <p:cNvSpPr>
+            <a:spLocks noChangeAspect="1"/>
+          </p:cNvSpPr>
+          <p:nvPr/>
+        </p:nvSpPr>
+        <p:spPr>
+          <a:xfrm>
+            <a:off x="7760437" y="2029956"/>
+            <a:ext cx="288000" cy="288000"/>
+          </a:xfrm>
+          <a:prstGeom prst="ellipse">
+            <a:avLst/>
+          </a:prstGeom>
+          <a:noFill/>
+        </p:spPr>
+        <p:style>
+          <a:lnRef idx="2">
+            <a:schemeClr val="accent1">
+              <a:shade val="15000"/>
+            </a:schemeClr>
+          </a:lnRef>
+          <a:fillRef idx="1">
+            <a:schemeClr val="accent1"/>
+          </a:fillRef>
+          <a:effectRef idx="0">
+            <a:schemeClr val="accent1"/>
+          </a:effectRef>
+          <a:fontRef idx="minor">
+            <a:schemeClr val="lt1"/>
+          </a:fontRef>
+        </p:style>
+        <p:txBody>
+          <a:bodyPr lIns="0" tIns="0" rIns="0" bIns="0" rtlCol="0" anchor="ctr"/>
+          <a:lstStyle/>
+          <a:p>
+            <a:pPr algn="ctr"/>
+            <a:r>
+              <a:rPr kumimoji="1" lang="en-US" altLang="ja-JP" sz="1200" dirty="0">
+                <a:solidFill>
+                  <a:schemeClr val="tx1"/>
+                </a:solidFill>
+              </a:rPr>
+              <a:t>9</a:t>
+            </a:r>
+            <a:endParaRPr kumimoji="1" lang="ja-JP" altLang="en-US" sz="1200">
+              <a:solidFill>
+                <a:schemeClr val="tx1"/>
+              </a:solidFill>
+            </a:endParaRPr>
+          </a:p>
+        </p:txBody>
+      </p:sp>
+      <p:sp>
+        <p:nvSpPr>
+          <p:cNvPr id="23" name="円/楕円 22">
+            <a:extLst>
+              <a:ext uri="{FF2B5EF4-FFF2-40B4-BE49-F238E27FC236}">
+                <a16:creationId xmlns:a16="http://schemas.microsoft.com/office/drawing/2014/main" id="{38DDD028-4015-4A8F-034D-13A44F5175C6}"/>
+              </a:ext>
+            </a:extLst>
+          </p:cNvPr>
+          <p:cNvSpPr>
+            <a:spLocks noChangeAspect="1"/>
+          </p:cNvSpPr>
+          <p:nvPr/>
+        </p:nvSpPr>
+        <p:spPr>
+          <a:xfrm>
+            <a:off x="8379593" y="1801041"/>
+            <a:ext cx="288000" cy="288000"/>
+          </a:xfrm>
+          <a:prstGeom prst="ellipse">
+            <a:avLst/>
+          </a:prstGeom>
+          <a:noFill/>
+        </p:spPr>
+        <p:style>
+          <a:lnRef idx="2">
+            <a:schemeClr val="accent1">
+              <a:shade val="15000"/>
+            </a:schemeClr>
+          </a:lnRef>
+          <a:fillRef idx="1">
+            <a:schemeClr val="accent1"/>
+          </a:fillRef>
+          <a:effectRef idx="0">
+            <a:schemeClr val="accent1"/>
+          </a:effectRef>
+          <a:fontRef idx="minor">
+            <a:schemeClr val="lt1"/>
+          </a:fontRef>
+        </p:style>
+        <p:txBody>
+          <a:bodyPr lIns="0" tIns="0" rIns="0" bIns="0" rtlCol="0" anchor="ctr"/>
+          <a:lstStyle/>
+          <a:p>
+            <a:pPr algn="ctr"/>
+            <a:r>
+              <a:rPr kumimoji="1" lang="en-US" altLang="ja-JP" sz="1200" dirty="0">
+                <a:solidFill>
+                  <a:schemeClr val="tx1"/>
+                </a:solidFill>
+              </a:rPr>
+              <a:t>10</a:t>
+            </a:r>
+            <a:endParaRPr kumimoji="1" lang="ja-JP" altLang="en-US" sz="1200">
+              <a:solidFill>
+                <a:schemeClr val="tx1"/>
+              </a:solidFill>
+            </a:endParaRPr>
+          </a:p>
+        </p:txBody>
+      </p:sp>
+      <p:sp>
+        <p:nvSpPr>
+          <p:cNvPr id="24" name="円/楕円 23">
+            <a:extLst>
+              <a:ext uri="{FF2B5EF4-FFF2-40B4-BE49-F238E27FC236}">
+                <a16:creationId xmlns:a16="http://schemas.microsoft.com/office/drawing/2014/main" id="{25C5B303-6A75-B3B7-B53B-C7AC08605F3D}"/>
+              </a:ext>
+            </a:extLst>
+          </p:cNvPr>
+          <p:cNvSpPr>
+            <a:spLocks noChangeAspect="1"/>
+          </p:cNvSpPr>
+          <p:nvPr/>
+        </p:nvSpPr>
+        <p:spPr>
+          <a:xfrm>
+            <a:off x="10663259" y="1801041"/>
+            <a:ext cx="288000" cy="288000"/>
+          </a:xfrm>
+          <a:prstGeom prst="ellipse">
+            <a:avLst/>
+          </a:prstGeom>
+          <a:noFill/>
+        </p:spPr>
+        <p:style>
+          <a:lnRef idx="2">
+            <a:schemeClr val="accent1">
+              <a:shade val="15000"/>
+            </a:schemeClr>
+          </a:lnRef>
+          <a:fillRef idx="1">
+            <a:schemeClr val="accent1"/>
+          </a:fillRef>
+          <a:effectRef idx="0">
+            <a:schemeClr val="accent1"/>
+          </a:effectRef>
+          <a:fontRef idx="minor">
+            <a:schemeClr val="lt1"/>
+          </a:fontRef>
+        </p:style>
+        <p:txBody>
+          <a:bodyPr lIns="0" tIns="0" rIns="0" bIns="0" rtlCol="0" anchor="ctr"/>
+          <a:lstStyle/>
+          <a:p>
+            <a:pPr algn="ctr"/>
+            <a:r>
+              <a:rPr kumimoji="1" lang="en-US" altLang="ja-JP" sz="1200" dirty="0">
+                <a:solidFill>
+                  <a:schemeClr val="tx1"/>
+                </a:solidFill>
+              </a:rPr>
+              <a:t>11</a:t>
+            </a:r>
+            <a:endParaRPr kumimoji="1" lang="ja-JP" altLang="en-US" sz="1200">
+              <a:solidFill>
+                <a:schemeClr val="tx1"/>
+              </a:solidFill>
+            </a:endParaRPr>
+          </a:p>
+        </p:txBody>
+      </p:sp>
+      <p:sp>
+        <p:nvSpPr>
+          <p:cNvPr id="25" name="円/楕円 24">
+            <a:extLst>
+              <a:ext uri="{FF2B5EF4-FFF2-40B4-BE49-F238E27FC236}">
+                <a16:creationId xmlns:a16="http://schemas.microsoft.com/office/drawing/2014/main" id="{A8F9DA13-35F6-B20D-BE16-4BC402843837}"/>
+              </a:ext>
+            </a:extLst>
+          </p:cNvPr>
+          <p:cNvSpPr>
+            <a:spLocks noChangeAspect="1"/>
+          </p:cNvSpPr>
+          <p:nvPr/>
+        </p:nvSpPr>
+        <p:spPr>
+          <a:xfrm>
+            <a:off x="4749090" y="3131397"/>
+            <a:ext cx="288000" cy="288000"/>
+          </a:xfrm>
+          <a:prstGeom prst="ellipse">
+            <a:avLst/>
+          </a:prstGeom>
+          <a:noFill/>
+        </p:spPr>
+        <p:style>
+          <a:lnRef idx="2">
+            <a:schemeClr val="accent1">
+              <a:shade val="15000"/>
+            </a:schemeClr>
+          </a:lnRef>
+          <a:fillRef idx="1">
+            <a:schemeClr val="accent1"/>
+          </a:fillRef>
+          <a:effectRef idx="0">
+            <a:schemeClr val="accent1"/>
+          </a:effectRef>
+          <a:fontRef idx="minor">
+            <a:schemeClr val="lt1"/>
+          </a:fontRef>
+        </p:style>
+        <p:txBody>
+          <a:bodyPr lIns="0" tIns="0" rIns="0" bIns="0" rtlCol="0" anchor="ctr"/>
+          <a:lstStyle/>
+          <a:p>
+            <a:pPr algn="ctr"/>
+            <a:r>
+              <a:rPr kumimoji="1" lang="en-US" altLang="ja-JP" sz="1200" dirty="0">
+                <a:solidFill>
+                  <a:schemeClr val="tx1"/>
+                </a:solidFill>
+              </a:rPr>
+              <a:t>4.1</a:t>
+            </a:r>
+            <a:endParaRPr kumimoji="1" lang="ja-JP" altLang="en-US" sz="1200">
+              <a:solidFill>
+                <a:schemeClr val="tx1"/>
+              </a:solidFill>
+            </a:endParaRPr>
+          </a:p>
+        </p:txBody>
+      </p:sp>
+      <p:sp>
+        <p:nvSpPr>
+          <p:cNvPr id="26" name="円/楕円 25">
+            <a:extLst>
+              <a:ext uri="{FF2B5EF4-FFF2-40B4-BE49-F238E27FC236}">
+                <a16:creationId xmlns:a16="http://schemas.microsoft.com/office/drawing/2014/main" id="{058C763F-4FA3-2B9B-6E99-71A1E015A4E3}"/>
+              </a:ext>
+            </a:extLst>
+          </p:cNvPr>
+          <p:cNvSpPr>
+            <a:spLocks noChangeAspect="1"/>
+          </p:cNvSpPr>
+          <p:nvPr/>
+        </p:nvSpPr>
+        <p:spPr>
+          <a:xfrm>
+            <a:off x="5764366" y="3131397"/>
+            <a:ext cx="288000" cy="288000"/>
+          </a:xfrm>
+          <a:prstGeom prst="ellipse">
+            <a:avLst/>
+          </a:prstGeom>
+          <a:noFill/>
+        </p:spPr>
+        <p:style>
+          <a:lnRef idx="2">
+            <a:schemeClr val="accent1">
+              <a:shade val="15000"/>
+            </a:schemeClr>
+          </a:lnRef>
+          <a:fillRef idx="1">
+            <a:schemeClr val="accent1"/>
+          </a:fillRef>
+          <a:effectRef idx="0">
+            <a:schemeClr val="accent1"/>
+          </a:effectRef>
+          <a:fontRef idx="minor">
+            <a:schemeClr val="lt1"/>
+          </a:fontRef>
+        </p:style>
+        <p:txBody>
+          <a:bodyPr lIns="0" tIns="0" rIns="0" bIns="0" rtlCol="0" anchor="ctr"/>
+          <a:lstStyle/>
+          <a:p>
+            <a:pPr algn="ctr"/>
+            <a:r>
+              <a:rPr kumimoji="1" lang="en-US" altLang="ja-JP" sz="1200" dirty="0">
+                <a:solidFill>
+                  <a:schemeClr val="tx1"/>
+                </a:solidFill>
+              </a:rPr>
+              <a:t>4.2</a:t>
+            </a:r>
+            <a:endParaRPr kumimoji="1" lang="ja-JP" altLang="en-US" sz="1200">
+              <a:solidFill>
+                <a:schemeClr val="tx1"/>
+              </a:solidFill>
+            </a:endParaRPr>
+          </a:p>
+        </p:txBody>
+      </p:sp>
+      <p:sp>
+        <p:nvSpPr>
+          <p:cNvPr id="2" name="Rounded Rectangle 36">
+            <a:extLst>
+              <a:ext uri="{FF2B5EF4-FFF2-40B4-BE49-F238E27FC236}">
+                <a16:creationId xmlns:a16="http://schemas.microsoft.com/office/drawing/2014/main" id="{418949BC-E484-F998-886E-E8DE67D95D90}"/>
+              </a:ext>
+            </a:extLst>
+          </p:cNvPr>
+          <p:cNvSpPr/>
+          <p:nvPr/>
+        </p:nvSpPr>
+        <p:spPr>
+          <a:xfrm>
+            <a:off x="2558296" y="1801040"/>
+            <a:ext cx="1440000" cy="309605"/>
+          </a:xfrm>
+          <a:prstGeom prst="roundRect">
+            <a:avLst>
+              <a:gd name="adj" fmla="val 10000"/>
+            </a:avLst>
+          </a:prstGeom>
+          <a:solidFill>
+            <a:srgbClr val="78CC00"/>
+          </a:solidFill>
+        </p:spPr>
+        <p:style>
+          <a:lnRef idx="2">
+            <a:schemeClr val="lt1">
+              <a:hueOff val="0"/>
+              <a:satOff val="0"/>
+              <a:lumOff val="0"/>
+              <a:alphaOff val="0"/>
+            </a:schemeClr>
+          </a:lnRef>
+          <a:fillRef idx="1">
+            <a:scrgbClr r="0" g="0" b="0"/>
+          </a:fillRef>
+          <a:effectRef idx="0">
+            <a:schemeClr val="accent5">
+              <a:hueOff val="-6758543"/>
+              <a:satOff val="-17419"/>
+              <a:lumOff val="-11765"/>
+              <a:alphaOff val="0"/>
+            </a:schemeClr>
+          </a:effectRef>
+          <a:fontRef idx="minor">
+            <a:schemeClr val="lt1"/>
+          </a:fontRef>
+        </p:style>
+        <p:txBody>
+          <a:bodyPr/>
+          <a:lstStyle/>
+          <a:p>
+            <a:endParaRPr lang="en-US" dirty="0"/>
+          </a:p>
+        </p:txBody>
+      </p:sp>
+      <p:sp>
+        <p:nvSpPr>
+          <p:cNvPr id="27" name="円/楕円 26">
+            <a:extLst>
+              <a:ext uri="{FF2B5EF4-FFF2-40B4-BE49-F238E27FC236}">
+                <a16:creationId xmlns:a16="http://schemas.microsoft.com/office/drawing/2014/main" id="{3576FD6A-1B60-BA49-B899-70FDC47FD317}"/>
+              </a:ext>
+            </a:extLst>
+          </p:cNvPr>
+          <p:cNvSpPr>
+            <a:spLocks noChangeAspect="1"/>
+          </p:cNvSpPr>
+          <p:nvPr/>
+        </p:nvSpPr>
+        <p:spPr>
+          <a:xfrm>
+            <a:off x="1954757" y="2014716"/>
+            <a:ext cx="288000" cy="288000"/>
+          </a:xfrm>
+          <a:prstGeom prst="ellipse">
+            <a:avLst/>
+          </a:prstGeom>
+          <a:noFill/>
+        </p:spPr>
+        <p:style>
+          <a:lnRef idx="2">
+            <a:schemeClr val="accent1">
+              <a:shade val="15000"/>
+            </a:schemeClr>
+          </a:lnRef>
+          <a:fillRef idx="1">
+            <a:schemeClr val="accent1"/>
+          </a:fillRef>
+          <a:effectRef idx="0">
+            <a:schemeClr val="accent1"/>
+          </a:effectRef>
+          <a:fontRef idx="minor">
+            <a:schemeClr val="lt1"/>
+          </a:fontRef>
+        </p:style>
+        <p:txBody>
+          <a:bodyPr lIns="0" tIns="0" rIns="0" bIns="0" rtlCol="0" anchor="ctr"/>
+          <a:lstStyle/>
+          <a:p>
+            <a:pPr algn="ctr"/>
+            <a:r>
+              <a:rPr kumimoji="1" lang="en-US" altLang="ja-JP" sz="1400" dirty="0">
+                <a:solidFill>
+                  <a:schemeClr val="tx1"/>
+                </a:solidFill>
+              </a:rPr>
+              <a:t>2</a:t>
+            </a:r>
+            <a:endParaRPr kumimoji="1" lang="ja-JP" altLang="en-US" sz="1400">
+              <a:solidFill>
+                <a:schemeClr val="tx1"/>
+              </a:solidFill>
+            </a:endParaRPr>
+          </a:p>
+        </p:txBody>
+      </p:sp>
+      <p:sp>
+        <p:nvSpPr>
+          <p:cNvPr id="16" name="円/楕円 15">
+            <a:extLst>
+              <a:ext uri="{FF2B5EF4-FFF2-40B4-BE49-F238E27FC236}">
+                <a16:creationId xmlns:a16="http://schemas.microsoft.com/office/drawing/2014/main" id="{D56B6FBB-5BDB-1F20-CC56-6CE4306CDAA0}"/>
+              </a:ext>
+            </a:extLst>
+          </p:cNvPr>
+          <p:cNvSpPr>
+            <a:spLocks noChangeAspect="1"/>
+          </p:cNvSpPr>
+          <p:nvPr/>
+        </p:nvSpPr>
+        <p:spPr>
+          <a:xfrm>
+            <a:off x="2558296" y="1801041"/>
+            <a:ext cx="288000" cy="288000"/>
+          </a:xfrm>
+          <a:prstGeom prst="ellipse">
+            <a:avLst/>
+          </a:prstGeom>
+          <a:noFill/>
+        </p:spPr>
+        <p:style>
+          <a:lnRef idx="2">
+            <a:schemeClr val="accent1">
+              <a:shade val="15000"/>
+            </a:schemeClr>
+          </a:lnRef>
+          <a:fillRef idx="1">
+            <a:schemeClr val="accent1"/>
+          </a:fillRef>
+          <a:effectRef idx="0">
+            <a:schemeClr val="accent1"/>
+          </a:effectRef>
+          <a:fontRef idx="minor">
+            <a:schemeClr val="lt1"/>
+          </a:fontRef>
+        </p:style>
+        <p:txBody>
+          <a:bodyPr lIns="0" tIns="0" rIns="0" bIns="0" rtlCol="0" anchor="ctr"/>
+          <a:lstStyle/>
+          <a:p>
+            <a:pPr algn="ctr"/>
+            <a:r>
+              <a:rPr kumimoji="1" lang="en-US" altLang="ja-JP" sz="1200" dirty="0">
+                <a:solidFill>
+                  <a:schemeClr val="tx1"/>
+                </a:solidFill>
+              </a:rPr>
+              <a:t>3</a:t>
+            </a:r>
+            <a:endParaRPr kumimoji="1" lang="ja-JP" altLang="en-US" sz="1200">
+              <a:solidFill>
+                <a:schemeClr val="tx1"/>
+              </a:solidFill>
+            </a:endParaRPr>
+          </a:p>
+        </p:txBody>
+      </p:sp>
+      <p:sp>
+        <p:nvSpPr>
+          <p:cNvPr id="43" name="Rounded Rectangle 42">
+            <a:extLst>
+              <a:ext uri="{FF2B5EF4-FFF2-40B4-BE49-F238E27FC236}">
+                <a16:creationId xmlns:a16="http://schemas.microsoft.com/office/drawing/2014/main" id="{00E2CFCA-6094-2A00-A572-A825B226A197}"/>
+              </a:ext>
+            </a:extLst>
+          </p:cNvPr>
+          <p:cNvSpPr/>
+          <p:nvPr/>
+        </p:nvSpPr>
+        <p:spPr>
+          <a:xfrm>
+            <a:off x="2558296" y="1801040"/>
+            <a:ext cx="1440000" cy="1044000"/>
+          </a:xfrm>
+          <a:prstGeom prst="roundRect">
+            <a:avLst>
+              <a:gd name="adj" fmla="val 10000"/>
+            </a:avLst>
+          </a:prstGeom>
+          <a:noFill/>
+          <a:ln w="22225">
+            <a:solidFill>
+              <a:srgbClr val="002F87"/>
+            </a:solidFill>
+          </a:ln>
+        </p:spPr>
+        <p:style>
+          <a:lnRef idx="2">
+            <a:schemeClr val="lt1">
+              <a:hueOff val="0"/>
+              <a:satOff val="0"/>
+              <a:lumOff val="0"/>
+              <a:alphaOff val="0"/>
+            </a:schemeClr>
+          </a:lnRef>
+          <a:fillRef idx="1">
+            <a:scrgbClr r="0" g="0" b="0"/>
+          </a:fillRef>
+          <a:effectRef idx="0">
+            <a:schemeClr val="accent5">
+              <a:hueOff val="-6758543"/>
+              <a:satOff val="-17419"/>
+              <a:lumOff val="-11765"/>
+              <a:alphaOff val="0"/>
+            </a:schemeClr>
+          </a:effectRef>
+          <a:fontRef idx="minor">
+            <a:schemeClr val="lt1"/>
+          </a:fontRef>
+        </p:style>
+        <p:txBody>
+          <a:bodyPr lIns="0" tIns="0" rIns="0" bIns="0"/>
+          <a:lstStyle/>
+          <a:p>
+            <a:endParaRPr lang="en-US" altLang="ja-JP" sz="1100" dirty="0">
+              <a:solidFill>
+                <a:schemeClr val="tx1"/>
+              </a:solidFill>
+            </a:endParaRPr>
+          </a:p>
+          <a:p>
+            <a:endParaRPr lang="en-US" altLang="ja-JP" sz="1100" dirty="0">
+              <a:solidFill>
+                <a:schemeClr val="tx1"/>
+              </a:solidFill>
+            </a:endParaRPr>
+          </a:p>
+          <a:p>
+            <a:r>
+              <a:rPr lang="en-US" altLang="ja-JP" sz="1100" dirty="0">
+                <a:solidFill>
+                  <a:schemeClr val="tx1"/>
+                </a:solidFill>
+              </a:rPr>
+              <a:t>Publisher attempts token/generate server-side or via Java/Python SDK's Publisher Class</a:t>
+            </a:r>
+            <a:endParaRPr lang="en-US" altLang="ja-JP" sz="1100" dirty="0">
+              <a:solidFill>
+                <a:schemeClr val="tx1"/>
+              </a:solidFill>
+              <a:ea typeface="Calibri" panose="020F0502020204030204"/>
+              <a:cs typeface="Calibri" panose="020F0502020204030204"/>
+            </a:endParaRPr>
+          </a:p>
+        </p:txBody>
+      </p:sp>
+      <p:sp>
+        <p:nvSpPr>
+          <p:cNvPr id="15" name="TextBox 132">
+            <a:extLst>
+              <a:ext uri="{FF2B5EF4-FFF2-40B4-BE49-F238E27FC236}">
+                <a16:creationId xmlns:a16="http://schemas.microsoft.com/office/drawing/2014/main" id="{10597854-21D2-EF32-17F8-68E794B3A9EB}"/>
+              </a:ext>
+            </a:extLst>
+          </p:cNvPr>
+          <p:cNvSpPr txBox="1"/>
+          <p:nvPr/>
+        </p:nvSpPr>
+        <p:spPr>
+          <a:xfrm>
+            <a:off x="7049051" y="3935037"/>
+            <a:ext cx="2650011" cy="215444"/>
+          </a:xfrm>
+          <a:prstGeom prst="rect">
+            <a:avLst/>
+          </a:prstGeom>
+          <a:noFill/>
+        </p:spPr>
+        <p:txBody>
+          <a:bodyPr wrap="square" lIns="91440" tIns="45720" rIns="91440" bIns="45720" anchor="t">
+            <a:spAutoFit/>
+          </a:bodyPr>
+          <a:lstStyle/>
+          <a:p>
+            <a:r>
+              <a:rPr lang="en-US" sz="800" b="0" i="0" dirty="0">
+                <a:solidFill>
+                  <a:schemeClr val="bg2">
+                    <a:lumMod val="75000"/>
+                  </a:schemeClr>
+                </a:solidFill>
+                <a:effectLst/>
+                <a:latin typeface="Roboto Mono"/>
+                <a:ea typeface="Roboto Mono"/>
+              </a:rPr>
+              <a:t>UID2Manager.getInstance().</a:t>
+            </a:r>
+            <a:r>
+              <a:rPr lang="en-US" sz="800" dirty="0">
+                <a:solidFill>
+                  <a:schemeClr val="bg2">
+                    <a:lumMod val="75000"/>
+                  </a:schemeClr>
+                </a:solidFill>
+                <a:latin typeface="Roboto Mono"/>
+                <a:ea typeface="Roboto Mono"/>
+              </a:rPr>
+              <a:t>setIdentity </a:t>
+            </a:r>
+            <a:endParaRPr lang="en-US" sz="800" dirty="0">
+              <a:solidFill>
+                <a:schemeClr val="bg2">
+                  <a:lumMod val="75000"/>
+                </a:schemeClr>
+              </a:solidFill>
+              <a:latin typeface="Roboto Mono" pitchFamily="49" charset="0"/>
+              <a:ea typeface="Roboto Mono" pitchFamily="49" charset="0"/>
+            </a:endParaRPr>
+          </a:p>
+        </p:txBody>
+      </p:sp>
+    </p:spTree>
+    <p:extLst>
+      <p:ext uri="{BB962C8B-B14F-4D97-AF65-F5344CB8AC3E}">
+        <p14:creationId xmlns:p14="http://schemas.microsoft.com/office/powerpoint/2010/main" val="313452458"/>
+      </p:ext>
+    </p:extLst>
+  </p:cSld>
+  <p:clrMapOvr>
+    <a:masterClrMapping/>
+  </p:clrMapOvr>
+  <mc:AlternateContent xmlns:mc="http://schemas.openxmlformats.org/markup-compatibility/2006" xmlns:p14="http://schemas.microsoft.com/office/powerpoint/2010/main">
+    <mc:Choice Requires="p14">
+      <p:transition spd="med" p14:dur="700">
+        <p:fade/>
+      </p:transition>
+    </mc:Choice>
+    <mc:Fallback xmlns="">
+      <p:transition spd="med">
+        <p:fade/>
+      </p:transition>
+    </mc:Fallback>
+  </mc:AlternateContent>
+</p:sld>
+</file>
+
+<file path=ppt/slides/slide3.xml><?xml version="1.0" encoding="utf-8"?>
+<p:sld xmlns:a="http://schemas.openxmlformats.org/drawingml/2006/main" xmlns:r="http://schemas.openxmlformats.org/officeDocument/2006/relationships" xmlns:p="http://schemas.openxmlformats.org/presentationml/2006/main">
+  <p:cSld>
+    <p:spTree>
+      <p:nvGrpSpPr>
+        <p:cNvPr id="1" name=""/>
+        <p:cNvGrpSpPr/>
+        <p:nvPr/>
+      </p:nvGrpSpPr>
+      <p:grpSpPr>
+        <a:xfrm>
+          <a:off x="0" y="0"/>
+          <a:ext cx="0" cy="0"/>
+          <a:chOff x="0" y="0"/>
+          <a:chExt cx="0" cy="0"/>
+        </a:xfrm>
+      </p:grpSpPr>
+      <p:sp>
+        <p:nvSpPr>
+          <p:cNvPr id="124" name="TextBox 123">
+            <a:extLst>
+              <a:ext uri="{FF2B5EF4-FFF2-40B4-BE49-F238E27FC236}">
+                <a16:creationId xmlns:a16="http://schemas.microsoft.com/office/drawing/2014/main" id="{B6FB10B8-C096-12E6-F43A-6B7053BA0E09}"/>
+              </a:ext>
+            </a:extLst>
+          </p:cNvPr>
+          <p:cNvSpPr txBox="1"/>
+          <p:nvPr/>
+        </p:nvSpPr>
+        <p:spPr>
+          <a:xfrm>
+            <a:off x="5434365" y="4837925"/>
+            <a:ext cx="5246685" cy="1708160"/>
+          </a:xfrm>
+          <a:prstGeom prst="rect">
+            <a:avLst/>
+          </a:prstGeom>
+          <a:noFill/>
+        </p:spPr>
+        <p:txBody>
+          <a:bodyPr wrap="square" lIns="91440" tIns="45720" rIns="91440" bIns="45720" anchor="t">
+            <a:spAutoFit/>
+          </a:bodyPr>
+          <a:lstStyle/>
+          <a:p>
+            <a:r>
+              <a:rPr lang="en-US" sz="700" dirty="0">
+                <a:solidFill>
+                  <a:srgbClr val="002F87"/>
+                </a:solidFill>
+                <a:latin typeface="Roboto Mono"/>
+                <a:ea typeface="Roboto Mono"/>
+              </a:rPr>
+              <a:t>{</a:t>
+            </a:r>
+            <a:br>
+              <a:rPr lang="en-US" sz="700" b="0" i="0" dirty="0">
+                <a:effectLst/>
+                <a:latin typeface="Roboto Mono" pitchFamily="49" charset="0"/>
+              </a:rPr>
+            </a:br>
+            <a:r>
+              <a:rPr lang="en-US" sz="700" b="0" i="0" dirty="0">
+                <a:solidFill>
+                  <a:srgbClr val="002F87"/>
+                </a:solidFill>
+                <a:effectLst/>
+                <a:latin typeface="Roboto Mono"/>
+                <a:ea typeface="Roboto Mono"/>
+              </a:rPr>
+              <a:t>"body": {</a:t>
+            </a:r>
+            <a:br>
+              <a:rPr lang="en-US" sz="700" b="0" i="0" dirty="0">
+                <a:effectLst/>
+                <a:latin typeface="Roboto Mono" pitchFamily="49" charset="0"/>
+              </a:rPr>
+            </a:br>
+            <a:r>
+              <a:rPr lang="en-US" sz="700" b="0" i="0" dirty="0">
+                <a:solidFill>
+                  <a:srgbClr val="002F87"/>
+                </a:solidFill>
+                <a:effectLst/>
+                <a:latin typeface="Roboto Mono"/>
+                <a:ea typeface="Roboto Mono"/>
+              </a:rPr>
+              <a:t>"advertising_token": "AdvertisingTokenmZ4dZgeuXXl6DhoXqbRXQbHlHhA96leN94U1uavZVspwKXlfWETZ3b/besPFFvJxNLLySg4QEYHUAiyUrNncgnm7ppu0mi6wU2CW6hssiuEkKfstbo9XWgRUbWNTM+ewMzXXM8G9j8Q=",</a:t>
+            </a:r>
+            <a:br>
+              <a:rPr lang="en-US" sz="700" b="0" i="0" dirty="0">
+                <a:effectLst/>
+                <a:latin typeface="Roboto Mono" pitchFamily="49" charset="0"/>
+              </a:rPr>
+            </a:br>
+            <a:r>
+              <a:rPr lang="en-US" sz="700" b="0" i="0" dirty="0">
+                <a:solidFill>
+                  <a:srgbClr val="002F87"/>
+                </a:solidFill>
+                <a:effectLst/>
+                <a:latin typeface="Roboto Mono"/>
+                <a:ea typeface="Roboto Mono"/>
+              </a:rPr>
+              <a:t>"refresh_token": "RefreshToken2F8AAAF2cskumF8AAAF2cskumF8AAAADXwFq/90PYmajV0IPrvo51Biqh7/M+JOuhfBY8KGUn//GsmZr9nf+jIWMUO4diOA92kCTF69JdP71Ooo+yF3V5yy70UDP6punSEGmhf5XSKFzjQssCtlHnKrJwqFGKpJkYA==",</a:t>
+            </a:r>
+            <a:br>
+              <a:rPr lang="en-US" sz="700" b="0" i="0" dirty="0">
+                <a:effectLst/>
+                <a:latin typeface="Roboto Mono" pitchFamily="49" charset="0"/>
+              </a:rPr>
+            </a:br>
+            <a:r>
+              <a:rPr lang="en-US" sz="700" b="0" i="0" dirty="0">
+                <a:solidFill>
+                  <a:srgbClr val="002F87"/>
+                </a:solidFill>
+                <a:effectLst/>
+                <a:latin typeface="Roboto Mono"/>
+                <a:ea typeface="Roboto Mono"/>
+              </a:rPr>
+              <a:t>"identity_expires": 1633643601000,</a:t>
+            </a:r>
+            <a:br>
+              <a:rPr lang="en-US" sz="700" b="0" i="0" dirty="0">
+                <a:effectLst/>
+                <a:latin typeface="Roboto Mono" pitchFamily="49" charset="0"/>
+              </a:rPr>
+            </a:br>
+            <a:r>
+              <a:rPr lang="en-US" sz="700" b="0" i="0" dirty="0">
+                <a:solidFill>
+                  <a:srgbClr val="002F87"/>
+                </a:solidFill>
+                <a:effectLst/>
+                <a:latin typeface="Roboto Mono"/>
+                <a:ea typeface="Roboto Mono"/>
+              </a:rPr>
+              <a:t>"refresh_from": 1633643001000,</a:t>
+            </a:r>
+            <a:br>
+              <a:rPr lang="en-US" sz="700" b="0" i="0" dirty="0">
+                <a:effectLst/>
+                <a:latin typeface="Roboto Mono" pitchFamily="49" charset="0"/>
+              </a:rPr>
+            </a:br>
+            <a:r>
+              <a:rPr lang="en-US" sz="700" b="0" i="0" dirty="0">
+                <a:solidFill>
+                  <a:srgbClr val="002F87"/>
+                </a:solidFill>
+                <a:effectLst/>
+                <a:latin typeface="Roboto Mono"/>
+                <a:ea typeface="Roboto Mono"/>
+              </a:rPr>
+              <a:t>"refresh_expires": 1636322000000,</a:t>
+            </a:r>
+            <a:br>
+              <a:rPr lang="en-US" sz="700" b="0" i="0" dirty="0">
+                <a:effectLst/>
+                <a:latin typeface="Roboto Mono" pitchFamily="49" charset="0"/>
+              </a:rPr>
+            </a:br>
+            <a:r>
+              <a:rPr lang="en-US" sz="700" b="0" i="0" dirty="0">
+                <a:solidFill>
+                  <a:srgbClr val="002F87"/>
+                </a:solidFill>
+                <a:effectLst/>
+                <a:latin typeface="Roboto Mono"/>
+                <a:ea typeface="Roboto Mono"/>
+              </a:rPr>
+              <a:t>"refresh_response_key": "wR5t6HKMfJ2r4J7fEGX9Gw=="</a:t>
+            </a:r>
+            <a:br>
+              <a:rPr lang="en-US" sz="700" b="0" i="0" dirty="0">
+                <a:effectLst/>
+                <a:latin typeface="Roboto Mono" pitchFamily="49" charset="0"/>
+              </a:rPr>
+            </a:br>
+            <a:r>
+              <a:rPr lang="en-US" sz="700" b="0" i="0" dirty="0">
+                <a:solidFill>
+                  <a:srgbClr val="002F87"/>
+                </a:solidFill>
+                <a:effectLst/>
+                <a:latin typeface="Roboto Mono"/>
+                <a:ea typeface="Roboto Mono"/>
+              </a:rPr>
+              <a:t>},</a:t>
+            </a:r>
+            <a:br>
+              <a:rPr lang="en-US" sz="700" b="0" i="0" dirty="0">
+                <a:effectLst/>
+                <a:latin typeface="Roboto Mono" pitchFamily="49" charset="0"/>
+              </a:rPr>
+            </a:br>
+            <a:r>
+              <a:rPr lang="en-US" sz="700" b="0" i="0" dirty="0">
+                <a:solidFill>
+                  <a:srgbClr val="002F87"/>
+                </a:solidFill>
+                <a:effectLst/>
+                <a:latin typeface="Roboto Mono"/>
+                <a:ea typeface="Roboto Mono"/>
+              </a:rPr>
+              <a:t>"status": "success"</a:t>
+            </a:r>
+            <a:br>
+              <a:rPr lang="en-US" sz="700" b="0" i="0" dirty="0">
+                <a:effectLst/>
+                <a:latin typeface="Roboto Mono" pitchFamily="49" charset="0"/>
+              </a:rPr>
+            </a:br>
+            <a:r>
+              <a:rPr lang="en-US" sz="700" b="0" i="0" dirty="0">
+                <a:solidFill>
+                  <a:srgbClr val="002F87"/>
+                </a:solidFill>
+                <a:effectLst/>
+                <a:latin typeface="Roboto Mono"/>
+                <a:ea typeface="Roboto Mono"/>
+              </a:rPr>
+              <a:t>}</a:t>
+            </a:r>
+            <a:endParaRPr lang="en-US" sz="700" dirty="0">
+              <a:solidFill>
+                <a:srgbClr val="002F87"/>
+              </a:solidFill>
+              <a:latin typeface="Calibri"/>
+              <a:ea typeface="Calibri"/>
+              <a:cs typeface="Calibri"/>
+            </a:endParaRPr>
+          </a:p>
+        </p:txBody>
+      </p:sp>
+      <p:sp>
+        <p:nvSpPr>
+          <p:cNvPr id="5" name="TextBox 4">
+            <a:extLst>
+              <a:ext uri="{FF2B5EF4-FFF2-40B4-BE49-F238E27FC236}">
+                <a16:creationId xmlns:a16="http://schemas.microsoft.com/office/drawing/2014/main" id="{E074B97A-4A64-6624-3EC8-7C0829CE0158}"/>
+              </a:ext>
+            </a:extLst>
+          </p:cNvPr>
+          <p:cNvSpPr txBox="1"/>
+          <p:nvPr/>
+        </p:nvSpPr>
+        <p:spPr>
+          <a:xfrm>
+            <a:off x="1883440" y="3307771"/>
+            <a:ext cx="2799075" cy="707886"/>
+          </a:xfrm>
+          <a:prstGeom prst="rect">
+            <a:avLst/>
+          </a:prstGeom>
+          <a:noFill/>
+        </p:spPr>
+        <p:txBody>
+          <a:bodyPr wrap="square" lIns="91440" tIns="45720" rIns="91440" bIns="45720" anchor="t">
+            <a:spAutoFit/>
+          </a:bodyPr>
+          <a:lstStyle/>
+          <a:p>
+            <a:r>
+              <a:rPr lang="en-US" sz="800" dirty="0">
+                <a:solidFill>
+                  <a:srgbClr val="002F87"/>
+                </a:solidFill>
+                <a:latin typeface="Roboto Mono"/>
+                <a:ea typeface="+mn-lt"/>
+                <a:cs typeface="+mn-lt"/>
+              </a:rPr>
+              <a:t>PublisherUid2Client:</a:t>
+            </a:r>
+          </a:p>
+          <a:p>
+            <a:r>
+              <a:rPr lang="en-US" sz="800" dirty="0">
+                <a:solidFill>
+                  <a:srgbClr val="002F87"/>
+                </a:solidFill>
+                <a:latin typeface="Roboto Mono"/>
+                <a:ea typeface="+mn-lt"/>
+                <a:cs typeface="+mn-lt"/>
+              </a:rPr>
+              <a:t>publisherUid2Client.generateTokenResponse()</a:t>
+            </a:r>
+          </a:p>
+          <a:p>
+            <a:r>
+              <a:rPr lang="en-US" sz="800" dirty="0">
+                <a:solidFill>
+                  <a:srgbClr val="002F87"/>
+                </a:solidFill>
+                <a:latin typeface="Roboto Mono"/>
+                <a:ea typeface="+mn-lt"/>
+                <a:cs typeface="+mn-lt"/>
+              </a:rPr>
+              <a:t>.doNotGenerateTokensForOptedOut()</a:t>
+            </a:r>
+          </a:p>
+          <a:p>
+            <a:r>
+              <a:rPr lang="en-US" sz="800" dirty="0">
+                <a:solidFill>
+                  <a:srgbClr val="002F87"/>
+                </a:solidFill>
+                <a:latin typeface="Roboto Mono"/>
+                <a:ea typeface="+mn-lt"/>
+                <a:cs typeface="+mn-lt"/>
+              </a:rPr>
+              <a:t>.getIdentityJsonString()</a:t>
+            </a:r>
+            <a:endParaRPr lang="en-US" sz="800" dirty="0">
+              <a:solidFill>
+                <a:srgbClr val="002F87"/>
+              </a:solidFill>
+              <a:latin typeface="Roboto Mono"/>
+              <a:ea typeface="Roboto Mono"/>
+            </a:endParaRPr>
+          </a:p>
+          <a:p>
+            <a:endParaRPr lang="en-US" sz="800" dirty="0">
+              <a:solidFill>
+                <a:srgbClr val="002F87"/>
+              </a:solidFill>
+              <a:latin typeface="Roboto Mono"/>
+              <a:ea typeface="Calibri"/>
+              <a:cs typeface="Calibri"/>
+            </a:endParaRPr>
+          </a:p>
+        </p:txBody>
+      </p:sp>
+      <p:sp>
+        <p:nvSpPr>
+          <p:cNvPr id="37" name="Rounded Rectangle 36">
+            <a:extLst>
+              <a:ext uri="{FF2B5EF4-FFF2-40B4-BE49-F238E27FC236}">
+                <a16:creationId xmlns:a16="http://schemas.microsoft.com/office/drawing/2014/main" id="{B1C2B8D2-A1DC-77EA-5444-05033CB691A8}"/>
+              </a:ext>
+            </a:extLst>
+          </p:cNvPr>
+          <p:cNvSpPr/>
+          <p:nvPr/>
+        </p:nvSpPr>
+        <p:spPr>
+          <a:xfrm>
+            <a:off x="177394" y="1801041"/>
+            <a:ext cx="1440000" cy="309605"/>
+          </a:xfrm>
+          <a:prstGeom prst="roundRect">
+            <a:avLst>
+              <a:gd name="adj" fmla="val 10000"/>
+            </a:avLst>
+          </a:prstGeom>
+          <a:solidFill>
+            <a:srgbClr val="78CC00"/>
+          </a:solidFill>
+        </p:spPr>
+        <p:style>
+          <a:lnRef idx="2">
+            <a:schemeClr val="lt1">
+              <a:hueOff val="0"/>
+              <a:satOff val="0"/>
+              <a:lumOff val="0"/>
+              <a:alphaOff val="0"/>
+            </a:schemeClr>
+          </a:lnRef>
+          <a:fillRef idx="1">
+            <a:scrgbClr r="0" g="0" b="0"/>
+          </a:fillRef>
+          <a:effectRef idx="0">
+            <a:schemeClr val="accent5">
+              <a:hueOff val="-6758543"/>
+              <a:satOff val="-17419"/>
+              <a:lumOff val="-11765"/>
+              <a:alphaOff val="0"/>
+            </a:schemeClr>
+          </a:effectRef>
+          <a:fontRef idx="minor">
+            <a:schemeClr val="lt1"/>
+          </a:fontRef>
+        </p:style>
+        <p:txBody>
+          <a:bodyPr/>
+          <a:lstStyle/>
+          <a:p>
+            <a:endParaRPr lang="en-US" dirty="0"/>
+          </a:p>
+        </p:txBody>
+      </p:sp>
+      <p:sp>
+        <p:nvSpPr>
+          <p:cNvPr id="48" name="Down Arrow 4">
+            <a:extLst>
+              <a:ext uri="{FF2B5EF4-FFF2-40B4-BE49-F238E27FC236}">
+                <a16:creationId xmlns:a16="http://schemas.microsoft.com/office/drawing/2014/main" id="{2EAECC4B-23AC-8AD3-CF5D-D588EACAC625}"/>
+              </a:ext>
+            </a:extLst>
+          </p:cNvPr>
+          <p:cNvSpPr txBox="1"/>
+          <p:nvPr/>
+        </p:nvSpPr>
+        <p:spPr>
+          <a:xfrm rot="16200000">
+            <a:off x="1955418" y="2068641"/>
+            <a:ext cx="89201" cy="705223"/>
+          </a:xfrm>
+          <a:prstGeom prst="rect">
+            <a:avLst/>
+          </a:prstGeom>
+        </p:spPr>
+        <p:style>
+          <a:lnRef idx="0">
+            <a:scrgbClr r="0" g="0" b="0"/>
+          </a:lnRef>
+          <a:fillRef idx="0">
+            <a:scrgbClr r="0" g="0" b="0"/>
+          </a:fillRef>
+          <a:effectRef idx="0">
+            <a:scrgbClr r="0" g="0" b="0"/>
+          </a:effectRef>
+          <a:fontRef idx="minor">
+            <a:schemeClr val="dk1">
+              <a:hueOff val="0"/>
+              <a:satOff val="0"/>
+              <a:lumOff val="0"/>
+              <a:alphaOff val="0"/>
+            </a:schemeClr>
+          </a:fontRef>
+        </p:style>
+        <p:txBody>
+          <a:bodyPr spcFirstLastPara="0" vert="horz" wrap="square" lIns="44450" tIns="44450" rIns="44450" bIns="44450" numCol="1" spcCol="1270" anchor="ctr" anchorCtr="0">
+            <a:noAutofit/>
+          </a:bodyPr>
+          <a:lstStyle/>
+          <a:p>
+            <a:pPr marL="0" lvl="0" indent="0" algn="ctr" defTabSz="1555750">
+              <a:lnSpc>
+                <a:spcPct val="90000"/>
+              </a:lnSpc>
+              <a:spcBef>
+                <a:spcPct val="0"/>
+              </a:spcBef>
+              <a:spcAft>
+                <a:spcPct val="35000"/>
+              </a:spcAft>
+              <a:buNone/>
+            </a:pPr>
+            <a:endParaRPr lang="en-US" sz="3500" kern="1200" dirty="0"/>
+          </a:p>
+        </p:txBody>
+      </p:sp>
+      <p:sp>
+        <p:nvSpPr>
+          <p:cNvPr id="3" name="Subtitle 2">
+            <a:extLst>
+              <a:ext uri="{FF2B5EF4-FFF2-40B4-BE49-F238E27FC236}">
+                <a16:creationId xmlns:a16="http://schemas.microsoft.com/office/drawing/2014/main" id="{A371885A-F63F-8485-AE6A-7141841FB16F}"/>
+              </a:ext>
+            </a:extLst>
+          </p:cNvPr>
+          <p:cNvSpPr>
+            <a:spLocks noGrp="1"/>
+          </p:cNvSpPr>
+          <p:nvPr>
+            <p:ph type="subTitle" idx="1"/>
+          </p:nvPr>
+        </p:nvSpPr>
+        <p:spPr>
+          <a:xfrm>
+            <a:off x="1450428" y="228218"/>
+            <a:ext cx="9144000" cy="491450"/>
+          </a:xfrm>
+        </p:spPr>
+        <p:txBody>
+          <a:bodyPr vert="horz" lIns="91440" tIns="45720" rIns="91440" bIns="45720" rtlCol="0" anchor="t">
+            <a:normAutofit/>
+          </a:bodyPr>
+          <a:lstStyle/>
+          <a:p>
+            <a:r>
+              <a:rPr lang="en-US" dirty="0">
+                <a:solidFill>
+                  <a:srgbClr val="002F87"/>
+                </a:solidFill>
+              </a:rPr>
+              <a:t>Data Flow for Client-Server Integration Guide for Android</a:t>
+            </a:r>
+          </a:p>
+        </p:txBody>
+      </p:sp>
+      <p:sp>
+        <p:nvSpPr>
+          <p:cNvPr id="7" name="TextBox 6">
+            <a:extLst>
+              <a:ext uri="{FF2B5EF4-FFF2-40B4-BE49-F238E27FC236}">
+                <a16:creationId xmlns:a16="http://schemas.microsoft.com/office/drawing/2014/main" id="{3709E987-5091-45E0-F23F-88559B357AE3}"/>
+              </a:ext>
+            </a:extLst>
+          </p:cNvPr>
+          <p:cNvSpPr txBox="1"/>
+          <p:nvPr/>
+        </p:nvSpPr>
+        <p:spPr>
+          <a:xfrm>
+            <a:off x="177393" y="1326048"/>
+            <a:ext cx="1401767" cy="338554"/>
+          </a:xfrm>
+          <a:prstGeom prst="rect">
+            <a:avLst/>
+          </a:prstGeom>
+          <a:noFill/>
+        </p:spPr>
+        <p:txBody>
+          <a:bodyPr wrap="square" lIns="0" tIns="0" rIns="0" bIns="0" rtlCol="0">
+            <a:spAutoFit/>
+          </a:bodyPr>
+          <a:lstStyle/>
+          <a:p>
+            <a:r>
+              <a:rPr lang="en-US" sz="1100" dirty="0">
+                <a:latin typeface="Meiryo UI" panose="020B0604030504040204" pitchFamily="34" charset="-128"/>
+                <a:ea typeface="Meiryo UI" panose="020B0604030504040204" pitchFamily="34" charset="-128"/>
+              </a:rPr>
+              <a:t>Server-side</a:t>
+            </a:r>
+          </a:p>
+          <a:p>
+            <a:r>
+              <a:rPr lang="en-US" sz="1100" dirty="0">
+                <a:latin typeface="Meiryo UI" panose="020B0604030504040204" pitchFamily="34" charset="-128"/>
+                <a:ea typeface="Meiryo UI" panose="020B0604030504040204" pitchFamily="34" charset="-128"/>
+              </a:rPr>
+              <a:t>インテグレーション完了</a:t>
+            </a:r>
+          </a:p>
+        </p:txBody>
+      </p:sp>
+      <p:sp>
+        <p:nvSpPr>
+          <p:cNvPr id="8" name="TextBox 7">
+            <a:extLst>
+              <a:ext uri="{FF2B5EF4-FFF2-40B4-BE49-F238E27FC236}">
+                <a16:creationId xmlns:a16="http://schemas.microsoft.com/office/drawing/2014/main" id="{CD3B3D6D-893A-D40F-BCD7-D04632B63464}"/>
+              </a:ext>
+            </a:extLst>
+          </p:cNvPr>
+          <p:cNvSpPr txBox="1"/>
+          <p:nvPr/>
+        </p:nvSpPr>
+        <p:spPr>
+          <a:xfrm>
+            <a:off x="1631162" y="2491405"/>
+            <a:ext cx="944168" cy="307777"/>
+          </a:xfrm>
+          <a:prstGeom prst="rect">
+            <a:avLst/>
+          </a:prstGeom>
+          <a:noFill/>
+        </p:spPr>
+        <p:txBody>
+          <a:bodyPr wrap="none" lIns="0" tIns="0" rIns="0" bIns="0" rtlCol="0">
+            <a:noAutofit/>
+          </a:bodyPr>
+          <a:lstStyle/>
+          <a:p>
+            <a:pPr algn="ctr"/>
+            <a:r>
+              <a:rPr lang="en-US" sz="1000" dirty="0">
+                <a:latin typeface="Meiryo UI" panose="020B0604030504040204" pitchFamily="34" charset="-128"/>
+                <a:ea typeface="Meiryo UI" panose="020B0604030504040204" pitchFamily="34" charset="-128"/>
+              </a:rPr>
+              <a:t>UID2 Manager </a:t>
+            </a:r>
+          </a:p>
+          <a:p>
+            <a:pPr algn="ctr"/>
+            <a:r>
+              <a:rPr lang="en-US" sz="1000" dirty="0">
+                <a:latin typeface="Meiryo UI" panose="020B0604030504040204" pitchFamily="34" charset="-128"/>
+                <a:ea typeface="Meiryo UI" panose="020B0604030504040204" pitchFamily="34" charset="-128"/>
+              </a:rPr>
+              <a:t>初期化</a:t>
+            </a:r>
+          </a:p>
+        </p:txBody>
+      </p:sp>
+      <p:sp>
+        <p:nvSpPr>
+          <p:cNvPr id="9" name="TextBox 8">
+            <a:extLst>
+              <a:ext uri="{FF2B5EF4-FFF2-40B4-BE49-F238E27FC236}">
+                <a16:creationId xmlns:a16="http://schemas.microsoft.com/office/drawing/2014/main" id="{F5DFA644-FAF8-5B12-7A5C-FF3D2A3071ED}"/>
+              </a:ext>
+            </a:extLst>
+          </p:cNvPr>
+          <p:cNvSpPr txBox="1"/>
+          <p:nvPr/>
+        </p:nvSpPr>
+        <p:spPr>
+          <a:xfrm>
+            <a:off x="953158" y="2917183"/>
+            <a:ext cx="1771011" cy="215444"/>
+          </a:xfrm>
+          <a:prstGeom prst="rect">
+            <a:avLst/>
+          </a:prstGeom>
+          <a:noFill/>
+        </p:spPr>
+        <p:txBody>
+          <a:bodyPr wrap="square" lIns="91440" tIns="45720" rIns="91440" bIns="45720" rtlCol="0" anchor="t">
+            <a:spAutoFit/>
+          </a:bodyPr>
+          <a:lstStyle/>
+          <a:p>
+            <a:r>
+              <a:rPr lang="en-US" sz="800" b="0" i="0" dirty="0">
+                <a:solidFill>
+                  <a:srgbClr val="002F87"/>
+                </a:solidFill>
+                <a:effectLst/>
+                <a:latin typeface="Roboto Mono"/>
+                <a:ea typeface="Roboto Mono"/>
+              </a:rPr>
+              <a:t>UID2Manager.init</a:t>
+            </a:r>
+            <a:r>
+              <a:rPr lang="en-US" sz="800" dirty="0">
+                <a:solidFill>
+                  <a:srgbClr val="002F87"/>
+                </a:solidFill>
+                <a:latin typeface="Roboto Mono"/>
+                <a:ea typeface="Roboto Mono"/>
+              </a:rPr>
+              <a:t>(context)</a:t>
+            </a:r>
+            <a:r>
+              <a:rPr lang="en-US" sz="800" b="0" i="0" dirty="0">
+                <a:solidFill>
+                  <a:srgbClr val="002F87"/>
+                </a:solidFill>
+                <a:effectLst/>
+                <a:latin typeface="Roboto Mono"/>
+                <a:ea typeface="Roboto Mono"/>
+              </a:rPr>
+              <a:t> </a:t>
+            </a:r>
+            <a:endParaRPr lang="en-US" dirty="0">
+              <a:cs typeface="Calibri"/>
+            </a:endParaRPr>
+          </a:p>
+        </p:txBody>
+      </p:sp>
+      <p:sp>
+        <p:nvSpPr>
+          <p:cNvPr id="39" name="Rounded Rectangle 38">
+            <a:extLst>
+              <a:ext uri="{FF2B5EF4-FFF2-40B4-BE49-F238E27FC236}">
+                <a16:creationId xmlns:a16="http://schemas.microsoft.com/office/drawing/2014/main" id="{9DF53174-0E11-3910-0F58-BCA4D37230FE}"/>
+              </a:ext>
+            </a:extLst>
+          </p:cNvPr>
+          <p:cNvSpPr/>
+          <p:nvPr/>
+        </p:nvSpPr>
+        <p:spPr>
+          <a:xfrm>
+            <a:off x="177394" y="1801040"/>
+            <a:ext cx="1440000" cy="1044000"/>
+          </a:xfrm>
+          <a:prstGeom prst="roundRect">
+            <a:avLst>
+              <a:gd name="adj" fmla="val 10000"/>
+            </a:avLst>
+          </a:prstGeom>
+          <a:noFill/>
+          <a:ln w="22225">
+            <a:solidFill>
+              <a:srgbClr val="002F87"/>
+            </a:solidFill>
+          </a:ln>
+        </p:spPr>
+        <p:style>
+          <a:lnRef idx="2">
+            <a:schemeClr val="lt1">
+              <a:hueOff val="0"/>
+              <a:satOff val="0"/>
+              <a:lumOff val="0"/>
+              <a:alphaOff val="0"/>
+            </a:schemeClr>
+          </a:lnRef>
+          <a:fillRef idx="1">
+            <a:scrgbClr r="0" g="0" b="0"/>
+          </a:fillRef>
+          <a:effectRef idx="0">
+            <a:schemeClr val="accent5">
+              <a:hueOff val="-6758543"/>
+              <a:satOff val="-17419"/>
+              <a:lumOff val="-11765"/>
+              <a:alphaOff val="0"/>
+            </a:schemeClr>
+          </a:effectRef>
+          <a:fontRef idx="minor">
+            <a:schemeClr val="lt1"/>
+          </a:fontRef>
+        </p:style>
+        <p:txBody>
+          <a:bodyPr lIns="36000" tIns="0" rIns="36000" bIns="0"/>
+          <a:lstStyle/>
+          <a:p>
+            <a:endParaRPr lang="en-US" altLang="ja-JP" sz="1100" dirty="0">
+              <a:solidFill>
+                <a:schemeClr val="tx1"/>
+              </a:solidFill>
+            </a:endParaRPr>
+          </a:p>
+          <a:p>
+            <a:endParaRPr lang="en-US" altLang="ja-JP" sz="1100" dirty="0">
+              <a:solidFill>
+                <a:schemeClr val="tx1"/>
+              </a:solidFill>
+            </a:endParaRPr>
+          </a:p>
+          <a:p>
+            <a:r>
+              <a:rPr lang="en-US" altLang="ja-JP" sz="1000" dirty="0">
+                <a:solidFill>
+                  <a:schemeClr val="tx1"/>
+                </a:solidFill>
+                <a:latin typeface="Meiryo UI" panose="020B0604030504040204" pitchFamily="34" charset="-128"/>
+                <a:ea typeface="Meiryo UI" panose="020B0604030504040204" pitchFamily="34" charset="-128"/>
+              </a:rPr>
+              <a:t>UID2 Android SDK</a:t>
+            </a:r>
+            <a:r>
+              <a:rPr lang="ja-JP" altLang="en-US" sz="1000">
+                <a:solidFill>
+                  <a:schemeClr val="tx1"/>
+                </a:solidFill>
+                <a:latin typeface="Meiryo UI" panose="020B0604030504040204" pitchFamily="34" charset="-128"/>
+                <a:ea typeface="Meiryo UI" panose="020B0604030504040204" pitchFamily="34" charset="-128"/>
+              </a:rPr>
+              <a:t>が</a:t>
+            </a:r>
+            <a:endParaRPr lang="en-US" altLang="ja-JP" sz="1000" dirty="0">
+              <a:solidFill>
+                <a:schemeClr val="tx1"/>
+              </a:solidFill>
+              <a:latin typeface="Meiryo UI" panose="020B0604030504040204" pitchFamily="34" charset="-128"/>
+              <a:ea typeface="Meiryo UI" panose="020B0604030504040204" pitchFamily="34" charset="-128"/>
+            </a:endParaRPr>
+          </a:p>
+          <a:p>
+            <a:r>
+              <a:rPr lang="ja-JP" altLang="en-US" sz="1000">
+                <a:solidFill>
+                  <a:schemeClr val="tx1"/>
+                </a:solidFill>
+                <a:latin typeface="Meiryo UI" panose="020B0604030504040204" pitchFamily="34" charset="-128"/>
+                <a:ea typeface="Meiryo UI" panose="020B0604030504040204" pitchFamily="34" charset="-128"/>
+              </a:rPr>
+              <a:t>アプリにインストールされている</a:t>
+            </a:r>
+            <a:endParaRPr lang="en-US" altLang="ja-JP" sz="1000" dirty="0">
+              <a:solidFill>
+                <a:schemeClr val="tx1"/>
+              </a:solidFill>
+              <a:latin typeface="Meiryo UI" panose="020B0604030504040204" pitchFamily="34" charset="-128"/>
+              <a:ea typeface="Meiryo UI" panose="020B0604030504040204" pitchFamily="34" charset="-128"/>
+            </a:endParaRPr>
+          </a:p>
+        </p:txBody>
+      </p:sp>
+      <p:pic>
+        <p:nvPicPr>
+          <p:cNvPr id="56" name="Graphic 55" descr="User outline">
+            <a:extLst>
+              <a:ext uri="{FF2B5EF4-FFF2-40B4-BE49-F238E27FC236}">
+                <a16:creationId xmlns:a16="http://schemas.microsoft.com/office/drawing/2014/main" id="{BBBC7F25-403E-8805-71BE-1F19D59D71CA}"/>
+              </a:ext>
+            </a:extLst>
+          </p:cNvPr>
+          <p:cNvPicPr>
+            <a:picLocks noChangeAspect="1"/>
+          </p:cNvPicPr>
+          <p:nvPr/>
+        </p:nvPicPr>
+        <p:blipFill>
+          <a:blip r:embed="rId2">
+            <a:extLst>
+              <a:ext uri="{96DAC541-7B7A-43D3-8B79-37D633B846F1}">
+                <asvg:svgBlip xmlns:asvg="http://schemas.microsoft.com/office/drawing/2016/SVG/main" r:embed="rId3"/>
+              </a:ext>
+            </a:extLst>
+          </a:blip>
+          <a:stretch>
+            <a:fillRect/>
+          </a:stretch>
+        </p:blipFill>
+        <p:spPr>
+          <a:xfrm>
+            <a:off x="2897858" y="781200"/>
+            <a:ext cx="770238" cy="770238"/>
+          </a:xfrm>
+          <a:prstGeom prst="rect">
+            <a:avLst/>
+          </a:prstGeom>
+        </p:spPr>
+      </p:pic>
+      <p:sp>
+        <p:nvSpPr>
+          <p:cNvPr id="78" name="TextBox 77">
+            <a:extLst>
+              <a:ext uri="{FF2B5EF4-FFF2-40B4-BE49-F238E27FC236}">
+                <a16:creationId xmlns:a16="http://schemas.microsoft.com/office/drawing/2014/main" id="{1F5D49EA-E41D-EA4C-AF09-71F75B307A5C}"/>
+              </a:ext>
+            </a:extLst>
+          </p:cNvPr>
+          <p:cNvSpPr txBox="1"/>
+          <p:nvPr/>
+        </p:nvSpPr>
+        <p:spPr>
+          <a:xfrm>
+            <a:off x="3659449" y="803072"/>
+            <a:ext cx="1440001" cy="661720"/>
+          </a:xfrm>
+          <a:prstGeom prst="rect">
+            <a:avLst/>
+          </a:prstGeom>
+          <a:noFill/>
+        </p:spPr>
+        <p:txBody>
+          <a:bodyPr wrap="square" lIns="91440" tIns="45720" rIns="91440" bIns="45720" rtlCol="0" anchor="t">
+            <a:spAutoFit/>
+          </a:bodyPr>
+          <a:lstStyle/>
+          <a:p>
+            <a:r>
+              <a:rPr lang="en-US" sz="1000" dirty="0">
+                <a:latin typeface="Meiryo UI" panose="020B0604030504040204" pitchFamily="34" charset="-128"/>
+                <a:ea typeface="Meiryo UI" panose="020B0604030504040204" pitchFamily="34" charset="-128"/>
+              </a:rPr>
+              <a:t>ユーザーの DII を取得</a:t>
+            </a:r>
+          </a:p>
+          <a:p>
+            <a:r>
+              <a:rPr lang="en-US" sz="900" dirty="0">
+                <a:solidFill>
+                  <a:srgbClr val="002F87"/>
+                </a:solidFill>
+                <a:latin typeface="Meiryo UI" panose="020B0604030504040204" pitchFamily="34" charset="-128"/>
+                <a:ea typeface="Meiryo UI" panose="020B0604030504040204" pitchFamily="34" charset="-128"/>
+              </a:rPr>
+              <a:t>(!) UID2 Token</a:t>
+            </a:r>
+            <a:r>
+              <a:rPr lang="en-US" altLang="ja-JP" sz="900" dirty="0">
+                <a:solidFill>
+                  <a:srgbClr val="002F87"/>
+                </a:solidFill>
+                <a:latin typeface="Meiryo UI" panose="020B0604030504040204" pitchFamily="34" charset="-128"/>
+                <a:ea typeface="Meiryo UI" panose="020B0604030504040204" pitchFamily="34" charset="-128"/>
+              </a:rPr>
+              <a:t> </a:t>
+            </a:r>
+            <a:r>
+              <a:rPr lang="ja-JP" altLang="en-US" sz="900">
+                <a:solidFill>
+                  <a:srgbClr val="002F87"/>
+                </a:solidFill>
+                <a:latin typeface="Meiryo UI" panose="020B0604030504040204" pitchFamily="34" charset="-128"/>
+                <a:ea typeface="Meiryo UI" panose="020B0604030504040204" pitchFamily="34" charset="-128"/>
+              </a:rPr>
+              <a:t>生成に</a:t>
+            </a:r>
+            <a:r>
+              <a:rPr lang="en-US" sz="900" dirty="0">
+                <a:solidFill>
+                  <a:srgbClr val="002F87"/>
+                </a:solidFill>
+                <a:latin typeface="Meiryo UI" panose="020B0604030504040204" pitchFamily="34" charset="-128"/>
+                <a:ea typeface="Meiryo UI" panose="020B0604030504040204" pitchFamily="34" charset="-128"/>
+              </a:rPr>
+              <a:t>DII </a:t>
+            </a:r>
+            <a:r>
+              <a:rPr lang="ja-JP" altLang="en-US" sz="900">
+                <a:solidFill>
+                  <a:srgbClr val="002F87"/>
+                </a:solidFill>
+                <a:latin typeface="Meiryo UI" panose="020B0604030504040204" pitchFamily="34" charset="-128"/>
+                <a:ea typeface="Meiryo UI" panose="020B0604030504040204" pitchFamily="34" charset="-128"/>
+              </a:rPr>
+              <a:t>を使用する法的根拠を得る</a:t>
+            </a:r>
+            <a:endParaRPr lang="en-US" sz="900" dirty="0">
+              <a:solidFill>
+                <a:srgbClr val="002F87"/>
+              </a:solidFill>
+              <a:latin typeface="Meiryo UI" panose="020B0604030504040204" pitchFamily="34" charset="-128"/>
+              <a:ea typeface="Meiryo UI" panose="020B0604030504040204" pitchFamily="34" charset="-128"/>
+            </a:endParaRPr>
+          </a:p>
+        </p:txBody>
+      </p:sp>
+      <p:cxnSp>
+        <p:nvCxnSpPr>
+          <p:cNvPr id="79" name="Straight Arrow Connector 78">
+            <a:extLst>
+              <a:ext uri="{FF2B5EF4-FFF2-40B4-BE49-F238E27FC236}">
+                <a16:creationId xmlns:a16="http://schemas.microsoft.com/office/drawing/2014/main" id="{86F82452-9B12-5A2F-E405-74E9F02E8708}"/>
+              </a:ext>
+            </a:extLst>
+          </p:cNvPr>
+          <p:cNvCxnSpPr>
+            <a:cxnSpLocks/>
+          </p:cNvCxnSpPr>
+          <p:nvPr/>
+        </p:nvCxnSpPr>
+        <p:spPr>
+          <a:xfrm>
+            <a:off x="3275617" y="1270800"/>
+            <a:ext cx="9557" cy="519454"/>
+          </a:xfrm>
+          <a:prstGeom prst="straightConnector1">
+            <a:avLst/>
+          </a:prstGeom>
+          <a:ln>
+            <a:tailEnd type="triangle"/>
+          </a:ln>
+        </p:spPr>
+        <p:style>
+          <a:lnRef idx="1">
+            <a:schemeClr val="accent1"/>
+          </a:lnRef>
+          <a:fillRef idx="0">
+            <a:schemeClr val="accent1"/>
+          </a:fillRef>
+          <a:effectRef idx="0">
+            <a:schemeClr val="accent1"/>
+          </a:effectRef>
+          <a:fontRef idx="minor">
+            <a:schemeClr val="tx1"/>
+          </a:fontRef>
+        </p:style>
+      </p:cxnSp>
+      <p:sp>
+        <p:nvSpPr>
+          <p:cNvPr id="85" name="TextBox 84">
+            <a:extLst>
+              <a:ext uri="{FF2B5EF4-FFF2-40B4-BE49-F238E27FC236}">
+                <a16:creationId xmlns:a16="http://schemas.microsoft.com/office/drawing/2014/main" id="{B8C7E20F-994F-90C1-3776-98943458280D}"/>
+              </a:ext>
+            </a:extLst>
+          </p:cNvPr>
+          <p:cNvSpPr txBox="1"/>
+          <p:nvPr/>
+        </p:nvSpPr>
+        <p:spPr>
+          <a:xfrm>
+            <a:off x="2553064" y="2891539"/>
+            <a:ext cx="1459826" cy="338554"/>
+          </a:xfrm>
+          <a:prstGeom prst="rect">
+            <a:avLst/>
+          </a:prstGeom>
+          <a:noFill/>
+        </p:spPr>
+        <p:txBody>
+          <a:bodyPr wrap="square">
+            <a:spAutoFit/>
+          </a:bodyPr>
+          <a:lstStyle/>
+          <a:p>
+            <a:r>
+              <a:rPr lang="en-US" sz="800" b="0" i="0" dirty="0">
+                <a:solidFill>
+                  <a:srgbClr val="002F87"/>
+                </a:solidFill>
+                <a:effectLst/>
+                <a:latin typeface="Roboto Mono" panose="020F0502020204030204" pitchFamily="34" charset="0"/>
+              </a:rPr>
+              <a:t>POST ‘{environment}</a:t>
+            </a:r>
+          </a:p>
+          <a:p>
+            <a:r>
+              <a:rPr lang="en-US" sz="800" b="0" i="0" dirty="0">
+                <a:solidFill>
+                  <a:srgbClr val="002F87"/>
+                </a:solidFill>
+                <a:effectLst/>
+                <a:latin typeface="Roboto Mono" panose="020F0502020204030204" pitchFamily="34" charset="0"/>
+              </a:rPr>
+              <a:t>/v2/token/generate'</a:t>
+            </a:r>
+            <a:endParaRPr lang="en-US" sz="800" dirty="0">
+              <a:solidFill>
+                <a:srgbClr val="002F87"/>
+              </a:solidFill>
+            </a:endParaRPr>
+          </a:p>
+        </p:txBody>
+      </p:sp>
+      <p:sp>
+        <p:nvSpPr>
+          <p:cNvPr id="89" name="Rounded Rectangle 88">
+            <a:extLst>
+              <a:ext uri="{FF2B5EF4-FFF2-40B4-BE49-F238E27FC236}">
+                <a16:creationId xmlns:a16="http://schemas.microsoft.com/office/drawing/2014/main" id="{4D14AF39-01D5-56F0-4BCC-0183C9886FE0}"/>
+              </a:ext>
+            </a:extLst>
+          </p:cNvPr>
+          <p:cNvSpPr/>
+          <p:nvPr/>
+        </p:nvSpPr>
+        <p:spPr>
+          <a:xfrm>
+            <a:off x="5380111" y="3781555"/>
+            <a:ext cx="1440000" cy="309605"/>
+          </a:xfrm>
+          <a:prstGeom prst="roundRect">
+            <a:avLst>
+              <a:gd name="adj" fmla="val 10000"/>
+            </a:avLst>
+          </a:prstGeom>
+          <a:solidFill>
+            <a:srgbClr val="1BD2DE"/>
+          </a:solidFill>
+        </p:spPr>
+        <p:style>
+          <a:lnRef idx="2">
+            <a:schemeClr val="lt1">
+              <a:hueOff val="0"/>
+              <a:satOff val="0"/>
+              <a:lumOff val="0"/>
+              <a:alphaOff val="0"/>
+            </a:schemeClr>
+          </a:lnRef>
+          <a:fillRef idx="1">
+            <a:scrgbClr r="0" g="0" b="0"/>
+          </a:fillRef>
+          <a:effectRef idx="0">
+            <a:schemeClr val="accent5">
+              <a:hueOff val="-6758543"/>
+              <a:satOff val="-17419"/>
+              <a:lumOff val="-11765"/>
+              <a:alphaOff val="0"/>
+            </a:schemeClr>
+          </a:effectRef>
+          <a:fontRef idx="minor">
+            <a:schemeClr val="lt1"/>
+          </a:fontRef>
+        </p:style>
+        <p:txBody>
+          <a:bodyPr/>
+          <a:lstStyle/>
+          <a:p>
+            <a:endParaRPr lang="en-US" dirty="0">
+              <a:solidFill>
+                <a:schemeClr val="bg1"/>
+              </a:solidFill>
+            </a:endParaRPr>
+          </a:p>
+        </p:txBody>
+      </p:sp>
+      <p:sp>
+        <p:nvSpPr>
+          <p:cNvPr id="90" name="Rounded Rectangle 89">
+            <a:extLst>
+              <a:ext uri="{FF2B5EF4-FFF2-40B4-BE49-F238E27FC236}">
+                <a16:creationId xmlns:a16="http://schemas.microsoft.com/office/drawing/2014/main" id="{A681ADC5-DF77-F900-8190-9BFFEF3E53EA}"/>
+              </a:ext>
+            </a:extLst>
+          </p:cNvPr>
+          <p:cNvSpPr/>
+          <p:nvPr/>
+        </p:nvSpPr>
+        <p:spPr>
+          <a:xfrm>
+            <a:off x="5380111" y="3781555"/>
+            <a:ext cx="1440000" cy="1044000"/>
+          </a:xfrm>
+          <a:prstGeom prst="roundRect">
+            <a:avLst>
+              <a:gd name="adj" fmla="val 10000"/>
+            </a:avLst>
+          </a:prstGeom>
+          <a:noFill/>
+          <a:ln w="22225">
+            <a:solidFill>
+              <a:srgbClr val="002F87"/>
+            </a:solidFill>
+          </a:ln>
+        </p:spPr>
+        <p:style>
+          <a:lnRef idx="2">
+            <a:schemeClr val="lt1">
+              <a:hueOff val="0"/>
+              <a:satOff val="0"/>
+              <a:lumOff val="0"/>
+              <a:alphaOff val="0"/>
+            </a:schemeClr>
+          </a:lnRef>
+          <a:fillRef idx="1">
+            <a:scrgbClr r="0" g="0" b="0"/>
+          </a:fillRef>
+          <a:effectRef idx="0">
+            <a:schemeClr val="accent5">
+              <a:hueOff val="-6758543"/>
+              <a:satOff val="-17419"/>
+              <a:lumOff val="-11765"/>
+              <a:alphaOff val="0"/>
+            </a:schemeClr>
+          </a:effectRef>
+          <a:fontRef idx="minor">
+            <a:schemeClr val="lt1"/>
+          </a:fontRef>
+        </p:style>
+        <p:txBody>
+          <a:bodyPr lIns="36000" tIns="0" rIns="36000" bIns="0"/>
+          <a:lstStyle/>
+          <a:p>
+            <a:endParaRPr lang="en-US" altLang="ja-JP" sz="1100" dirty="0">
+              <a:solidFill>
+                <a:schemeClr val="tx1"/>
+              </a:solidFill>
+            </a:endParaRPr>
+          </a:p>
+          <a:p>
+            <a:endParaRPr lang="en-US" altLang="ja-JP" sz="1100" dirty="0">
+              <a:solidFill>
+                <a:schemeClr val="tx1"/>
+              </a:solidFill>
+            </a:endParaRPr>
+          </a:p>
+          <a:p>
+            <a:r>
+              <a:rPr lang="en-US" altLang="ja-JP" sz="1000" dirty="0">
+                <a:solidFill>
+                  <a:schemeClr val="tx1"/>
+                </a:solidFill>
+                <a:latin typeface="Meiryo UI" panose="020B0604030504040204" pitchFamily="34" charset="-128"/>
+                <a:ea typeface="Meiryo UI" panose="020B0604030504040204" pitchFamily="34" charset="-128"/>
+              </a:rPr>
+              <a:t>Server-Side </a:t>
+            </a:r>
+            <a:r>
+              <a:rPr lang="ja-JP" altLang="en-US" sz="1000">
+                <a:solidFill>
+                  <a:schemeClr val="tx1"/>
+                </a:solidFill>
+                <a:latin typeface="Meiryo UI" panose="020B0604030504040204" pitchFamily="34" charset="-128"/>
+                <a:ea typeface="Meiryo UI" panose="020B0604030504040204" pitchFamily="34" charset="-128"/>
+              </a:rPr>
+              <a:t>で生成した</a:t>
+            </a:r>
+            <a:r>
+              <a:rPr lang="en-US" altLang="ja-JP" sz="1000" dirty="0">
+                <a:solidFill>
+                  <a:schemeClr val="tx1"/>
+                </a:solidFill>
+                <a:latin typeface="Meiryo UI" panose="020B0604030504040204" pitchFamily="34" charset="-128"/>
+                <a:ea typeface="Meiryo UI" panose="020B0604030504040204" pitchFamily="34" charset="-128"/>
+              </a:rPr>
+              <a:t>UID2 token</a:t>
+            </a:r>
+          </a:p>
+        </p:txBody>
+      </p:sp>
+      <p:sp>
+        <p:nvSpPr>
+          <p:cNvPr id="94" name="TextBox 93">
+            <a:extLst>
+              <a:ext uri="{FF2B5EF4-FFF2-40B4-BE49-F238E27FC236}">
+                <a16:creationId xmlns:a16="http://schemas.microsoft.com/office/drawing/2014/main" id="{ADC062EF-7AA0-8AC4-5C1F-4F8E4FB99BD6}"/>
+              </a:ext>
+            </a:extLst>
+          </p:cNvPr>
+          <p:cNvSpPr txBox="1"/>
+          <p:nvPr/>
+        </p:nvSpPr>
+        <p:spPr>
+          <a:xfrm>
+            <a:off x="4008259" y="2502524"/>
+            <a:ext cx="902898" cy="477054"/>
+          </a:xfrm>
+          <a:prstGeom prst="rect">
+            <a:avLst/>
+          </a:prstGeom>
+          <a:noFill/>
+        </p:spPr>
+        <p:txBody>
+          <a:bodyPr wrap="square" lIns="0" tIns="0" rIns="0" bIns="0" rtlCol="0">
+            <a:noAutofit/>
+          </a:bodyPr>
+          <a:lstStyle/>
+          <a:p>
+            <a:pPr algn="ctr"/>
+            <a:r>
+              <a:rPr lang="en-US" sz="1000" dirty="0">
+                <a:latin typeface="Meiryo UI" panose="020B0604030504040204" pitchFamily="34" charset="-128"/>
+                <a:ea typeface="Meiryo UI" panose="020B0604030504040204" pitchFamily="34" charset="-128"/>
+              </a:rPr>
+              <a:t>UID2 Service  が Opt-out を</a:t>
+            </a:r>
+          </a:p>
+          <a:p>
+            <a:pPr algn="ctr"/>
+            <a:r>
+              <a:rPr lang="en-US" sz="1000" dirty="0">
+                <a:latin typeface="Meiryo UI" panose="020B0604030504040204" pitchFamily="34" charset="-128"/>
+                <a:ea typeface="Meiryo UI" panose="020B0604030504040204" pitchFamily="34" charset="-128"/>
+              </a:rPr>
+              <a:t>確認</a:t>
+            </a:r>
+            <a:r>
+              <a:rPr lang="en-US" sz="1100" dirty="0"/>
+              <a:t> </a:t>
+            </a:r>
+          </a:p>
+        </p:txBody>
+      </p:sp>
+      <p:cxnSp>
+        <p:nvCxnSpPr>
+          <p:cNvPr id="95" name="Straight Arrow Connector 94">
+            <a:extLst>
+              <a:ext uri="{FF2B5EF4-FFF2-40B4-BE49-F238E27FC236}">
+                <a16:creationId xmlns:a16="http://schemas.microsoft.com/office/drawing/2014/main" id="{C6D85557-199A-4425-2BDA-5CB5573DBCA3}"/>
+              </a:ext>
+            </a:extLst>
+          </p:cNvPr>
+          <p:cNvCxnSpPr>
+            <a:cxnSpLocks/>
+          </p:cNvCxnSpPr>
+          <p:nvPr/>
+        </p:nvCxnSpPr>
+        <p:spPr>
+          <a:xfrm flipH="1">
+            <a:off x="4788000" y="2977200"/>
+            <a:ext cx="617425" cy="726511"/>
+          </a:xfrm>
+          <a:prstGeom prst="straightConnector1">
+            <a:avLst/>
+          </a:prstGeom>
+          <a:ln w="12700">
+            <a:solidFill>
+              <a:srgbClr val="002F87"/>
+            </a:solidFill>
+            <a:tailEnd type="triangle"/>
+          </a:ln>
+        </p:spPr>
+        <p:style>
+          <a:lnRef idx="1">
+            <a:schemeClr val="accent1"/>
+          </a:lnRef>
+          <a:fillRef idx="0">
+            <a:schemeClr val="accent1"/>
+          </a:fillRef>
+          <a:effectRef idx="0">
+            <a:schemeClr val="accent1"/>
+          </a:effectRef>
+          <a:fontRef idx="minor">
+            <a:schemeClr val="tx1"/>
+          </a:fontRef>
+        </p:style>
+      </p:cxnSp>
+      <p:sp>
+        <p:nvSpPr>
+          <p:cNvPr id="98" name="Decision 97">
+            <a:extLst>
+              <a:ext uri="{FF2B5EF4-FFF2-40B4-BE49-F238E27FC236}">
+                <a16:creationId xmlns:a16="http://schemas.microsoft.com/office/drawing/2014/main" id="{74C905A4-CFD6-FD9B-C045-F06DC83B33F5}"/>
+              </a:ext>
+            </a:extLst>
+          </p:cNvPr>
+          <p:cNvSpPr/>
+          <p:nvPr/>
+        </p:nvSpPr>
+        <p:spPr>
+          <a:xfrm>
+            <a:off x="4899296" y="1817381"/>
+            <a:ext cx="998654" cy="1159731"/>
+          </a:xfrm>
+          <a:prstGeom prst="flowChartDecision">
+            <a:avLst/>
+          </a:prstGeom>
+          <a:noFill/>
+          <a:ln w="22225">
+            <a:solidFill>
+              <a:srgbClr val="002F87"/>
+            </a:solidFill>
+          </a:ln>
+        </p:spPr>
+        <p:style>
+          <a:lnRef idx="2">
+            <a:schemeClr val="accent1">
+              <a:shade val="15000"/>
+            </a:schemeClr>
+          </a:lnRef>
+          <a:fillRef idx="1">
+            <a:schemeClr val="accent1"/>
+          </a:fillRef>
+          <a:effectRef idx="0">
+            <a:schemeClr val="accent1"/>
+          </a:effectRef>
+          <a:fontRef idx="minor">
+            <a:schemeClr val="lt1"/>
+          </a:fontRef>
+        </p:style>
+        <p:txBody>
+          <a:bodyPr lIns="0" tIns="0" rIns="0" bIns="0" rtlCol="0" anchor="ctr"/>
+          <a:lstStyle/>
+          <a:p>
+            <a:pPr lvl="0" algn="ctr"/>
+            <a:r>
+              <a:rPr lang="en-US" altLang="ja-JP" sz="1000" dirty="0">
+                <a:solidFill>
+                  <a:schemeClr val="tx1"/>
+                </a:solidFill>
+                <a:latin typeface="Meiryo UI" panose="020B0604030504040204" pitchFamily="34" charset="-128"/>
+                <a:ea typeface="Meiryo UI" panose="020B0604030504040204" pitchFamily="34" charset="-128"/>
+              </a:rPr>
+              <a:t>Opt-out </a:t>
+            </a:r>
+          </a:p>
+          <a:p>
+            <a:pPr lvl="0" algn="ctr"/>
+            <a:r>
+              <a:rPr lang="en-US" altLang="ja-JP" sz="1000" dirty="0">
+                <a:solidFill>
+                  <a:schemeClr val="tx1"/>
+                </a:solidFill>
+                <a:latin typeface="Meiryo UI" panose="020B0604030504040204" pitchFamily="34" charset="-128"/>
+                <a:ea typeface="Meiryo UI" panose="020B0604030504040204" pitchFamily="34" charset="-128"/>
+              </a:rPr>
+              <a:t>Y/N?</a:t>
+            </a:r>
+          </a:p>
+        </p:txBody>
+      </p:sp>
+      <p:sp>
+        <p:nvSpPr>
+          <p:cNvPr id="104" name="TextBox 103">
+            <a:extLst>
+              <a:ext uri="{FF2B5EF4-FFF2-40B4-BE49-F238E27FC236}">
+                <a16:creationId xmlns:a16="http://schemas.microsoft.com/office/drawing/2014/main" id="{536544AA-B44A-65D5-4600-8999B784C775}"/>
+              </a:ext>
+            </a:extLst>
+          </p:cNvPr>
+          <p:cNvSpPr txBox="1"/>
+          <p:nvPr/>
+        </p:nvSpPr>
+        <p:spPr>
+          <a:xfrm>
+            <a:off x="4542018" y="3388978"/>
+            <a:ext cx="422859" cy="276999"/>
+          </a:xfrm>
+          <a:prstGeom prst="rect">
+            <a:avLst/>
+          </a:prstGeom>
+          <a:noFill/>
+        </p:spPr>
+        <p:txBody>
+          <a:bodyPr wrap="square">
+            <a:spAutoFit/>
+          </a:bodyPr>
+          <a:lstStyle/>
+          <a:p>
+            <a:pPr lvl="0" algn="ctr"/>
+            <a:r>
+              <a:rPr lang="en-US" sz="1200" dirty="0">
+                <a:solidFill>
+                  <a:schemeClr val="tx1"/>
+                </a:solidFill>
+              </a:rPr>
+              <a:t>Yes</a:t>
+            </a:r>
+          </a:p>
+        </p:txBody>
+      </p:sp>
+      <p:sp>
+        <p:nvSpPr>
+          <p:cNvPr id="109" name="Rounded Rectangle 108">
+            <a:extLst>
+              <a:ext uri="{FF2B5EF4-FFF2-40B4-BE49-F238E27FC236}">
+                <a16:creationId xmlns:a16="http://schemas.microsoft.com/office/drawing/2014/main" id="{55BAD7D0-BC22-BBA4-58AA-2BEA3571262C}"/>
+              </a:ext>
+            </a:extLst>
+          </p:cNvPr>
+          <p:cNvSpPr/>
+          <p:nvPr/>
+        </p:nvSpPr>
+        <p:spPr>
+          <a:xfrm>
+            <a:off x="3826356" y="3781555"/>
+            <a:ext cx="1440000" cy="310896"/>
+          </a:xfrm>
+          <a:prstGeom prst="roundRect">
+            <a:avLst>
+              <a:gd name="adj" fmla="val 10000"/>
+            </a:avLst>
+          </a:prstGeom>
+          <a:solidFill>
+            <a:srgbClr val="78CC00"/>
+          </a:solidFill>
+        </p:spPr>
+        <p:style>
+          <a:lnRef idx="2">
+            <a:schemeClr val="lt1">
+              <a:hueOff val="0"/>
+              <a:satOff val="0"/>
+              <a:lumOff val="0"/>
+              <a:alphaOff val="0"/>
+            </a:schemeClr>
+          </a:lnRef>
+          <a:fillRef idx="1">
+            <a:scrgbClr r="0" g="0" b="0"/>
+          </a:fillRef>
+          <a:effectRef idx="0">
+            <a:schemeClr val="accent5">
+              <a:hueOff val="-6758543"/>
+              <a:satOff val="-17419"/>
+              <a:lumOff val="-11765"/>
+              <a:alphaOff val="0"/>
+            </a:schemeClr>
+          </a:effectRef>
+          <a:fontRef idx="minor">
+            <a:schemeClr val="lt1"/>
+          </a:fontRef>
+        </p:style>
+        <p:txBody>
+          <a:bodyPr lIns="91440" tIns="45720" rIns="91440" bIns="45720" anchor="t"/>
+          <a:lstStyle/>
+          <a:p>
+            <a:endParaRPr lang="en-US" dirty="0">
+              <a:ea typeface="Calibri"/>
+              <a:cs typeface="Calibri"/>
+            </a:endParaRPr>
+          </a:p>
+        </p:txBody>
+      </p:sp>
+      <p:sp>
+        <p:nvSpPr>
+          <p:cNvPr id="107" name="Rounded Rectangle 106">
+            <a:extLst>
+              <a:ext uri="{FF2B5EF4-FFF2-40B4-BE49-F238E27FC236}">
+                <a16:creationId xmlns:a16="http://schemas.microsoft.com/office/drawing/2014/main" id="{68A29C54-2907-2B26-06E8-9C37545CAAD3}"/>
+              </a:ext>
+            </a:extLst>
+          </p:cNvPr>
+          <p:cNvSpPr/>
+          <p:nvPr/>
+        </p:nvSpPr>
+        <p:spPr>
+          <a:xfrm>
+            <a:off x="3826356" y="3781555"/>
+            <a:ext cx="1440000" cy="1044000"/>
+          </a:xfrm>
+          <a:prstGeom prst="roundRect">
+            <a:avLst>
+              <a:gd name="adj" fmla="val 10000"/>
+            </a:avLst>
+          </a:prstGeom>
+          <a:noFill/>
+          <a:ln w="22225">
+            <a:solidFill>
+              <a:srgbClr val="002F87"/>
+            </a:solidFill>
+          </a:ln>
+        </p:spPr>
+        <p:style>
+          <a:lnRef idx="2">
+            <a:schemeClr val="lt1">
+              <a:hueOff val="0"/>
+              <a:satOff val="0"/>
+              <a:lumOff val="0"/>
+              <a:alphaOff val="0"/>
+            </a:schemeClr>
+          </a:lnRef>
+          <a:fillRef idx="1">
+            <a:scrgbClr r="0" g="0" b="0"/>
+          </a:fillRef>
+          <a:effectRef idx="0">
+            <a:schemeClr val="accent5">
+              <a:hueOff val="-6758543"/>
+              <a:satOff val="-17419"/>
+              <a:lumOff val="-11765"/>
+              <a:alphaOff val="0"/>
+            </a:schemeClr>
+          </a:effectRef>
+          <a:fontRef idx="minor">
+            <a:schemeClr val="lt1"/>
+          </a:fontRef>
+        </p:style>
+        <p:txBody>
+          <a:bodyPr lIns="36000" tIns="0" rIns="36000" bIns="0"/>
+          <a:lstStyle/>
+          <a:p>
+            <a:pPr lvl="0"/>
+            <a:endParaRPr lang="en-US" altLang="ja-JP" sz="1100" dirty="0">
+              <a:solidFill>
+                <a:schemeClr val="tx1"/>
+              </a:solidFill>
+            </a:endParaRPr>
+          </a:p>
+          <a:p>
+            <a:pPr lvl="0"/>
+            <a:endParaRPr lang="en-US" altLang="ja-JP" sz="1100" dirty="0">
+              <a:solidFill>
+                <a:schemeClr val="tx1"/>
+              </a:solidFill>
+            </a:endParaRPr>
+          </a:p>
+          <a:p>
+            <a:pPr lvl="0"/>
+            <a:r>
+              <a:rPr lang="en-US" altLang="ja-JP" sz="1000" dirty="0">
+                <a:solidFill>
+                  <a:schemeClr val="tx1"/>
+                </a:solidFill>
+                <a:latin typeface="Meiryo UI" panose="020B0604030504040204" pitchFamily="34" charset="-128"/>
+                <a:ea typeface="Meiryo UI" panose="020B0604030504040204" pitchFamily="34" charset="-128"/>
+              </a:rPr>
+              <a:t>Opt-Out </a:t>
+            </a:r>
+            <a:r>
+              <a:rPr lang="ja-JP" altLang="en-US" sz="1000">
+                <a:solidFill>
+                  <a:schemeClr val="tx1"/>
+                </a:solidFill>
+                <a:latin typeface="Meiryo UI" panose="020B0604030504040204" pitchFamily="34" charset="-128"/>
+                <a:ea typeface="Meiryo UI" panose="020B0604030504040204" pitchFamily="34" charset="-128"/>
+              </a:rPr>
+              <a:t>の確認</a:t>
+            </a:r>
+            <a:endParaRPr lang="en-US" altLang="ja-JP" sz="1000" dirty="0">
+              <a:solidFill>
+                <a:schemeClr val="tx1"/>
+              </a:solidFill>
+              <a:latin typeface="Meiryo UI" panose="020B0604030504040204" pitchFamily="34" charset="-128"/>
+              <a:ea typeface="Meiryo UI" panose="020B0604030504040204" pitchFamily="34" charset="-128"/>
+            </a:endParaRPr>
+          </a:p>
+        </p:txBody>
+      </p:sp>
+      <p:sp>
+        <p:nvSpPr>
+          <p:cNvPr id="111" name="TextBox 110">
+            <a:extLst>
+              <a:ext uri="{FF2B5EF4-FFF2-40B4-BE49-F238E27FC236}">
+                <a16:creationId xmlns:a16="http://schemas.microsoft.com/office/drawing/2014/main" id="{A4D11D91-8D27-9D2C-13B8-FD2655397132}"/>
+              </a:ext>
+            </a:extLst>
+          </p:cNvPr>
+          <p:cNvSpPr txBox="1"/>
+          <p:nvPr/>
+        </p:nvSpPr>
+        <p:spPr>
+          <a:xfrm>
+            <a:off x="3831156" y="4837926"/>
+            <a:ext cx="1435200" cy="287176"/>
+          </a:xfrm>
+          <a:prstGeom prst="rect">
+            <a:avLst/>
+          </a:prstGeom>
+          <a:noFill/>
+        </p:spPr>
+        <p:txBody>
+          <a:bodyPr wrap="square" lIns="0" tIns="0" rIns="0" bIns="0">
+            <a:noAutofit/>
+          </a:bodyPr>
+          <a:lstStyle/>
+          <a:p>
+            <a:br>
+              <a:rPr lang="en-US" sz="800" b="0" i="0" dirty="0">
+                <a:solidFill>
+                  <a:srgbClr val="002F87"/>
+                </a:solidFill>
+                <a:effectLst/>
+                <a:latin typeface="Roboto Mono" pitchFamily="49" charset="0"/>
+              </a:rPr>
+            </a:br>
+            <a:r>
+              <a:rPr lang="en-US" sz="800" b="0" i="0" dirty="0">
+                <a:solidFill>
+                  <a:srgbClr val="002F87"/>
+                </a:solidFill>
+                <a:effectLst/>
+                <a:latin typeface="Roboto Mono" pitchFamily="49" charset="0"/>
+              </a:rPr>
+              <a:t>"status": "optout"</a:t>
+            </a:r>
+            <a:endParaRPr lang="en-US" sz="800" dirty="0">
+              <a:solidFill>
+                <a:srgbClr val="002F87"/>
+              </a:solidFill>
+            </a:endParaRPr>
+          </a:p>
+        </p:txBody>
+      </p:sp>
+      <p:sp>
+        <p:nvSpPr>
+          <p:cNvPr id="114" name="TextBox 113">
+            <a:extLst>
+              <a:ext uri="{FF2B5EF4-FFF2-40B4-BE49-F238E27FC236}">
+                <a16:creationId xmlns:a16="http://schemas.microsoft.com/office/drawing/2014/main" id="{261095B8-6C2F-8986-DCC3-FE9A34F35F87}"/>
+              </a:ext>
+            </a:extLst>
+          </p:cNvPr>
+          <p:cNvSpPr txBox="1"/>
+          <p:nvPr/>
+        </p:nvSpPr>
+        <p:spPr>
+          <a:xfrm>
+            <a:off x="5835937" y="3389042"/>
+            <a:ext cx="422859" cy="276999"/>
+          </a:xfrm>
+          <a:prstGeom prst="rect">
+            <a:avLst/>
+          </a:prstGeom>
+          <a:noFill/>
+        </p:spPr>
+        <p:txBody>
+          <a:bodyPr wrap="square">
+            <a:spAutoFit/>
+          </a:bodyPr>
+          <a:lstStyle/>
+          <a:p>
+            <a:pPr lvl="0" algn="ctr"/>
+            <a:r>
+              <a:rPr lang="en-US" sz="1200" dirty="0">
+                <a:solidFill>
+                  <a:schemeClr val="tx1"/>
+                </a:solidFill>
+              </a:rPr>
+              <a:t>No</a:t>
+            </a:r>
+          </a:p>
+        </p:txBody>
+      </p:sp>
+      <p:sp>
+        <p:nvSpPr>
+          <p:cNvPr id="126" name="Rounded Rectangle 125">
+            <a:extLst>
+              <a:ext uri="{FF2B5EF4-FFF2-40B4-BE49-F238E27FC236}">
+                <a16:creationId xmlns:a16="http://schemas.microsoft.com/office/drawing/2014/main" id="{3F12140D-A5C5-FC60-D78B-2922CD5C98D7}"/>
+              </a:ext>
+            </a:extLst>
+          </p:cNvPr>
+          <p:cNvSpPr/>
+          <p:nvPr/>
+        </p:nvSpPr>
+        <p:spPr>
+          <a:xfrm>
+            <a:off x="5989282" y="1801041"/>
+            <a:ext cx="1440000" cy="309605"/>
+          </a:xfrm>
+          <a:prstGeom prst="roundRect">
+            <a:avLst>
+              <a:gd name="adj" fmla="val 10000"/>
+            </a:avLst>
+          </a:prstGeom>
+          <a:solidFill>
+            <a:srgbClr val="1BD2DE"/>
+          </a:solidFill>
+        </p:spPr>
+        <p:style>
+          <a:lnRef idx="2">
+            <a:schemeClr val="lt1">
+              <a:hueOff val="0"/>
+              <a:satOff val="0"/>
+              <a:lumOff val="0"/>
+              <a:alphaOff val="0"/>
+            </a:schemeClr>
+          </a:lnRef>
+          <a:fillRef idx="1">
+            <a:scrgbClr r="0" g="0" b="0"/>
+          </a:fillRef>
+          <a:effectRef idx="0">
+            <a:schemeClr val="accent5">
+              <a:hueOff val="-6758543"/>
+              <a:satOff val="-17419"/>
+              <a:lumOff val="-11765"/>
+              <a:alphaOff val="0"/>
+            </a:schemeClr>
+          </a:effectRef>
+          <a:fontRef idx="minor">
+            <a:schemeClr val="lt1"/>
+          </a:fontRef>
+        </p:style>
+        <p:txBody>
+          <a:bodyPr/>
+          <a:lstStyle/>
+          <a:p>
+            <a:endParaRPr lang="en-US" dirty="0">
+              <a:solidFill>
+                <a:schemeClr val="bg1"/>
+              </a:solidFill>
+            </a:endParaRPr>
+          </a:p>
+        </p:txBody>
+      </p:sp>
+      <p:sp>
+        <p:nvSpPr>
+          <p:cNvPr id="127" name="Rounded Rectangle 126">
+            <a:extLst>
+              <a:ext uri="{FF2B5EF4-FFF2-40B4-BE49-F238E27FC236}">
+                <a16:creationId xmlns:a16="http://schemas.microsoft.com/office/drawing/2014/main" id="{1E3A2014-EBBB-4A16-8AC3-946863BBB79C}"/>
+              </a:ext>
+            </a:extLst>
+          </p:cNvPr>
+          <p:cNvSpPr/>
+          <p:nvPr/>
+        </p:nvSpPr>
+        <p:spPr>
+          <a:xfrm>
+            <a:off x="5989282" y="1801041"/>
+            <a:ext cx="1440000" cy="1044000"/>
+          </a:xfrm>
+          <a:prstGeom prst="roundRect">
+            <a:avLst>
+              <a:gd name="adj" fmla="val 10000"/>
+            </a:avLst>
+          </a:prstGeom>
+          <a:noFill/>
+          <a:ln w="22225">
+            <a:solidFill>
+              <a:srgbClr val="002F87"/>
+            </a:solidFill>
+          </a:ln>
+        </p:spPr>
+        <p:style>
+          <a:lnRef idx="2">
+            <a:schemeClr val="lt1">
+              <a:hueOff val="0"/>
+              <a:satOff val="0"/>
+              <a:lumOff val="0"/>
+              <a:alphaOff val="0"/>
+            </a:schemeClr>
+          </a:lnRef>
+          <a:fillRef idx="1">
+            <a:scrgbClr r="0" g="0" b="0"/>
+          </a:fillRef>
+          <a:effectRef idx="0">
+            <a:schemeClr val="accent5">
+              <a:hueOff val="-6758543"/>
+              <a:satOff val="-17419"/>
+              <a:lumOff val="-11765"/>
+              <a:alphaOff val="0"/>
+            </a:schemeClr>
+          </a:effectRef>
+          <a:fontRef idx="minor">
+            <a:schemeClr val="lt1"/>
+          </a:fontRef>
+        </p:style>
+        <p:txBody>
+          <a:bodyPr lIns="36000" tIns="0" rIns="36000" bIns="0"/>
+          <a:lstStyle/>
+          <a:p>
+            <a:endParaRPr lang="en-US" altLang="ja-JP" sz="1100" b="0" i="0" dirty="0">
+              <a:solidFill>
+                <a:srgbClr val="000000"/>
+              </a:solidFill>
+              <a:effectLst/>
+            </a:endParaRPr>
+          </a:p>
+          <a:p>
+            <a:endParaRPr lang="en-US" altLang="ja-JP" sz="1100" dirty="0">
+              <a:solidFill>
+                <a:srgbClr val="000000"/>
+              </a:solidFill>
+            </a:endParaRPr>
+          </a:p>
+          <a:p>
+            <a:r>
+              <a:rPr lang="en-US" altLang="ja-JP" sz="1000" b="0" i="0" dirty="0">
+                <a:solidFill>
+                  <a:schemeClr val="tx1"/>
+                </a:solidFill>
+                <a:effectLst/>
+                <a:latin typeface="Meiryo UI" panose="020B0604030504040204" pitchFamily="34" charset="-128"/>
+                <a:ea typeface="Meiryo UI" panose="020B0604030504040204" pitchFamily="34" charset="-128"/>
+              </a:rPr>
+              <a:t>Mobile SDK </a:t>
+            </a:r>
+            <a:r>
+              <a:rPr lang="ja-JP" altLang="en-US" sz="1000" b="0" i="0">
+                <a:solidFill>
+                  <a:schemeClr val="tx1"/>
+                </a:solidFill>
+                <a:effectLst/>
+                <a:latin typeface="Meiryo UI" panose="020B0604030504040204" pitchFamily="34" charset="-128"/>
+                <a:ea typeface="Meiryo UI" panose="020B0604030504040204" pitchFamily="34" charset="-128"/>
+              </a:rPr>
+              <a:t>呼出し</a:t>
+            </a:r>
+            <a:r>
+              <a:rPr lang="en-US" altLang="ja-JP" sz="1100" dirty="0">
+                <a:solidFill>
+                  <a:srgbClr val="000000"/>
+                </a:solidFill>
+              </a:rPr>
+              <a:t> </a:t>
+            </a:r>
+            <a:endParaRPr lang="en-US" altLang="ja-JP" sz="1100" b="0" i="0" dirty="0">
+              <a:solidFill>
+                <a:srgbClr val="000000"/>
+              </a:solidFill>
+              <a:effectLst/>
+            </a:endParaRPr>
+          </a:p>
+          <a:p>
+            <a:r>
+              <a:rPr lang="en-US" altLang="ja-JP" sz="800" b="0" i="0" dirty="0">
+                <a:solidFill>
+                  <a:srgbClr val="002F87"/>
+                </a:solidFill>
+                <a:effectLst/>
+                <a:ea typeface="Roboto Mono"/>
+              </a:rPr>
+              <a:t>UID2Manager. getInstance().setIdentity</a:t>
+            </a:r>
+            <a:r>
+              <a:rPr lang="en-US" altLang="ja-JP" sz="800" dirty="0">
+                <a:solidFill>
+                  <a:srgbClr val="002F87"/>
+                </a:solidFill>
+                <a:ea typeface="Roboto Mono"/>
+              </a:rPr>
+              <a:t>*</a:t>
+            </a:r>
+            <a:endParaRPr lang="en-US" altLang="ja-JP" sz="800" dirty="0">
+              <a:solidFill>
+                <a:srgbClr val="002F87"/>
+              </a:solidFill>
+              <a:ea typeface="Roboto Mono" pitchFamily="49" charset="0"/>
+            </a:endParaRPr>
+          </a:p>
+        </p:txBody>
+      </p:sp>
+      <p:sp>
+        <p:nvSpPr>
+          <p:cNvPr id="131" name="TextBox 130">
+            <a:extLst>
+              <a:ext uri="{FF2B5EF4-FFF2-40B4-BE49-F238E27FC236}">
+                <a16:creationId xmlns:a16="http://schemas.microsoft.com/office/drawing/2014/main" id="{766BE95D-13C8-8197-9D69-E21403FDFD54}"/>
+              </a:ext>
+            </a:extLst>
+          </p:cNvPr>
+          <p:cNvSpPr txBox="1"/>
+          <p:nvPr/>
+        </p:nvSpPr>
+        <p:spPr>
+          <a:xfrm>
+            <a:off x="7049051" y="3401006"/>
+            <a:ext cx="1808510" cy="400110"/>
+          </a:xfrm>
+          <a:prstGeom prst="rect">
+            <a:avLst/>
+          </a:prstGeom>
+          <a:noFill/>
+        </p:spPr>
+        <p:txBody>
+          <a:bodyPr wrap="square" lIns="91440" tIns="45720" rIns="91440" bIns="45720" rtlCol="0" anchor="t">
+            <a:spAutoFit/>
+          </a:bodyPr>
+          <a:lstStyle/>
+          <a:p>
+            <a:r>
+              <a:rPr lang="en-US" sz="1000" dirty="0">
+                <a:latin typeface="Meiryo UI" panose="020B0604030504040204" pitchFamily="34" charset="-128"/>
+                <a:ea typeface="Meiryo UI" panose="020B0604030504040204" pitchFamily="34" charset="-128"/>
+              </a:rPr>
+              <a:t>“body "</a:t>
+            </a:r>
+            <a:r>
+              <a:rPr lang="ja-JP" altLang="en-US" sz="1000">
+                <a:latin typeface="Meiryo UI" panose="020B0604030504040204" pitchFamily="34" charset="-128"/>
+                <a:ea typeface="Meiryo UI" panose="020B0604030504040204" pitchFamily="34" charset="-128"/>
+              </a:rPr>
+              <a:t>の内容は</a:t>
+            </a:r>
+            <a:r>
+              <a:rPr lang="en-US" altLang="ja-JP" sz="1000" dirty="0">
+                <a:latin typeface="Meiryo UI" panose="020B0604030504040204" pitchFamily="34" charset="-128"/>
+                <a:ea typeface="Meiryo UI" panose="020B0604030504040204" pitchFamily="34" charset="-128"/>
+              </a:rPr>
+              <a:t>(6)</a:t>
+            </a:r>
+            <a:r>
+              <a:rPr lang="ja-JP" altLang="en-US" sz="1000">
+                <a:latin typeface="Meiryo UI" panose="020B0604030504040204" pitchFamily="34" charset="-128"/>
+                <a:ea typeface="Meiryo UI" panose="020B0604030504040204" pitchFamily="34" charset="-128"/>
+              </a:rPr>
+              <a:t>から抽出され、</a:t>
+            </a:r>
+            <a:r>
+              <a:rPr lang="en-US" sz="1000" dirty="0">
+                <a:latin typeface="Meiryo UI" panose="020B0604030504040204" pitchFamily="34" charset="-128"/>
+                <a:ea typeface="Meiryo UI" panose="020B0604030504040204" pitchFamily="34" charset="-128"/>
+              </a:rPr>
+              <a:t>setIdentity</a:t>
+            </a:r>
+            <a:r>
+              <a:rPr lang="ja-JP" altLang="en-US" sz="1000">
+                <a:latin typeface="Meiryo UI" panose="020B0604030504040204" pitchFamily="34" charset="-128"/>
+                <a:ea typeface="Meiryo UI" panose="020B0604030504040204" pitchFamily="34" charset="-128"/>
+              </a:rPr>
+              <a:t>に渡される</a:t>
+            </a:r>
+            <a:endParaRPr lang="en-US" sz="1000" dirty="0">
+              <a:latin typeface="Meiryo UI" panose="020B0604030504040204" pitchFamily="34" charset="-128"/>
+              <a:ea typeface="Meiryo UI" panose="020B0604030504040204" pitchFamily="34" charset="-128"/>
+              <a:cs typeface="Calibri"/>
+            </a:endParaRPr>
+          </a:p>
+        </p:txBody>
+      </p:sp>
+      <p:cxnSp>
+        <p:nvCxnSpPr>
+          <p:cNvPr id="148" name="Straight Arrow Connector 147">
+            <a:extLst>
+              <a:ext uri="{FF2B5EF4-FFF2-40B4-BE49-F238E27FC236}">
+                <a16:creationId xmlns:a16="http://schemas.microsoft.com/office/drawing/2014/main" id="{516EE8EA-3D0B-2B8E-A326-12525A8B09A5}"/>
+              </a:ext>
+            </a:extLst>
+          </p:cNvPr>
+          <p:cNvCxnSpPr>
+            <a:cxnSpLocks/>
+          </p:cNvCxnSpPr>
+          <p:nvPr/>
+        </p:nvCxnSpPr>
+        <p:spPr>
+          <a:xfrm>
+            <a:off x="5400000" y="2977200"/>
+            <a:ext cx="646410" cy="761482"/>
+          </a:xfrm>
+          <a:prstGeom prst="straightConnector1">
+            <a:avLst/>
+          </a:prstGeom>
+          <a:ln w="12700">
+            <a:solidFill>
+              <a:srgbClr val="002F87"/>
+            </a:solidFill>
+            <a:tailEnd type="triangle"/>
+          </a:ln>
+        </p:spPr>
+        <p:style>
+          <a:lnRef idx="1">
+            <a:schemeClr val="accent1"/>
+          </a:lnRef>
+          <a:fillRef idx="0">
+            <a:schemeClr val="accent1"/>
+          </a:fillRef>
+          <a:effectRef idx="0">
+            <a:schemeClr val="accent1"/>
+          </a:effectRef>
+          <a:fontRef idx="minor">
+            <a:schemeClr val="tx1"/>
+          </a:fontRef>
+        </p:style>
+      </p:cxnSp>
+      <p:sp>
+        <p:nvSpPr>
+          <p:cNvPr id="177" name="Rounded Rectangle 176">
+            <a:extLst>
+              <a:ext uri="{FF2B5EF4-FFF2-40B4-BE49-F238E27FC236}">
+                <a16:creationId xmlns:a16="http://schemas.microsoft.com/office/drawing/2014/main" id="{F3149CF5-D12F-7ED7-BBD0-F90E2F8F2E2E}"/>
+              </a:ext>
+            </a:extLst>
+          </p:cNvPr>
+          <p:cNvSpPr/>
+          <p:nvPr/>
+        </p:nvSpPr>
+        <p:spPr>
+          <a:xfrm>
+            <a:off x="8379593" y="1801041"/>
+            <a:ext cx="1440000" cy="309605"/>
+          </a:xfrm>
+          <a:prstGeom prst="roundRect">
+            <a:avLst>
+              <a:gd name="adj" fmla="val 10000"/>
+            </a:avLst>
+          </a:prstGeom>
+          <a:solidFill>
+            <a:srgbClr val="7085D4"/>
+          </a:solidFill>
+        </p:spPr>
+        <p:style>
+          <a:lnRef idx="2">
+            <a:schemeClr val="lt1">
+              <a:hueOff val="0"/>
+              <a:satOff val="0"/>
+              <a:lumOff val="0"/>
+              <a:alphaOff val="0"/>
+            </a:schemeClr>
+          </a:lnRef>
+          <a:fillRef idx="1">
+            <a:scrgbClr r="0" g="0" b="0"/>
+          </a:fillRef>
+          <a:effectRef idx="0">
+            <a:schemeClr val="accent5">
+              <a:hueOff val="-6758543"/>
+              <a:satOff val="-17419"/>
+              <a:lumOff val="-11765"/>
+              <a:alphaOff val="0"/>
+            </a:schemeClr>
+          </a:effectRef>
+          <a:fontRef idx="minor">
+            <a:schemeClr val="lt1"/>
+          </a:fontRef>
+        </p:style>
+        <p:txBody>
+          <a:bodyPr/>
+          <a:lstStyle/>
+          <a:p>
+            <a:endParaRPr lang="en-US" dirty="0">
+              <a:solidFill>
+                <a:schemeClr val="bg1"/>
+              </a:solidFill>
+            </a:endParaRPr>
+          </a:p>
+        </p:txBody>
+      </p:sp>
+      <p:sp>
+        <p:nvSpPr>
+          <p:cNvPr id="178" name="Rounded Rectangle 177">
+            <a:extLst>
+              <a:ext uri="{FF2B5EF4-FFF2-40B4-BE49-F238E27FC236}">
+                <a16:creationId xmlns:a16="http://schemas.microsoft.com/office/drawing/2014/main" id="{4BA97FC7-251A-E75B-B86B-DF831B37B888}"/>
+              </a:ext>
+            </a:extLst>
+          </p:cNvPr>
+          <p:cNvSpPr/>
+          <p:nvPr/>
+        </p:nvSpPr>
+        <p:spPr>
+          <a:xfrm>
+            <a:off x="8379593" y="1801041"/>
+            <a:ext cx="1440000" cy="1044000"/>
+          </a:xfrm>
+          <a:prstGeom prst="roundRect">
+            <a:avLst>
+              <a:gd name="adj" fmla="val 10000"/>
+            </a:avLst>
+          </a:prstGeom>
+          <a:noFill/>
+          <a:ln w="22225">
+            <a:solidFill>
+              <a:srgbClr val="002F87"/>
+            </a:solidFill>
+          </a:ln>
+        </p:spPr>
+        <p:style>
+          <a:lnRef idx="2">
+            <a:schemeClr val="lt1">
+              <a:hueOff val="0"/>
+              <a:satOff val="0"/>
+              <a:lumOff val="0"/>
+              <a:alphaOff val="0"/>
+            </a:schemeClr>
+          </a:lnRef>
+          <a:fillRef idx="1">
+            <a:scrgbClr r="0" g="0" b="0"/>
+          </a:fillRef>
+          <a:effectRef idx="0">
+            <a:schemeClr val="accent5">
+              <a:hueOff val="-6758543"/>
+              <a:satOff val="-17419"/>
+              <a:lumOff val="-11765"/>
+              <a:alphaOff val="0"/>
+            </a:schemeClr>
+          </a:effectRef>
+          <a:fontRef idx="minor">
+            <a:schemeClr val="lt1"/>
+          </a:fontRef>
+        </p:style>
+        <p:txBody>
+          <a:bodyPr lIns="36000" tIns="0" rIns="36000" bIns="0"/>
+          <a:lstStyle/>
+          <a:p>
+            <a:endParaRPr lang="en-US" sz="1100" dirty="0">
+              <a:solidFill>
+                <a:schemeClr val="tx1"/>
+              </a:solidFill>
+            </a:endParaRPr>
+          </a:p>
+          <a:p>
+            <a:endParaRPr lang="en-US" sz="1100" dirty="0">
+              <a:solidFill>
+                <a:schemeClr val="tx1"/>
+              </a:solidFill>
+            </a:endParaRPr>
+          </a:p>
+          <a:p>
+            <a:r>
+              <a:rPr lang="en-US" sz="1000" dirty="0">
+                <a:solidFill>
+                  <a:schemeClr val="tx1"/>
+                </a:solidFill>
+                <a:latin typeface="Meiryo UI" panose="020B0604030504040204" pitchFamily="34" charset="-128"/>
+                <a:ea typeface="Meiryo UI" panose="020B0604030504040204" pitchFamily="34" charset="-128"/>
+              </a:rPr>
+              <a:t>Ad SDK がローカルで Mobile SDK を呼出し</a:t>
+            </a:r>
+          </a:p>
+          <a:p>
+            <a:r>
+              <a:rPr lang="en-US" sz="1000" dirty="0">
+                <a:solidFill>
+                  <a:schemeClr val="tx1"/>
+                </a:solidFill>
+                <a:latin typeface="Meiryo UI" panose="020B0604030504040204" pitchFamily="34" charset="-128"/>
+                <a:ea typeface="Meiryo UI" panose="020B0604030504040204" pitchFamily="34" charset="-128"/>
+              </a:rPr>
+              <a:t>Token を取得</a:t>
+            </a:r>
+          </a:p>
+          <a:p>
+            <a:endParaRPr lang="en-US" sz="1100" dirty="0">
+              <a:solidFill>
+                <a:schemeClr val="tx1"/>
+              </a:solidFill>
+            </a:endParaRPr>
+          </a:p>
+          <a:p>
+            <a:endParaRPr lang="en-US" sz="1100" dirty="0">
+              <a:solidFill>
+                <a:schemeClr val="tx1"/>
+              </a:solidFill>
+            </a:endParaRPr>
+          </a:p>
+        </p:txBody>
+      </p:sp>
+      <p:cxnSp>
+        <p:nvCxnSpPr>
+          <p:cNvPr id="180" name="Elbow Connector 179">
+            <a:extLst>
+              <a:ext uri="{FF2B5EF4-FFF2-40B4-BE49-F238E27FC236}">
+                <a16:creationId xmlns:a16="http://schemas.microsoft.com/office/drawing/2014/main" id="{2C7BFB46-2B05-EEF4-F863-046D36128E8D}"/>
+              </a:ext>
+            </a:extLst>
+          </p:cNvPr>
+          <p:cNvCxnSpPr>
+            <a:cxnSpLocks/>
+          </p:cNvCxnSpPr>
+          <p:nvPr/>
+        </p:nvCxnSpPr>
+        <p:spPr>
+          <a:xfrm>
+            <a:off x="1720757" y="2401592"/>
+            <a:ext cx="756000" cy="3132"/>
+          </a:xfrm>
+          <a:prstGeom prst="bentConnector4">
+            <a:avLst>
+              <a:gd name="adj1" fmla="val 1231"/>
+              <a:gd name="adj2" fmla="val -82631"/>
+            </a:avLst>
+          </a:prstGeom>
+          <a:ln w="41275" cmpd="tri">
+            <a:headEnd w="med" len="sm"/>
+            <a:tailEnd type="triangle"/>
+          </a:ln>
+        </p:spPr>
+        <p:style>
+          <a:lnRef idx="1">
+            <a:schemeClr val="accent1"/>
+          </a:lnRef>
+          <a:fillRef idx="0">
+            <a:schemeClr val="accent1"/>
+          </a:fillRef>
+          <a:effectRef idx="0">
+            <a:schemeClr val="accent1"/>
+          </a:effectRef>
+          <a:fontRef idx="minor">
+            <a:schemeClr val="tx1"/>
+          </a:fontRef>
+        </p:style>
+      </p:cxnSp>
+      <p:cxnSp>
+        <p:nvCxnSpPr>
+          <p:cNvPr id="189" name="Elbow Connector 188">
+            <a:extLst>
+              <a:ext uri="{FF2B5EF4-FFF2-40B4-BE49-F238E27FC236}">
+                <a16:creationId xmlns:a16="http://schemas.microsoft.com/office/drawing/2014/main" id="{9276D802-533D-BEB7-A987-6ACDDECB77FD}"/>
+              </a:ext>
+            </a:extLst>
+          </p:cNvPr>
+          <p:cNvCxnSpPr>
+            <a:cxnSpLocks/>
+          </p:cNvCxnSpPr>
+          <p:nvPr/>
+        </p:nvCxnSpPr>
+        <p:spPr>
+          <a:xfrm>
+            <a:off x="4081708" y="2414693"/>
+            <a:ext cx="756000" cy="3132"/>
+          </a:xfrm>
+          <a:prstGeom prst="bentConnector4">
+            <a:avLst>
+              <a:gd name="adj1" fmla="val 1231"/>
+              <a:gd name="adj2" fmla="val -82631"/>
+            </a:avLst>
+          </a:prstGeom>
+          <a:ln w="41275" cmpd="tri">
+            <a:headEnd w="med" len="sm"/>
+            <a:tailEnd type="triangle"/>
+          </a:ln>
+        </p:spPr>
+        <p:style>
+          <a:lnRef idx="1">
+            <a:schemeClr val="accent1"/>
+          </a:lnRef>
+          <a:fillRef idx="0">
+            <a:schemeClr val="accent1"/>
+          </a:fillRef>
+          <a:effectRef idx="0">
+            <a:schemeClr val="accent1"/>
+          </a:effectRef>
+          <a:fontRef idx="minor">
+            <a:schemeClr val="tx1"/>
+          </a:fontRef>
+        </p:style>
+      </p:cxnSp>
+      <p:cxnSp>
+        <p:nvCxnSpPr>
+          <p:cNvPr id="190" name="Elbow Connector 189">
+            <a:extLst>
+              <a:ext uri="{FF2B5EF4-FFF2-40B4-BE49-F238E27FC236}">
+                <a16:creationId xmlns:a16="http://schemas.microsoft.com/office/drawing/2014/main" id="{17BB3FF2-5BDD-6C17-C136-A47BF5F80376}"/>
+              </a:ext>
+            </a:extLst>
+          </p:cNvPr>
+          <p:cNvCxnSpPr>
+            <a:cxnSpLocks/>
+          </p:cNvCxnSpPr>
+          <p:nvPr/>
+        </p:nvCxnSpPr>
+        <p:spPr>
+          <a:xfrm>
+            <a:off x="7526437" y="2400004"/>
+            <a:ext cx="756000" cy="3132"/>
+          </a:xfrm>
+          <a:prstGeom prst="bentConnector4">
+            <a:avLst>
+              <a:gd name="adj1" fmla="val 1231"/>
+              <a:gd name="adj2" fmla="val -82631"/>
+            </a:avLst>
+          </a:prstGeom>
+          <a:ln w="41275" cmpd="tri">
+            <a:headEnd w="med" len="sm"/>
+            <a:tailEnd type="triangle"/>
+          </a:ln>
+        </p:spPr>
+        <p:style>
+          <a:lnRef idx="1">
+            <a:schemeClr val="accent1"/>
+          </a:lnRef>
+          <a:fillRef idx="0">
+            <a:schemeClr val="accent1"/>
+          </a:fillRef>
+          <a:effectRef idx="0">
+            <a:schemeClr val="accent1"/>
+          </a:effectRef>
+          <a:fontRef idx="minor">
+            <a:schemeClr val="tx1"/>
+          </a:fontRef>
+        </p:style>
+      </p:cxnSp>
+      <p:sp>
+        <p:nvSpPr>
+          <p:cNvPr id="196" name="TextBox 195">
+            <a:extLst>
+              <a:ext uri="{FF2B5EF4-FFF2-40B4-BE49-F238E27FC236}">
+                <a16:creationId xmlns:a16="http://schemas.microsoft.com/office/drawing/2014/main" id="{FB92CAC1-A7A5-0EF5-EDB2-F1136BD95729}"/>
+              </a:ext>
+            </a:extLst>
+          </p:cNvPr>
+          <p:cNvSpPr txBox="1"/>
+          <p:nvPr/>
+        </p:nvSpPr>
+        <p:spPr>
+          <a:xfrm>
+            <a:off x="7355880" y="2502000"/>
+            <a:ext cx="1097114" cy="400110"/>
+          </a:xfrm>
+          <a:prstGeom prst="rect">
+            <a:avLst/>
+          </a:prstGeom>
+          <a:noFill/>
+        </p:spPr>
+        <p:txBody>
+          <a:bodyPr wrap="square" lIns="0" tIns="0" rIns="0" bIns="0" anchor="t">
+            <a:noAutofit/>
+          </a:bodyPr>
+          <a:lstStyle/>
+          <a:p>
+            <a:pPr algn="ctr"/>
+            <a:r>
+              <a:rPr lang="en-US" sz="1000" b="0" i="0" dirty="0">
+                <a:solidFill>
+                  <a:srgbClr val="000000"/>
+                </a:solidFill>
+                <a:effectLst/>
+                <a:latin typeface="Meiryo UI" panose="020B0604030504040204" pitchFamily="34" charset="-128"/>
+                <a:ea typeface="Meiryo UI" panose="020B0604030504040204" pitchFamily="34" charset="-128"/>
+                <a:cs typeface="Calibri"/>
+              </a:rPr>
+              <a:t>Token Refresh</a:t>
+            </a:r>
+            <a:endParaRPr lang="en-US" sz="1000" dirty="0">
+              <a:solidFill>
+                <a:srgbClr val="000000"/>
+              </a:solidFill>
+              <a:latin typeface="Meiryo UI" panose="020B0604030504040204" pitchFamily="34" charset="-128"/>
+              <a:ea typeface="Meiryo UI" panose="020B0604030504040204" pitchFamily="34" charset="-128"/>
+              <a:cs typeface="Calibri"/>
+            </a:endParaRPr>
+          </a:p>
+        </p:txBody>
+      </p:sp>
+      <p:sp>
+        <p:nvSpPr>
+          <p:cNvPr id="197" name="TextBox 196">
+            <a:extLst>
+              <a:ext uri="{FF2B5EF4-FFF2-40B4-BE49-F238E27FC236}">
+                <a16:creationId xmlns:a16="http://schemas.microsoft.com/office/drawing/2014/main" id="{320BCC24-6871-8237-5EEF-CFF467899ED6}"/>
+              </a:ext>
+            </a:extLst>
+          </p:cNvPr>
+          <p:cNvSpPr txBox="1"/>
+          <p:nvPr/>
+        </p:nvSpPr>
+        <p:spPr>
+          <a:xfrm>
+            <a:off x="7488950" y="2695623"/>
+            <a:ext cx="915635" cy="461665"/>
+          </a:xfrm>
+          <a:prstGeom prst="rect">
+            <a:avLst/>
+          </a:prstGeom>
+          <a:noFill/>
+        </p:spPr>
+        <p:txBody>
+          <a:bodyPr wrap="none" lIns="91440" tIns="45720" rIns="91440" bIns="45720" rtlCol="0" anchor="t">
+            <a:spAutoFit/>
+          </a:bodyPr>
+          <a:lstStyle/>
+          <a:p>
+            <a:r>
+              <a:rPr lang="en-US" sz="800" dirty="0">
+                <a:solidFill>
+                  <a:srgbClr val="002F87"/>
+                </a:solidFill>
+                <a:latin typeface="Roboto Mono"/>
+                <a:ea typeface="Roboto Mono"/>
+                <a:cs typeface="Calibri"/>
+              </a:rPr>
+              <a:t>setAutomatic</a:t>
+            </a:r>
+            <a:endParaRPr lang="en-US" sz="800" b="0" i="0" dirty="0">
+              <a:solidFill>
+                <a:srgbClr val="002F87"/>
+              </a:solidFill>
+              <a:effectLst/>
+              <a:latin typeface="Roboto Mono" pitchFamily="49" charset="0"/>
+              <a:ea typeface="Roboto Mono" pitchFamily="49" charset="0"/>
+              <a:cs typeface="Calibri" panose="020F0502020204030204" pitchFamily="34" charset="0"/>
+            </a:endParaRPr>
+          </a:p>
+          <a:p>
+            <a:r>
+              <a:rPr lang="en-US" sz="800" b="0" i="0" dirty="0">
+                <a:solidFill>
+                  <a:srgbClr val="002F87"/>
+                </a:solidFill>
+                <a:effectLst/>
+                <a:latin typeface="Roboto Mono"/>
+                <a:ea typeface="Roboto Mono"/>
+                <a:cs typeface="Calibri"/>
+              </a:rPr>
+              <a:t>Refresh</a:t>
+            </a:r>
+          </a:p>
+          <a:p>
+            <a:r>
+              <a:rPr lang="en-US" sz="800" b="0" i="0" dirty="0">
+                <a:solidFill>
+                  <a:srgbClr val="002F87"/>
+                </a:solidFill>
+                <a:effectLst/>
+                <a:latin typeface="Roboto Mono"/>
+                <a:ea typeface="Roboto Mono"/>
+                <a:cs typeface="Calibri"/>
+              </a:rPr>
+              <a:t>Enabled() </a:t>
+            </a:r>
+            <a:endParaRPr lang="en-US" sz="800" dirty="0">
+              <a:solidFill>
+                <a:srgbClr val="002F87"/>
+              </a:solidFill>
+              <a:latin typeface="Roboto Mono"/>
+              <a:ea typeface="Roboto Mono"/>
+              <a:cs typeface="Calibri"/>
+            </a:endParaRPr>
+          </a:p>
+        </p:txBody>
+      </p:sp>
+      <p:cxnSp>
+        <p:nvCxnSpPr>
+          <p:cNvPr id="198" name="Elbow Connector 197">
+            <a:extLst>
+              <a:ext uri="{FF2B5EF4-FFF2-40B4-BE49-F238E27FC236}">
+                <a16:creationId xmlns:a16="http://schemas.microsoft.com/office/drawing/2014/main" id="{616AC311-3769-5FE2-959F-3D7A304B9126}"/>
+              </a:ext>
+            </a:extLst>
+          </p:cNvPr>
+          <p:cNvCxnSpPr>
+            <a:cxnSpLocks/>
+          </p:cNvCxnSpPr>
+          <p:nvPr/>
+        </p:nvCxnSpPr>
+        <p:spPr>
+          <a:xfrm flipV="1">
+            <a:off x="6855143" y="2844629"/>
+            <a:ext cx="205471" cy="1367113"/>
+          </a:xfrm>
+          <a:prstGeom prst="bentConnector2">
+            <a:avLst/>
+          </a:prstGeom>
+          <a:ln w="41275" cmpd="tri">
+            <a:headEnd w="med" len="sm"/>
+            <a:tailEnd type="triangle"/>
+          </a:ln>
+        </p:spPr>
+        <p:style>
+          <a:lnRef idx="1">
+            <a:schemeClr val="accent1"/>
+          </a:lnRef>
+          <a:fillRef idx="0">
+            <a:schemeClr val="accent1"/>
+          </a:fillRef>
+          <a:effectRef idx="0">
+            <a:schemeClr val="accent1"/>
+          </a:effectRef>
+          <a:fontRef idx="minor">
+            <a:schemeClr val="tx1"/>
+          </a:fontRef>
+        </p:style>
+      </p:cxnSp>
+      <p:sp>
+        <p:nvSpPr>
+          <p:cNvPr id="207" name="TextBox 206">
+            <a:extLst>
+              <a:ext uri="{FF2B5EF4-FFF2-40B4-BE49-F238E27FC236}">
+                <a16:creationId xmlns:a16="http://schemas.microsoft.com/office/drawing/2014/main" id="{9CD82EB2-3013-D029-6F3B-19B437235F6B}"/>
+              </a:ext>
+            </a:extLst>
+          </p:cNvPr>
+          <p:cNvSpPr txBox="1"/>
+          <p:nvPr/>
+        </p:nvSpPr>
+        <p:spPr>
+          <a:xfrm>
+            <a:off x="8297375" y="2849880"/>
+            <a:ext cx="1707519" cy="338554"/>
+          </a:xfrm>
+          <a:prstGeom prst="rect">
+            <a:avLst/>
+          </a:prstGeom>
+          <a:noFill/>
+        </p:spPr>
+        <p:txBody>
+          <a:bodyPr wrap="none" rtlCol="0">
+            <a:spAutoFit/>
+          </a:bodyPr>
+          <a:lstStyle/>
+          <a:p>
+            <a:r>
+              <a:rPr lang="en-US" sz="800" b="0" i="0" dirty="0">
+                <a:solidFill>
+                  <a:srgbClr val="002F87"/>
+                </a:solidFill>
+                <a:effectLst/>
+                <a:latin typeface="Roboto Mono" pitchFamily="49" charset="0"/>
+                <a:ea typeface="Roboto Mono" pitchFamily="49" charset="0"/>
+              </a:rPr>
+              <a:t>UID2Manager.getInstance()</a:t>
+            </a:r>
+          </a:p>
+          <a:p>
+            <a:r>
+              <a:rPr lang="en-US" sz="800" b="0" i="0" dirty="0">
+                <a:solidFill>
+                  <a:srgbClr val="002F87"/>
+                </a:solidFill>
+                <a:effectLst/>
+                <a:latin typeface="Roboto Mono" pitchFamily="49" charset="0"/>
+                <a:ea typeface="Roboto Mono" pitchFamily="49" charset="0"/>
+              </a:rPr>
+              <a:t>.getAdvertisingToken()</a:t>
+            </a:r>
+            <a:endParaRPr lang="en-US" sz="800" dirty="0">
+              <a:solidFill>
+                <a:srgbClr val="002F87"/>
+              </a:solidFill>
+              <a:latin typeface="Roboto Mono" pitchFamily="49" charset="0"/>
+              <a:ea typeface="Roboto Mono" pitchFamily="49" charset="0"/>
+              <a:cs typeface="Calibri" panose="020F0502020204030204" pitchFamily="34" charset="0"/>
+            </a:endParaRPr>
+          </a:p>
+        </p:txBody>
+      </p:sp>
+      <p:cxnSp>
+        <p:nvCxnSpPr>
+          <p:cNvPr id="208" name="Elbow Connector 207">
+            <a:extLst>
+              <a:ext uri="{FF2B5EF4-FFF2-40B4-BE49-F238E27FC236}">
+                <a16:creationId xmlns:a16="http://schemas.microsoft.com/office/drawing/2014/main" id="{56139FFC-3A4E-8E58-3200-F2A7FD3A7B91}"/>
+              </a:ext>
+            </a:extLst>
+          </p:cNvPr>
+          <p:cNvCxnSpPr>
+            <a:cxnSpLocks/>
+          </p:cNvCxnSpPr>
+          <p:nvPr/>
+        </p:nvCxnSpPr>
+        <p:spPr>
+          <a:xfrm>
+            <a:off x="9877500" y="2380357"/>
+            <a:ext cx="756000" cy="3132"/>
+          </a:xfrm>
+          <a:prstGeom prst="bentConnector4">
+            <a:avLst>
+              <a:gd name="adj1" fmla="val 1231"/>
+              <a:gd name="adj2" fmla="val -82631"/>
+            </a:avLst>
+          </a:prstGeom>
+          <a:ln w="41275" cmpd="tri">
+            <a:headEnd w="med" len="sm"/>
+            <a:tailEnd type="triangle"/>
+          </a:ln>
+        </p:spPr>
+        <p:style>
+          <a:lnRef idx="1">
+            <a:schemeClr val="accent1"/>
+          </a:lnRef>
+          <a:fillRef idx="0">
+            <a:schemeClr val="accent1"/>
+          </a:fillRef>
+          <a:effectRef idx="0">
+            <a:schemeClr val="accent1"/>
+          </a:effectRef>
+          <a:fontRef idx="minor">
+            <a:schemeClr val="tx1"/>
+          </a:fontRef>
+        </p:style>
+      </p:cxnSp>
+      <p:sp>
+        <p:nvSpPr>
+          <p:cNvPr id="211" name="Rounded Rectangle 210">
+            <a:extLst>
+              <a:ext uri="{FF2B5EF4-FFF2-40B4-BE49-F238E27FC236}">
+                <a16:creationId xmlns:a16="http://schemas.microsoft.com/office/drawing/2014/main" id="{E5934EDE-62C2-5F7A-0AFA-0E06E75E1A83}"/>
+              </a:ext>
+            </a:extLst>
+          </p:cNvPr>
+          <p:cNvSpPr/>
+          <p:nvPr/>
+        </p:nvSpPr>
+        <p:spPr>
+          <a:xfrm>
+            <a:off x="10663259" y="1801041"/>
+            <a:ext cx="1440000" cy="309605"/>
+          </a:xfrm>
+          <a:prstGeom prst="roundRect">
+            <a:avLst>
+              <a:gd name="adj" fmla="val 10000"/>
+            </a:avLst>
+          </a:prstGeom>
+          <a:solidFill>
+            <a:srgbClr val="7085D4"/>
+          </a:solidFill>
+        </p:spPr>
+        <p:style>
+          <a:lnRef idx="2">
+            <a:schemeClr val="lt1">
+              <a:hueOff val="0"/>
+              <a:satOff val="0"/>
+              <a:lumOff val="0"/>
+              <a:alphaOff val="0"/>
+            </a:schemeClr>
+          </a:lnRef>
+          <a:fillRef idx="1">
+            <a:scrgbClr r="0" g="0" b="0"/>
+          </a:fillRef>
+          <a:effectRef idx="0">
+            <a:schemeClr val="accent5">
+              <a:hueOff val="-6758543"/>
+              <a:satOff val="-17419"/>
+              <a:lumOff val="-11765"/>
+              <a:alphaOff val="0"/>
+            </a:schemeClr>
+          </a:effectRef>
+          <a:fontRef idx="minor">
+            <a:schemeClr val="lt1"/>
+          </a:fontRef>
+        </p:style>
+        <p:txBody>
+          <a:bodyPr/>
+          <a:lstStyle/>
+          <a:p>
+            <a:endParaRPr lang="en-US" dirty="0">
+              <a:solidFill>
+                <a:schemeClr val="bg1"/>
+              </a:solidFill>
+            </a:endParaRPr>
+          </a:p>
+        </p:txBody>
+      </p:sp>
+      <p:sp>
+        <p:nvSpPr>
+          <p:cNvPr id="212" name="Rounded Rectangle 211">
+            <a:extLst>
+              <a:ext uri="{FF2B5EF4-FFF2-40B4-BE49-F238E27FC236}">
+                <a16:creationId xmlns:a16="http://schemas.microsoft.com/office/drawing/2014/main" id="{066AA3E1-4CF8-44F9-0CDF-224599FE09EA}"/>
+              </a:ext>
+            </a:extLst>
+          </p:cNvPr>
+          <p:cNvSpPr/>
+          <p:nvPr/>
+        </p:nvSpPr>
+        <p:spPr>
+          <a:xfrm>
+            <a:off x="10663259" y="1801041"/>
+            <a:ext cx="1440000" cy="1044000"/>
+          </a:xfrm>
+          <a:prstGeom prst="roundRect">
+            <a:avLst>
+              <a:gd name="adj" fmla="val 10000"/>
+            </a:avLst>
+          </a:prstGeom>
+          <a:noFill/>
+          <a:ln w="22225">
+            <a:solidFill>
+              <a:srgbClr val="002F87"/>
+            </a:solidFill>
+          </a:ln>
+        </p:spPr>
+        <p:style>
+          <a:lnRef idx="2">
+            <a:schemeClr val="lt1">
+              <a:hueOff val="0"/>
+              <a:satOff val="0"/>
+              <a:lumOff val="0"/>
+              <a:alphaOff val="0"/>
+            </a:schemeClr>
+          </a:lnRef>
+          <a:fillRef idx="1">
+            <a:scrgbClr r="0" g="0" b="0"/>
+          </a:fillRef>
+          <a:effectRef idx="0">
+            <a:schemeClr val="accent5">
+              <a:hueOff val="-6758543"/>
+              <a:satOff val="-17419"/>
+              <a:lumOff val="-11765"/>
+              <a:alphaOff val="0"/>
+            </a:schemeClr>
+          </a:effectRef>
+          <a:fontRef idx="minor">
+            <a:schemeClr val="lt1"/>
+          </a:fontRef>
+        </p:style>
+        <p:txBody>
+          <a:bodyPr lIns="36000" tIns="0" rIns="36000" bIns="0"/>
+          <a:lstStyle/>
+          <a:p>
+            <a:endParaRPr lang="en-US" sz="1100" dirty="0">
+              <a:solidFill>
+                <a:schemeClr val="tx1"/>
+              </a:solidFill>
+            </a:endParaRPr>
+          </a:p>
+          <a:p>
+            <a:endParaRPr lang="en-US" sz="1100" dirty="0">
+              <a:solidFill>
+                <a:schemeClr val="tx1"/>
+              </a:solidFill>
+            </a:endParaRPr>
+          </a:p>
+          <a:p>
+            <a:r>
+              <a:rPr lang="en-US" sz="1000" dirty="0">
+                <a:solidFill>
+                  <a:schemeClr val="tx1"/>
+                </a:solidFill>
+                <a:latin typeface="Meiryo UI" panose="020B0604030504040204" pitchFamily="34" charset="-128"/>
+                <a:ea typeface="Meiryo UI" panose="020B0604030504040204" pitchFamily="34" charset="-128"/>
+              </a:rPr>
+              <a:t>Token が Ad call に挿入され Bid stream </a:t>
+            </a:r>
+            <a:r>
+              <a:rPr lang="en-US" sz="1000" dirty="0" err="1">
+                <a:solidFill>
+                  <a:schemeClr val="tx1"/>
+                </a:solidFill>
+                <a:latin typeface="Meiryo UI" panose="020B0604030504040204" pitchFamily="34" charset="-128"/>
+                <a:ea typeface="Meiryo UI" panose="020B0604030504040204" pitchFamily="34" charset="-128"/>
+              </a:rPr>
+              <a:t>の準備が完了</a:t>
+            </a:r>
+            <a:endParaRPr lang="en-US" sz="1000" dirty="0">
+              <a:solidFill>
+                <a:schemeClr val="tx1"/>
+              </a:solidFill>
+              <a:latin typeface="Meiryo UI" panose="020B0604030504040204" pitchFamily="34" charset="-128"/>
+              <a:ea typeface="Meiryo UI" panose="020B0604030504040204" pitchFamily="34" charset="-128"/>
+            </a:endParaRPr>
+          </a:p>
+        </p:txBody>
+      </p:sp>
+      <p:pic>
+        <p:nvPicPr>
+          <p:cNvPr id="1026" name="Picture 2" descr="11 Vector Icons free download in SVG, PNG Format">
+            <a:extLst>
+              <a:ext uri="{FF2B5EF4-FFF2-40B4-BE49-F238E27FC236}">
+                <a16:creationId xmlns:a16="http://schemas.microsoft.com/office/drawing/2014/main" id="{C35BFA13-57F0-A96F-3094-5646AE0A78F5}"/>
+              </a:ext>
+            </a:extLst>
+          </p:cNvPr>
+          <p:cNvPicPr>
+            <a:picLocks noChangeAspect="1" noChangeArrowheads="1"/>
+          </p:cNvPicPr>
+          <p:nvPr/>
+        </p:nvPicPr>
+        <p:blipFill>
+          <a:blip r:embed="rId4">
+            <a:extLst>
+              <a:ext uri="{28A0092B-C50C-407E-A947-70E740481C1C}">
+                <a14:useLocalDpi xmlns:a14="http://schemas.microsoft.com/office/drawing/2010/main" val="0"/>
+              </a:ext>
+            </a:extLst>
+          </a:blip>
+          <a:srcRect/>
+          <a:stretch>
+            <a:fillRect/>
+          </a:stretch>
+        </p:blipFill>
+        <p:spPr bwMode="auto">
+          <a:xfrm>
+            <a:off x="15726622" y="2088822"/>
+            <a:ext cx="92191" cy="86768"/>
+          </a:xfrm>
+          <a:prstGeom prst="rect">
+            <a:avLst/>
+          </a:prstGeom>
+          <a:noFill/>
+          <a:extLst>
+            <a:ext uri="{909E8E84-426E-40DD-AFC4-6F175D3DCCD1}">
+              <a14:hiddenFill xmlns:a14="http://schemas.microsoft.com/office/drawing/2010/main">
+                <a:solidFill>
+                  <a:srgbClr val="FFFFFF"/>
+                </a:solidFill>
+              </a14:hiddenFill>
+            </a:ext>
+          </a:extLst>
+        </p:spPr>
+      </p:pic>
+      <p:sp>
+        <p:nvSpPr>
+          <p:cNvPr id="4" name="TextBox 3">
+            <a:extLst>
+              <a:ext uri="{FF2B5EF4-FFF2-40B4-BE49-F238E27FC236}">
+                <a16:creationId xmlns:a16="http://schemas.microsoft.com/office/drawing/2014/main" id="{215F9AC8-6122-427D-807A-F5D899804ECB}"/>
+              </a:ext>
+            </a:extLst>
+          </p:cNvPr>
+          <p:cNvSpPr txBox="1"/>
+          <p:nvPr/>
+        </p:nvSpPr>
+        <p:spPr>
+          <a:xfrm>
+            <a:off x="2486576" y="4010575"/>
+            <a:ext cx="1334657" cy="507831"/>
+          </a:xfrm>
+          <a:prstGeom prst="rect">
+            <a:avLst/>
+          </a:prstGeom>
+          <a:noFill/>
+        </p:spPr>
+        <p:txBody>
+          <a:bodyPr rot="0" spcFirstLastPara="0" vertOverflow="overflow" horzOverflow="overflow" vert="horz" wrap="square" lIns="91440" tIns="45720" rIns="91440" bIns="45720" numCol="1" spcCol="0" rtlCol="0" fromWordArt="0" anchor="t" anchorCtr="0" forceAA="0" compatLnSpc="1">
+            <a:prstTxWarp prst="textNoShape">
+              <a:avLst/>
+            </a:prstTxWarp>
+            <a:spAutoFit/>
+          </a:bodyPr>
+          <a:lstStyle/>
+          <a:p>
+            <a:r>
+              <a:rPr lang="en-US" sz="900" dirty="0">
+                <a:solidFill>
+                  <a:srgbClr val="002F87"/>
+                </a:solidFill>
+                <a:latin typeface="Meiryo UI" panose="020B0604030504040204" pitchFamily="34" charset="-128"/>
+                <a:ea typeface="Meiryo UI" panose="020B0604030504040204" pitchFamily="34" charset="-128"/>
+                <a:cs typeface="Segoe UI"/>
+              </a:rPr>
+              <a:t>(!)</a:t>
+            </a:r>
+            <a:r>
+              <a:rPr lang="ja-JP" altLang="en-US" sz="900">
+                <a:solidFill>
+                  <a:srgbClr val="002F87"/>
+                </a:solidFill>
+                <a:latin typeface="Meiryo UI" panose="020B0604030504040204" pitchFamily="34" charset="-128"/>
+                <a:ea typeface="Meiryo UI" panose="020B0604030504040204" pitchFamily="34" charset="-128"/>
+                <a:cs typeface="Segoe UI"/>
+              </a:rPr>
+              <a:t>パブリッシャーが情報を保存し、ユーザーを再度呼出さない</a:t>
+            </a:r>
+            <a:endParaRPr lang="en-US" sz="900" dirty="0">
+              <a:latin typeface="Meiryo UI" panose="020B0604030504040204" pitchFamily="34" charset="-128"/>
+              <a:ea typeface="Meiryo UI" panose="020B0604030504040204" pitchFamily="34" charset="-128"/>
+              <a:cs typeface="Calibri" panose="020F0502020204030204"/>
+            </a:endParaRPr>
+          </a:p>
+        </p:txBody>
+      </p:sp>
+      <p:sp>
+        <p:nvSpPr>
+          <p:cNvPr id="6" name="TextBox 5">
+            <a:extLst>
+              <a:ext uri="{FF2B5EF4-FFF2-40B4-BE49-F238E27FC236}">
+                <a16:creationId xmlns:a16="http://schemas.microsoft.com/office/drawing/2014/main" id="{1582AC30-A204-8AA5-259E-A485541FE744}"/>
+              </a:ext>
+            </a:extLst>
+          </p:cNvPr>
+          <p:cNvSpPr txBox="1"/>
+          <p:nvPr/>
+        </p:nvSpPr>
+        <p:spPr>
+          <a:xfrm>
+            <a:off x="3123318" y="3115672"/>
+            <a:ext cx="319318" cy="276999"/>
+          </a:xfrm>
+          <a:prstGeom prst="rect">
+            <a:avLst/>
+          </a:prstGeom>
+          <a:noFill/>
+        </p:spPr>
+        <p:txBody>
+          <a:bodyPr wrap="square" rtlCol="0">
+            <a:spAutoFit/>
+          </a:bodyPr>
+          <a:lstStyle/>
+          <a:p>
+            <a:r>
+              <a:rPr lang="en-US" sz="1200" dirty="0"/>
+              <a:t>or</a:t>
+            </a:r>
+          </a:p>
+        </p:txBody>
+      </p:sp>
+      <p:sp>
+        <p:nvSpPr>
+          <p:cNvPr id="11" name="TextBox 10">
+            <a:extLst>
+              <a:ext uri="{FF2B5EF4-FFF2-40B4-BE49-F238E27FC236}">
+                <a16:creationId xmlns:a16="http://schemas.microsoft.com/office/drawing/2014/main" id="{D7E6C14D-59F0-3080-33DD-B42A69E88222}"/>
+              </a:ext>
+            </a:extLst>
+          </p:cNvPr>
+          <p:cNvSpPr txBox="1"/>
+          <p:nvPr/>
+        </p:nvSpPr>
+        <p:spPr>
+          <a:xfrm>
+            <a:off x="234293" y="6489066"/>
+            <a:ext cx="6466356" cy="430887"/>
+          </a:xfrm>
+          <a:prstGeom prst="rect">
+            <a:avLst/>
+          </a:prstGeom>
+          <a:noFill/>
+        </p:spPr>
+        <p:txBody>
+          <a:bodyPr rot="0" spcFirstLastPara="0" vertOverflow="overflow" horzOverflow="overflow" vert="horz" wrap="square" lIns="91440" tIns="45720" rIns="91440" bIns="45720" numCol="1" spcCol="0" rtlCol="0" fromWordArt="0" anchor="t" anchorCtr="0" forceAA="0" compatLnSpc="1">
+            <a:prstTxWarp prst="textNoShape">
+              <a:avLst/>
+            </a:prstTxWarp>
+            <a:spAutoFit/>
+          </a:bodyPr>
+          <a:lstStyle/>
+          <a:p>
+            <a:r>
+              <a:rPr lang="en-US" sz="1100" dirty="0">
+                <a:solidFill>
+                  <a:srgbClr val="1D1C1D"/>
+                </a:solidFill>
+                <a:ea typeface="+mn-lt"/>
+                <a:cs typeface="+mn-lt"/>
+              </a:rPr>
+              <a:t>* UID2Manager.getInstance() relies on the backend server to generate a token/identity in this workflow.</a:t>
+            </a:r>
+            <a:br>
+              <a:rPr lang="en-US" sz="1100" dirty="0">
+                <a:ea typeface="+mn-lt"/>
+                <a:cs typeface="+mn-lt"/>
+              </a:rPr>
+            </a:br>
+            <a:endParaRPr lang="en-US" sz="1100" dirty="0">
+              <a:solidFill>
+                <a:srgbClr val="1D1C1D"/>
+              </a:solidFill>
+              <a:ea typeface="+mn-lt"/>
+              <a:cs typeface="+mn-lt"/>
+            </a:endParaRPr>
+          </a:p>
+        </p:txBody>
+      </p:sp>
+      <p:sp>
+        <p:nvSpPr>
+          <p:cNvPr id="10" name="円/楕円 9">
+            <a:extLst>
+              <a:ext uri="{FF2B5EF4-FFF2-40B4-BE49-F238E27FC236}">
+                <a16:creationId xmlns:a16="http://schemas.microsoft.com/office/drawing/2014/main" id="{1E16739B-4AD0-DB59-D55F-1F507F59DD2E}"/>
+              </a:ext>
+            </a:extLst>
+          </p:cNvPr>
+          <p:cNvSpPr>
+            <a:spLocks noChangeAspect="1"/>
+          </p:cNvSpPr>
+          <p:nvPr/>
+        </p:nvSpPr>
+        <p:spPr>
+          <a:xfrm>
+            <a:off x="177394" y="1801041"/>
+            <a:ext cx="288000" cy="288000"/>
+          </a:xfrm>
+          <a:prstGeom prst="ellipse">
+            <a:avLst/>
+          </a:prstGeom>
+          <a:noFill/>
+        </p:spPr>
+        <p:style>
+          <a:lnRef idx="2">
+            <a:schemeClr val="accent1">
+              <a:shade val="15000"/>
+            </a:schemeClr>
+          </a:lnRef>
+          <a:fillRef idx="1">
+            <a:schemeClr val="accent1"/>
+          </a:fillRef>
+          <a:effectRef idx="0">
+            <a:schemeClr val="accent1"/>
+          </a:effectRef>
+          <a:fontRef idx="minor">
+            <a:schemeClr val="lt1"/>
+          </a:fontRef>
+        </p:style>
+        <p:txBody>
+          <a:bodyPr lIns="0" tIns="0" rIns="0" bIns="0" rtlCol="0" anchor="ctr"/>
+          <a:lstStyle/>
+          <a:p>
+            <a:pPr algn="ctr"/>
+            <a:r>
+              <a:rPr kumimoji="1" lang="en-US" altLang="ja-JP" sz="1400" dirty="0">
+                <a:solidFill>
+                  <a:schemeClr val="tx1"/>
+                </a:solidFill>
+              </a:rPr>
+              <a:t>1</a:t>
+            </a:r>
+            <a:endParaRPr kumimoji="1" lang="ja-JP" altLang="en-US" sz="1400">
+              <a:solidFill>
+                <a:schemeClr val="tx1"/>
+              </a:solidFill>
+            </a:endParaRPr>
+          </a:p>
+        </p:txBody>
+      </p:sp>
+      <p:sp>
+        <p:nvSpPr>
+          <p:cNvPr id="17" name="円/楕円 16">
+            <a:extLst>
+              <a:ext uri="{FF2B5EF4-FFF2-40B4-BE49-F238E27FC236}">
+                <a16:creationId xmlns:a16="http://schemas.microsoft.com/office/drawing/2014/main" id="{5D5C603E-8F52-65D0-A155-F3AA40DD8795}"/>
+              </a:ext>
+            </a:extLst>
+          </p:cNvPr>
+          <p:cNvSpPr>
+            <a:spLocks noChangeAspect="1"/>
+          </p:cNvSpPr>
+          <p:nvPr/>
+        </p:nvSpPr>
+        <p:spPr>
+          <a:xfrm>
+            <a:off x="4315708" y="2014716"/>
+            <a:ext cx="288000" cy="288000"/>
+          </a:xfrm>
+          <a:prstGeom prst="ellipse">
+            <a:avLst/>
+          </a:prstGeom>
+          <a:noFill/>
+        </p:spPr>
+        <p:style>
+          <a:lnRef idx="2">
+            <a:schemeClr val="accent1">
+              <a:shade val="15000"/>
+            </a:schemeClr>
+          </a:lnRef>
+          <a:fillRef idx="1">
+            <a:schemeClr val="accent1"/>
+          </a:fillRef>
+          <a:effectRef idx="0">
+            <a:schemeClr val="accent1"/>
+          </a:effectRef>
+          <a:fontRef idx="minor">
+            <a:schemeClr val="lt1"/>
+          </a:fontRef>
+        </p:style>
+        <p:txBody>
+          <a:bodyPr lIns="0" tIns="0" rIns="0" bIns="0" rtlCol="0" anchor="ctr"/>
+          <a:lstStyle/>
+          <a:p>
+            <a:pPr algn="ctr"/>
+            <a:r>
+              <a:rPr kumimoji="1" lang="en-US" altLang="ja-JP" sz="1200" dirty="0">
+                <a:solidFill>
+                  <a:schemeClr val="tx1"/>
+                </a:solidFill>
+              </a:rPr>
+              <a:t>4</a:t>
+            </a:r>
+            <a:endParaRPr kumimoji="1" lang="ja-JP" altLang="en-US" sz="1200">
+              <a:solidFill>
+                <a:schemeClr val="tx1"/>
+              </a:solidFill>
+            </a:endParaRPr>
+          </a:p>
+        </p:txBody>
+      </p:sp>
+      <p:sp>
+        <p:nvSpPr>
+          <p:cNvPr id="18" name="円/楕円 17">
+            <a:extLst>
+              <a:ext uri="{FF2B5EF4-FFF2-40B4-BE49-F238E27FC236}">
+                <a16:creationId xmlns:a16="http://schemas.microsoft.com/office/drawing/2014/main" id="{DE942625-E6AC-751E-DEA5-3EC41DA1F7A7}"/>
+              </a:ext>
+            </a:extLst>
+          </p:cNvPr>
+          <p:cNvSpPr>
+            <a:spLocks noChangeAspect="1"/>
+          </p:cNvSpPr>
+          <p:nvPr/>
+        </p:nvSpPr>
+        <p:spPr>
+          <a:xfrm>
+            <a:off x="3826356" y="3793925"/>
+            <a:ext cx="288000" cy="288000"/>
+          </a:xfrm>
+          <a:prstGeom prst="ellipse">
+            <a:avLst/>
+          </a:prstGeom>
+          <a:noFill/>
+        </p:spPr>
+        <p:style>
+          <a:lnRef idx="2">
+            <a:schemeClr val="accent1">
+              <a:shade val="15000"/>
+            </a:schemeClr>
+          </a:lnRef>
+          <a:fillRef idx="1">
+            <a:schemeClr val="accent1"/>
+          </a:fillRef>
+          <a:effectRef idx="0">
+            <a:schemeClr val="accent1"/>
+          </a:effectRef>
+          <a:fontRef idx="minor">
+            <a:schemeClr val="lt1"/>
+          </a:fontRef>
+        </p:style>
+        <p:txBody>
+          <a:bodyPr lIns="0" tIns="0" rIns="0" bIns="0" rtlCol="0" anchor="ctr"/>
+          <a:lstStyle/>
+          <a:p>
+            <a:pPr algn="ctr"/>
+            <a:r>
+              <a:rPr kumimoji="1" lang="en-US" altLang="ja-JP" sz="1200" dirty="0">
+                <a:solidFill>
+                  <a:schemeClr val="tx1"/>
+                </a:solidFill>
+              </a:rPr>
+              <a:t>5</a:t>
+            </a:r>
+            <a:endParaRPr kumimoji="1" lang="ja-JP" altLang="en-US" sz="1200">
+              <a:solidFill>
+                <a:schemeClr val="tx1"/>
+              </a:solidFill>
+            </a:endParaRPr>
+          </a:p>
+        </p:txBody>
+      </p:sp>
+      <p:sp>
+        <p:nvSpPr>
+          <p:cNvPr id="19" name="円/楕円 18">
+            <a:extLst>
+              <a:ext uri="{FF2B5EF4-FFF2-40B4-BE49-F238E27FC236}">
+                <a16:creationId xmlns:a16="http://schemas.microsoft.com/office/drawing/2014/main" id="{8F815C24-AF7A-A581-497D-A50A100D5A05}"/>
+              </a:ext>
+            </a:extLst>
+          </p:cNvPr>
+          <p:cNvSpPr>
+            <a:spLocks noChangeAspect="1"/>
+          </p:cNvSpPr>
+          <p:nvPr/>
+        </p:nvSpPr>
+        <p:spPr>
+          <a:xfrm>
+            <a:off x="5380111" y="3793925"/>
+            <a:ext cx="288000" cy="288000"/>
+          </a:xfrm>
+          <a:prstGeom prst="ellipse">
+            <a:avLst/>
+          </a:prstGeom>
+          <a:noFill/>
+        </p:spPr>
+        <p:style>
+          <a:lnRef idx="2">
+            <a:schemeClr val="accent1">
+              <a:shade val="15000"/>
+            </a:schemeClr>
+          </a:lnRef>
+          <a:fillRef idx="1">
+            <a:schemeClr val="accent1"/>
+          </a:fillRef>
+          <a:effectRef idx="0">
+            <a:schemeClr val="accent1"/>
+          </a:effectRef>
+          <a:fontRef idx="minor">
+            <a:schemeClr val="lt1"/>
+          </a:fontRef>
+        </p:style>
+        <p:txBody>
+          <a:bodyPr lIns="0" tIns="0" rIns="0" bIns="0" rtlCol="0" anchor="ctr"/>
+          <a:lstStyle/>
+          <a:p>
+            <a:pPr algn="ctr"/>
+            <a:r>
+              <a:rPr kumimoji="1" lang="en-US" altLang="ja-JP" sz="1200" dirty="0">
+                <a:solidFill>
+                  <a:schemeClr val="tx1"/>
+                </a:solidFill>
+              </a:rPr>
+              <a:t>6</a:t>
+            </a:r>
+            <a:endParaRPr kumimoji="1" lang="ja-JP" altLang="en-US" sz="1200">
+              <a:solidFill>
+                <a:schemeClr val="tx1"/>
+              </a:solidFill>
+            </a:endParaRPr>
+          </a:p>
+        </p:txBody>
+      </p:sp>
+      <p:sp>
+        <p:nvSpPr>
+          <p:cNvPr id="20" name="円/楕円 19">
+            <a:extLst>
+              <a:ext uri="{FF2B5EF4-FFF2-40B4-BE49-F238E27FC236}">
+                <a16:creationId xmlns:a16="http://schemas.microsoft.com/office/drawing/2014/main" id="{003FBE65-3853-D2FC-AE74-FCCBB35E14B2}"/>
+              </a:ext>
+            </a:extLst>
+          </p:cNvPr>
+          <p:cNvSpPr>
+            <a:spLocks noChangeAspect="1"/>
+          </p:cNvSpPr>
+          <p:nvPr/>
+        </p:nvSpPr>
+        <p:spPr>
+          <a:xfrm>
+            <a:off x="7137069" y="3131397"/>
+            <a:ext cx="288000" cy="288000"/>
+          </a:xfrm>
+          <a:prstGeom prst="ellipse">
+            <a:avLst/>
+          </a:prstGeom>
+          <a:noFill/>
+        </p:spPr>
+        <p:style>
+          <a:lnRef idx="2">
+            <a:schemeClr val="accent1">
+              <a:shade val="15000"/>
+            </a:schemeClr>
+          </a:lnRef>
+          <a:fillRef idx="1">
+            <a:schemeClr val="accent1"/>
+          </a:fillRef>
+          <a:effectRef idx="0">
+            <a:schemeClr val="accent1"/>
+          </a:effectRef>
+          <a:fontRef idx="minor">
+            <a:schemeClr val="lt1"/>
+          </a:fontRef>
+        </p:style>
+        <p:txBody>
+          <a:bodyPr lIns="0" tIns="0" rIns="0" bIns="0" rtlCol="0" anchor="ctr"/>
+          <a:lstStyle/>
+          <a:p>
+            <a:pPr algn="ctr"/>
+            <a:r>
+              <a:rPr kumimoji="1" lang="en-US" altLang="ja-JP" sz="1200" dirty="0">
+                <a:solidFill>
+                  <a:schemeClr val="tx1"/>
+                </a:solidFill>
+              </a:rPr>
+              <a:t>7</a:t>
+            </a:r>
+            <a:endParaRPr kumimoji="1" lang="ja-JP" altLang="en-US" sz="1200">
+              <a:solidFill>
+                <a:schemeClr val="tx1"/>
+              </a:solidFill>
+            </a:endParaRPr>
+          </a:p>
+        </p:txBody>
+      </p:sp>
+      <p:sp>
+        <p:nvSpPr>
+          <p:cNvPr id="21" name="円/楕円 20">
+            <a:extLst>
+              <a:ext uri="{FF2B5EF4-FFF2-40B4-BE49-F238E27FC236}">
+                <a16:creationId xmlns:a16="http://schemas.microsoft.com/office/drawing/2014/main" id="{2FA30159-4056-9F07-17CE-57314896E0E2}"/>
+              </a:ext>
+            </a:extLst>
+          </p:cNvPr>
+          <p:cNvSpPr>
+            <a:spLocks noChangeAspect="1"/>
+          </p:cNvSpPr>
+          <p:nvPr/>
+        </p:nvSpPr>
+        <p:spPr>
+          <a:xfrm>
+            <a:off x="5989282" y="1801041"/>
+            <a:ext cx="288000" cy="288000"/>
+          </a:xfrm>
+          <a:prstGeom prst="ellipse">
+            <a:avLst/>
+          </a:prstGeom>
+          <a:noFill/>
+        </p:spPr>
+        <p:style>
+          <a:lnRef idx="2">
+            <a:schemeClr val="accent1">
+              <a:shade val="15000"/>
+            </a:schemeClr>
+          </a:lnRef>
+          <a:fillRef idx="1">
+            <a:schemeClr val="accent1"/>
+          </a:fillRef>
+          <a:effectRef idx="0">
+            <a:schemeClr val="accent1"/>
+          </a:effectRef>
+          <a:fontRef idx="minor">
+            <a:schemeClr val="lt1"/>
+          </a:fontRef>
+        </p:style>
+        <p:txBody>
+          <a:bodyPr lIns="0" tIns="0" rIns="0" bIns="0" rtlCol="0" anchor="ctr"/>
+          <a:lstStyle/>
+          <a:p>
+            <a:pPr algn="ctr"/>
+            <a:r>
+              <a:rPr kumimoji="1" lang="en-US" altLang="ja-JP" sz="1200" dirty="0">
+                <a:solidFill>
+                  <a:schemeClr val="tx1"/>
+                </a:solidFill>
+              </a:rPr>
+              <a:t>8</a:t>
+            </a:r>
+            <a:endParaRPr kumimoji="1" lang="ja-JP" altLang="en-US" sz="1200">
+              <a:solidFill>
+                <a:schemeClr val="tx1"/>
+              </a:solidFill>
+            </a:endParaRPr>
+          </a:p>
+        </p:txBody>
+      </p:sp>
+      <p:sp>
+        <p:nvSpPr>
+          <p:cNvPr id="22" name="円/楕円 21">
+            <a:extLst>
+              <a:ext uri="{FF2B5EF4-FFF2-40B4-BE49-F238E27FC236}">
+                <a16:creationId xmlns:a16="http://schemas.microsoft.com/office/drawing/2014/main" id="{75AA9C7C-6CB2-0049-710D-ECF7470DC3C3}"/>
+              </a:ext>
+            </a:extLst>
+          </p:cNvPr>
+          <p:cNvSpPr>
+            <a:spLocks noChangeAspect="1"/>
+          </p:cNvSpPr>
+          <p:nvPr/>
+        </p:nvSpPr>
+        <p:spPr>
+          <a:xfrm>
+            <a:off x="7760437" y="2029956"/>
+            <a:ext cx="288000" cy="288000"/>
+          </a:xfrm>
+          <a:prstGeom prst="ellipse">
+            <a:avLst/>
+          </a:prstGeom>
+          <a:noFill/>
+        </p:spPr>
+        <p:style>
+          <a:lnRef idx="2">
+            <a:schemeClr val="accent1">
+              <a:shade val="15000"/>
+            </a:schemeClr>
+          </a:lnRef>
+          <a:fillRef idx="1">
+            <a:schemeClr val="accent1"/>
+          </a:fillRef>
+          <a:effectRef idx="0">
+            <a:schemeClr val="accent1"/>
+          </a:effectRef>
+          <a:fontRef idx="minor">
+            <a:schemeClr val="lt1"/>
+          </a:fontRef>
+        </p:style>
+        <p:txBody>
+          <a:bodyPr lIns="0" tIns="0" rIns="0" bIns="0" rtlCol="0" anchor="ctr"/>
+          <a:lstStyle/>
+          <a:p>
+            <a:pPr algn="ctr"/>
+            <a:r>
+              <a:rPr kumimoji="1" lang="en-US" altLang="ja-JP" sz="1200" dirty="0">
+                <a:solidFill>
+                  <a:schemeClr val="tx1"/>
+                </a:solidFill>
+              </a:rPr>
+              <a:t>9</a:t>
+            </a:r>
+            <a:endParaRPr kumimoji="1" lang="ja-JP" altLang="en-US" sz="1200">
+              <a:solidFill>
+                <a:schemeClr val="tx1"/>
+              </a:solidFill>
+            </a:endParaRPr>
+          </a:p>
+        </p:txBody>
+      </p:sp>
+      <p:sp>
+        <p:nvSpPr>
+          <p:cNvPr id="23" name="円/楕円 22">
+            <a:extLst>
+              <a:ext uri="{FF2B5EF4-FFF2-40B4-BE49-F238E27FC236}">
+                <a16:creationId xmlns:a16="http://schemas.microsoft.com/office/drawing/2014/main" id="{38DDD028-4015-4A8F-034D-13A44F5175C6}"/>
+              </a:ext>
+            </a:extLst>
+          </p:cNvPr>
+          <p:cNvSpPr>
+            <a:spLocks noChangeAspect="1"/>
+          </p:cNvSpPr>
+          <p:nvPr/>
+        </p:nvSpPr>
+        <p:spPr>
+          <a:xfrm>
+            <a:off x="8379593" y="1801041"/>
+            <a:ext cx="288000" cy="288000"/>
+          </a:xfrm>
+          <a:prstGeom prst="ellipse">
+            <a:avLst/>
+          </a:prstGeom>
+          <a:noFill/>
+        </p:spPr>
+        <p:style>
+          <a:lnRef idx="2">
+            <a:schemeClr val="accent1">
+              <a:shade val="15000"/>
+            </a:schemeClr>
+          </a:lnRef>
+          <a:fillRef idx="1">
+            <a:schemeClr val="accent1"/>
+          </a:fillRef>
+          <a:effectRef idx="0">
+            <a:schemeClr val="accent1"/>
+          </a:effectRef>
+          <a:fontRef idx="minor">
+            <a:schemeClr val="lt1"/>
+          </a:fontRef>
+        </p:style>
+        <p:txBody>
+          <a:bodyPr lIns="0" tIns="0" rIns="0" bIns="0" rtlCol="0" anchor="ctr"/>
+          <a:lstStyle/>
+          <a:p>
+            <a:pPr algn="ctr"/>
+            <a:r>
+              <a:rPr kumimoji="1" lang="en-US" altLang="ja-JP" sz="1200" dirty="0">
+                <a:solidFill>
+                  <a:schemeClr val="tx1"/>
+                </a:solidFill>
+              </a:rPr>
+              <a:t>10</a:t>
+            </a:r>
+            <a:endParaRPr kumimoji="1" lang="ja-JP" altLang="en-US" sz="1200">
+              <a:solidFill>
+                <a:schemeClr val="tx1"/>
+              </a:solidFill>
+            </a:endParaRPr>
+          </a:p>
+        </p:txBody>
+      </p:sp>
+      <p:sp>
+        <p:nvSpPr>
+          <p:cNvPr id="24" name="円/楕円 23">
+            <a:extLst>
+              <a:ext uri="{FF2B5EF4-FFF2-40B4-BE49-F238E27FC236}">
+                <a16:creationId xmlns:a16="http://schemas.microsoft.com/office/drawing/2014/main" id="{25C5B303-6A75-B3B7-B53B-C7AC08605F3D}"/>
+              </a:ext>
+            </a:extLst>
+          </p:cNvPr>
+          <p:cNvSpPr>
+            <a:spLocks noChangeAspect="1"/>
+          </p:cNvSpPr>
+          <p:nvPr/>
+        </p:nvSpPr>
+        <p:spPr>
+          <a:xfrm>
+            <a:off x="10663259" y="1801041"/>
+            <a:ext cx="288000" cy="288000"/>
+          </a:xfrm>
+          <a:prstGeom prst="ellipse">
+            <a:avLst/>
+          </a:prstGeom>
+          <a:noFill/>
+        </p:spPr>
+        <p:style>
+          <a:lnRef idx="2">
+            <a:schemeClr val="accent1">
+              <a:shade val="15000"/>
+            </a:schemeClr>
+          </a:lnRef>
+          <a:fillRef idx="1">
+            <a:schemeClr val="accent1"/>
+          </a:fillRef>
+          <a:effectRef idx="0">
+            <a:schemeClr val="accent1"/>
+          </a:effectRef>
+          <a:fontRef idx="minor">
+            <a:schemeClr val="lt1"/>
+          </a:fontRef>
+        </p:style>
+        <p:txBody>
+          <a:bodyPr lIns="0" tIns="0" rIns="0" bIns="0" rtlCol="0" anchor="ctr"/>
+          <a:lstStyle/>
+          <a:p>
+            <a:pPr algn="ctr"/>
+            <a:r>
+              <a:rPr kumimoji="1" lang="en-US" altLang="ja-JP" sz="1200" dirty="0">
+                <a:solidFill>
+                  <a:schemeClr val="tx1"/>
+                </a:solidFill>
+              </a:rPr>
+              <a:t>11</a:t>
+            </a:r>
+            <a:endParaRPr kumimoji="1" lang="ja-JP" altLang="en-US" sz="1200">
+              <a:solidFill>
+                <a:schemeClr val="tx1"/>
+              </a:solidFill>
+            </a:endParaRPr>
+          </a:p>
+        </p:txBody>
+      </p:sp>
+      <p:sp>
+        <p:nvSpPr>
+          <p:cNvPr id="25" name="円/楕円 24">
+            <a:extLst>
+              <a:ext uri="{FF2B5EF4-FFF2-40B4-BE49-F238E27FC236}">
+                <a16:creationId xmlns:a16="http://schemas.microsoft.com/office/drawing/2014/main" id="{A8F9DA13-35F6-B20D-BE16-4BC402843837}"/>
+              </a:ext>
+            </a:extLst>
+          </p:cNvPr>
+          <p:cNvSpPr>
+            <a:spLocks noChangeAspect="1"/>
+          </p:cNvSpPr>
+          <p:nvPr/>
+        </p:nvSpPr>
+        <p:spPr>
+          <a:xfrm>
+            <a:off x="4749090" y="3131397"/>
+            <a:ext cx="288000" cy="288000"/>
+          </a:xfrm>
+          <a:prstGeom prst="ellipse">
+            <a:avLst/>
+          </a:prstGeom>
+          <a:noFill/>
+        </p:spPr>
+        <p:style>
+          <a:lnRef idx="2">
+            <a:schemeClr val="accent1">
+              <a:shade val="15000"/>
+            </a:schemeClr>
+          </a:lnRef>
+          <a:fillRef idx="1">
+            <a:schemeClr val="accent1"/>
+          </a:fillRef>
+          <a:effectRef idx="0">
+            <a:schemeClr val="accent1"/>
+          </a:effectRef>
+          <a:fontRef idx="minor">
+            <a:schemeClr val="lt1"/>
+          </a:fontRef>
+        </p:style>
+        <p:txBody>
+          <a:bodyPr lIns="0" tIns="0" rIns="0" bIns="0" rtlCol="0" anchor="ctr"/>
+          <a:lstStyle/>
+          <a:p>
+            <a:pPr algn="ctr"/>
+            <a:r>
+              <a:rPr kumimoji="1" lang="en-US" altLang="ja-JP" sz="1200" dirty="0">
+                <a:solidFill>
+                  <a:schemeClr val="tx1"/>
+                </a:solidFill>
+              </a:rPr>
+              <a:t>4.1</a:t>
+            </a:r>
+            <a:endParaRPr kumimoji="1" lang="ja-JP" altLang="en-US" sz="1200">
+              <a:solidFill>
+                <a:schemeClr val="tx1"/>
+              </a:solidFill>
+            </a:endParaRPr>
+          </a:p>
+        </p:txBody>
+      </p:sp>
+      <p:sp>
+        <p:nvSpPr>
+          <p:cNvPr id="26" name="円/楕円 25">
+            <a:extLst>
+              <a:ext uri="{FF2B5EF4-FFF2-40B4-BE49-F238E27FC236}">
+                <a16:creationId xmlns:a16="http://schemas.microsoft.com/office/drawing/2014/main" id="{058C763F-4FA3-2B9B-6E99-71A1E015A4E3}"/>
+              </a:ext>
+            </a:extLst>
+          </p:cNvPr>
+          <p:cNvSpPr>
+            <a:spLocks noChangeAspect="1"/>
+          </p:cNvSpPr>
+          <p:nvPr/>
+        </p:nvSpPr>
+        <p:spPr>
+          <a:xfrm>
+            <a:off x="5764366" y="3131397"/>
+            <a:ext cx="288000" cy="288000"/>
+          </a:xfrm>
+          <a:prstGeom prst="ellipse">
+            <a:avLst/>
+          </a:prstGeom>
+          <a:noFill/>
+        </p:spPr>
+        <p:style>
+          <a:lnRef idx="2">
+            <a:schemeClr val="accent1">
+              <a:shade val="15000"/>
+            </a:schemeClr>
+          </a:lnRef>
+          <a:fillRef idx="1">
+            <a:schemeClr val="accent1"/>
+          </a:fillRef>
+          <a:effectRef idx="0">
+            <a:schemeClr val="accent1"/>
+          </a:effectRef>
+          <a:fontRef idx="minor">
+            <a:schemeClr val="lt1"/>
+          </a:fontRef>
+        </p:style>
+        <p:txBody>
+          <a:bodyPr lIns="0" tIns="0" rIns="0" bIns="0" rtlCol="0" anchor="ctr"/>
+          <a:lstStyle/>
+          <a:p>
+            <a:pPr algn="ctr"/>
+            <a:r>
+              <a:rPr kumimoji="1" lang="en-US" altLang="ja-JP" sz="1200" dirty="0">
+                <a:solidFill>
+                  <a:schemeClr val="tx1"/>
+                </a:solidFill>
+              </a:rPr>
+              <a:t>4.2</a:t>
+            </a:r>
+            <a:endParaRPr kumimoji="1" lang="ja-JP" altLang="en-US" sz="1200">
+              <a:solidFill>
+                <a:schemeClr val="tx1"/>
+              </a:solidFill>
+            </a:endParaRPr>
+          </a:p>
+        </p:txBody>
+      </p:sp>
+      <p:sp>
+        <p:nvSpPr>
+          <p:cNvPr id="2" name="Rounded Rectangle 36">
+            <a:extLst>
+              <a:ext uri="{FF2B5EF4-FFF2-40B4-BE49-F238E27FC236}">
+                <a16:creationId xmlns:a16="http://schemas.microsoft.com/office/drawing/2014/main" id="{418949BC-E484-F998-886E-E8DE67D95D90}"/>
+              </a:ext>
+            </a:extLst>
+          </p:cNvPr>
+          <p:cNvSpPr/>
+          <p:nvPr/>
+        </p:nvSpPr>
+        <p:spPr>
+          <a:xfrm>
+            <a:off x="2558296" y="1801040"/>
+            <a:ext cx="1440000" cy="309605"/>
+          </a:xfrm>
+          <a:prstGeom prst="roundRect">
+            <a:avLst>
+              <a:gd name="adj" fmla="val 10000"/>
+            </a:avLst>
+          </a:prstGeom>
+          <a:solidFill>
+            <a:srgbClr val="78CC00"/>
+          </a:solidFill>
+        </p:spPr>
+        <p:style>
+          <a:lnRef idx="2">
+            <a:schemeClr val="lt1">
+              <a:hueOff val="0"/>
+              <a:satOff val="0"/>
+              <a:lumOff val="0"/>
+              <a:alphaOff val="0"/>
+            </a:schemeClr>
+          </a:lnRef>
+          <a:fillRef idx="1">
+            <a:scrgbClr r="0" g="0" b="0"/>
+          </a:fillRef>
+          <a:effectRef idx="0">
+            <a:schemeClr val="accent5">
+              <a:hueOff val="-6758543"/>
+              <a:satOff val="-17419"/>
+              <a:lumOff val="-11765"/>
+              <a:alphaOff val="0"/>
+            </a:schemeClr>
+          </a:effectRef>
+          <a:fontRef idx="minor">
+            <a:schemeClr val="lt1"/>
+          </a:fontRef>
+        </p:style>
+        <p:txBody>
+          <a:bodyPr/>
+          <a:lstStyle/>
+          <a:p>
+            <a:endParaRPr lang="en-US" dirty="0"/>
+          </a:p>
+        </p:txBody>
+      </p:sp>
+      <p:sp>
+        <p:nvSpPr>
+          <p:cNvPr id="27" name="円/楕円 26">
+            <a:extLst>
+              <a:ext uri="{FF2B5EF4-FFF2-40B4-BE49-F238E27FC236}">
+                <a16:creationId xmlns:a16="http://schemas.microsoft.com/office/drawing/2014/main" id="{3576FD6A-1B60-BA49-B899-70FDC47FD317}"/>
+              </a:ext>
+            </a:extLst>
+          </p:cNvPr>
+          <p:cNvSpPr>
+            <a:spLocks noChangeAspect="1"/>
+          </p:cNvSpPr>
+          <p:nvPr/>
+        </p:nvSpPr>
+        <p:spPr>
+          <a:xfrm>
+            <a:off x="1954757" y="2014716"/>
+            <a:ext cx="288000" cy="288000"/>
+          </a:xfrm>
+          <a:prstGeom prst="ellipse">
+            <a:avLst/>
+          </a:prstGeom>
+          <a:noFill/>
+        </p:spPr>
+        <p:style>
+          <a:lnRef idx="2">
+            <a:schemeClr val="accent1">
+              <a:shade val="15000"/>
+            </a:schemeClr>
+          </a:lnRef>
+          <a:fillRef idx="1">
+            <a:schemeClr val="accent1"/>
+          </a:fillRef>
+          <a:effectRef idx="0">
+            <a:schemeClr val="accent1"/>
+          </a:effectRef>
+          <a:fontRef idx="minor">
+            <a:schemeClr val="lt1"/>
+          </a:fontRef>
+        </p:style>
+        <p:txBody>
+          <a:bodyPr lIns="0" tIns="0" rIns="0" bIns="0" rtlCol="0" anchor="ctr"/>
+          <a:lstStyle/>
+          <a:p>
+            <a:pPr algn="ctr"/>
+            <a:r>
+              <a:rPr kumimoji="1" lang="en-US" altLang="ja-JP" sz="1400" dirty="0">
+                <a:solidFill>
+                  <a:schemeClr val="tx1"/>
+                </a:solidFill>
+              </a:rPr>
+              <a:t>2</a:t>
+            </a:r>
+            <a:endParaRPr kumimoji="1" lang="ja-JP" altLang="en-US" sz="1400">
+              <a:solidFill>
+                <a:schemeClr val="tx1"/>
+              </a:solidFill>
+            </a:endParaRPr>
+          </a:p>
+        </p:txBody>
+      </p:sp>
+      <p:sp>
+        <p:nvSpPr>
+          <p:cNvPr id="16" name="円/楕円 15">
+            <a:extLst>
+              <a:ext uri="{FF2B5EF4-FFF2-40B4-BE49-F238E27FC236}">
+                <a16:creationId xmlns:a16="http://schemas.microsoft.com/office/drawing/2014/main" id="{D56B6FBB-5BDB-1F20-CC56-6CE4306CDAA0}"/>
+              </a:ext>
+            </a:extLst>
+          </p:cNvPr>
+          <p:cNvSpPr>
+            <a:spLocks noChangeAspect="1"/>
+          </p:cNvSpPr>
+          <p:nvPr/>
+        </p:nvSpPr>
+        <p:spPr>
+          <a:xfrm>
+            <a:off x="2558296" y="1801041"/>
+            <a:ext cx="288000" cy="288000"/>
+          </a:xfrm>
+          <a:prstGeom prst="ellipse">
+            <a:avLst/>
+          </a:prstGeom>
+          <a:noFill/>
+        </p:spPr>
+        <p:style>
+          <a:lnRef idx="2">
+            <a:schemeClr val="accent1">
+              <a:shade val="15000"/>
+            </a:schemeClr>
+          </a:lnRef>
+          <a:fillRef idx="1">
+            <a:schemeClr val="accent1"/>
+          </a:fillRef>
+          <a:effectRef idx="0">
+            <a:schemeClr val="accent1"/>
+          </a:effectRef>
+          <a:fontRef idx="minor">
+            <a:schemeClr val="lt1"/>
+          </a:fontRef>
+        </p:style>
+        <p:txBody>
+          <a:bodyPr lIns="0" tIns="0" rIns="0" bIns="0" rtlCol="0" anchor="ctr"/>
+          <a:lstStyle/>
+          <a:p>
+            <a:pPr algn="ctr"/>
+            <a:r>
+              <a:rPr kumimoji="1" lang="en-US" altLang="ja-JP" sz="1200" dirty="0">
+                <a:solidFill>
+                  <a:schemeClr val="tx1"/>
+                </a:solidFill>
+              </a:rPr>
+              <a:t>3</a:t>
+            </a:r>
+            <a:endParaRPr kumimoji="1" lang="ja-JP" altLang="en-US" sz="1200">
+              <a:solidFill>
+                <a:schemeClr val="tx1"/>
+              </a:solidFill>
+            </a:endParaRPr>
+          </a:p>
+        </p:txBody>
+      </p:sp>
+      <p:sp>
+        <p:nvSpPr>
+          <p:cNvPr id="43" name="Rounded Rectangle 42">
+            <a:extLst>
+              <a:ext uri="{FF2B5EF4-FFF2-40B4-BE49-F238E27FC236}">
+                <a16:creationId xmlns:a16="http://schemas.microsoft.com/office/drawing/2014/main" id="{00E2CFCA-6094-2A00-A572-A825B226A197}"/>
+              </a:ext>
+            </a:extLst>
+          </p:cNvPr>
+          <p:cNvSpPr/>
+          <p:nvPr/>
+        </p:nvSpPr>
+        <p:spPr>
+          <a:xfrm>
+            <a:off x="2558296" y="1801040"/>
+            <a:ext cx="1440000" cy="1044000"/>
+          </a:xfrm>
+          <a:prstGeom prst="roundRect">
+            <a:avLst>
+              <a:gd name="adj" fmla="val 10000"/>
+            </a:avLst>
+          </a:prstGeom>
+          <a:noFill/>
+          <a:ln w="22225">
+            <a:solidFill>
+              <a:srgbClr val="002F87"/>
+            </a:solidFill>
+          </a:ln>
+        </p:spPr>
+        <p:style>
+          <a:lnRef idx="2">
+            <a:schemeClr val="lt1">
+              <a:hueOff val="0"/>
+              <a:satOff val="0"/>
+              <a:lumOff val="0"/>
+              <a:alphaOff val="0"/>
+            </a:schemeClr>
+          </a:lnRef>
+          <a:fillRef idx="1">
+            <a:scrgbClr r="0" g="0" b="0"/>
+          </a:fillRef>
+          <a:effectRef idx="0">
+            <a:schemeClr val="accent5">
+              <a:hueOff val="-6758543"/>
+              <a:satOff val="-17419"/>
+              <a:lumOff val="-11765"/>
+              <a:alphaOff val="0"/>
+            </a:schemeClr>
+          </a:effectRef>
+          <a:fontRef idx="minor">
+            <a:schemeClr val="lt1"/>
+          </a:fontRef>
+        </p:style>
+        <p:txBody>
+          <a:bodyPr lIns="36000" tIns="0" rIns="36000" bIns="0"/>
+          <a:lstStyle/>
+          <a:p>
+            <a:endParaRPr lang="en-US" altLang="ja-JP" sz="1000" dirty="0">
+              <a:solidFill>
+                <a:schemeClr val="tx1"/>
+              </a:solidFill>
+              <a:latin typeface="Meiryo UI" panose="020B0604030504040204" pitchFamily="34" charset="-128"/>
+              <a:ea typeface="Meiryo UI" panose="020B0604030504040204" pitchFamily="34" charset="-128"/>
+            </a:endParaRPr>
+          </a:p>
+          <a:p>
+            <a:endParaRPr lang="en-US" altLang="ja-JP" sz="1000" dirty="0">
+              <a:solidFill>
+                <a:schemeClr val="tx1"/>
+              </a:solidFill>
+              <a:latin typeface="Meiryo UI" panose="020B0604030504040204" pitchFamily="34" charset="-128"/>
+              <a:ea typeface="Meiryo UI" panose="020B0604030504040204" pitchFamily="34" charset="-128"/>
+            </a:endParaRPr>
+          </a:p>
+          <a:p>
+            <a:r>
+              <a:rPr lang="ja-JP" altLang="en-US" sz="1000">
+                <a:solidFill>
+                  <a:schemeClr val="tx1"/>
+                </a:solidFill>
+                <a:latin typeface="Meiryo UI" panose="020B0604030504040204" pitchFamily="34" charset="-128"/>
+                <a:ea typeface="Meiryo UI" panose="020B0604030504040204" pitchFamily="34" charset="-128"/>
+              </a:rPr>
+              <a:t>パブリッシャーは、</a:t>
+            </a:r>
+            <a:r>
+              <a:rPr lang="en-US" altLang="ja-JP" sz="1000" dirty="0">
+                <a:solidFill>
+                  <a:schemeClr val="tx1"/>
+                </a:solidFill>
+                <a:latin typeface="Meiryo UI" panose="020B0604030504040204" pitchFamily="34" charset="-128"/>
+                <a:ea typeface="Meiryo UI" panose="020B0604030504040204" pitchFamily="34" charset="-128"/>
+              </a:rPr>
+              <a:t>Server-Side</a:t>
+            </a:r>
+            <a:r>
+              <a:rPr lang="ja-JP" altLang="en-US" sz="1000">
+                <a:solidFill>
+                  <a:schemeClr val="tx1"/>
+                </a:solidFill>
+                <a:latin typeface="Meiryo UI" panose="020B0604030504040204" pitchFamily="34" charset="-128"/>
+                <a:ea typeface="Meiryo UI" panose="020B0604030504040204" pitchFamily="34" charset="-128"/>
+              </a:rPr>
+              <a:t>、</a:t>
+            </a:r>
+            <a:r>
+              <a:rPr lang="en-US" altLang="ja-JP" sz="1000" dirty="0">
+                <a:solidFill>
+                  <a:schemeClr val="tx1"/>
+                </a:solidFill>
+                <a:latin typeface="Meiryo UI" panose="020B0604030504040204" pitchFamily="34" charset="-128"/>
+                <a:ea typeface="Meiryo UI" panose="020B0604030504040204" pitchFamily="34" charset="-128"/>
+              </a:rPr>
+              <a:t>Java/Python SDK </a:t>
+            </a:r>
+            <a:r>
+              <a:rPr lang="ja-JP" altLang="en-US" sz="1000">
+                <a:solidFill>
+                  <a:schemeClr val="tx1"/>
+                </a:solidFill>
+                <a:latin typeface="Meiryo UI" panose="020B0604030504040204" pitchFamily="34" charset="-128"/>
+                <a:ea typeface="Meiryo UI" panose="020B0604030504040204" pitchFamily="34" charset="-128"/>
+              </a:rPr>
+              <a:t>の</a:t>
+            </a:r>
+            <a:r>
+              <a:rPr lang="en-US" altLang="ja-JP" sz="1000" dirty="0">
+                <a:solidFill>
+                  <a:schemeClr val="tx1"/>
+                </a:solidFill>
+                <a:latin typeface="Meiryo UI" panose="020B0604030504040204" pitchFamily="34" charset="-128"/>
+                <a:ea typeface="Meiryo UI" panose="020B0604030504040204" pitchFamily="34" charset="-128"/>
+              </a:rPr>
+              <a:t> Publisher Class</a:t>
+            </a:r>
+            <a:r>
+              <a:rPr lang="ja-JP" altLang="en-US" sz="1000">
+                <a:solidFill>
+                  <a:schemeClr val="tx1"/>
+                </a:solidFill>
+                <a:latin typeface="Meiryo UI" panose="020B0604030504040204" pitchFamily="34" charset="-128"/>
+                <a:ea typeface="Meiryo UI" panose="020B0604030504040204" pitchFamily="34" charset="-128"/>
+              </a:rPr>
+              <a:t>で</a:t>
+            </a:r>
+            <a:r>
+              <a:rPr lang="en-US" altLang="ja-JP" sz="1000" dirty="0">
+                <a:solidFill>
+                  <a:schemeClr val="tx1"/>
+                </a:solidFill>
+                <a:latin typeface="Meiryo UI" panose="020B0604030504040204" pitchFamily="34" charset="-128"/>
+                <a:ea typeface="Meiryo UI" panose="020B0604030504040204" pitchFamily="34" charset="-128"/>
+              </a:rPr>
+              <a:t> Token </a:t>
+            </a:r>
+            <a:r>
+              <a:rPr lang="ja-JP" altLang="en-US" sz="1000">
+                <a:solidFill>
+                  <a:schemeClr val="tx1"/>
+                </a:solidFill>
+                <a:latin typeface="Meiryo UI" panose="020B0604030504040204" pitchFamily="34" charset="-128"/>
+                <a:ea typeface="Meiryo UI" panose="020B0604030504040204" pitchFamily="34" charset="-128"/>
+              </a:rPr>
+              <a:t>を生成</a:t>
+            </a:r>
+            <a:endParaRPr lang="en-US" altLang="ja-JP" sz="1100" dirty="0">
+              <a:solidFill>
+                <a:schemeClr val="tx1"/>
+              </a:solidFill>
+              <a:ea typeface="Calibri" panose="020F0502020204030204"/>
+              <a:cs typeface="Calibri" panose="020F0502020204030204"/>
+            </a:endParaRPr>
+          </a:p>
+        </p:txBody>
+      </p:sp>
+      <p:sp>
+        <p:nvSpPr>
+          <p:cNvPr id="15" name="TextBox 132">
+            <a:extLst>
+              <a:ext uri="{FF2B5EF4-FFF2-40B4-BE49-F238E27FC236}">
+                <a16:creationId xmlns:a16="http://schemas.microsoft.com/office/drawing/2014/main" id="{10597854-21D2-EF32-17F8-68E794B3A9EB}"/>
+              </a:ext>
+            </a:extLst>
+          </p:cNvPr>
+          <p:cNvSpPr txBox="1"/>
+          <p:nvPr/>
+        </p:nvSpPr>
+        <p:spPr>
+          <a:xfrm>
+            <a:off x="7049051" y="3935037"/>
+            <a:ext cx="2650011" cy="215444"/>
+          </a:xfrm>
+          <a:prstGeom prst="rect">
+            <a:avLst/>
+          </a:prstGeom>
+          <a:noFill/>
+        </p:spPr>
+        <p:txBody>
+          <a:bodyPr wrap="square" lIns="91440" tIns="45720" rIns="91440" bIns="45720" anchor="t">
+            <a:spAutoFit/>
+          </a:bodyPr>
+          <a:lstStyle/>
+          <a:p>
+            <a:r>
+              <a:rPr lang="en-US" sz="800" b="0" i="0" dirty="0">
+                <a:solidFill>
+                  <a:schemeClr val="bg2">
+                    <a:lumMod val="75000"/>
+                  </a:schemeClr>
+                </a:solidFill>
+                <a:effectLst/>
+                <a:latin typeface="Roboto Mono"/>
+                <a:ea typeface="Roboto Mono"/>
+              </a:rPr>
+              <a:t>UID2Manager.getInstance().</a:t>
+            </a:r>
+            <a:r>
+              <a:rPr lang="en-US" sz="800" dirty="0">
+                <a:solidFill>
+                  <a:schemeClr val="bg2">
+                    <a:lumMod val="75000"/>
+                  </a:schemeClr>
+                </a:solidFill>
+                <a:latin typeface="Roboto Mono"/>
+                <a:ea typeface="Roboto Mono"/>
+              </a:rPr>
+              <a:t>setIdentity </a:t>
+            </a:r>
+            <a:endParaRPr lang="en-US" sz="800" dirty="0">
+              <a:solidFill>
+                <a:schemeClr val="bg2">
+                  <a:lumMod val="75000"/>
+                </a:schemeClr>
+              </a:solidFill>
+              <a:latin typeface="Roboto Mono" pitchFamily="49" charset="0"/>
+              <a:ea typeface="Roboto Mono" pitchFamily="49" charset="0"/>
+            </a:endParaRPr>
+          </a:p>
+        </p:txBody>
+      </p:sp>
+    </p:spTree>
+    <p:extLst>
+      <p:ext uri="{BB962C8B-B14F-4D97-AF65-F5344CB8AC3E}">
+        <p14:creationId xmlns:p14="http://schemas.microsoft.com/office/powerpoint/2010/main" val="123102506"/>
+      </p:ext>
+    </p:extLst>
+  </p:cSld>
+  <p:clrMapOvr>
+    <a:masterClrMapping/>
+  </p:clrMapOvr>
+  <mc:AlternateContent xmlns:mc="http://schemas.openxmlformats.org/markup-compatibility/2006" xmlns:p14="http://schemas.microsoft.com/office/powerpoint/2010/main">
+    <mc:Choice Requires="p14">
+      <p:transition spd="med" p14:dur="700">
+        <p:fade/>
+      </p:transition>
+    </mc:Choice>
+    <mc:Fallback xmlns="">
+      <p:transition spd="med">
+        <p:fade/>
+      </p:transition>
+    </mc:Fallback>
+  </mc:AlternateContent>
+</p:sld>
+</file>
+
+<file path=ppt/slides/slide4.xml><?xml version="1.0" encoding="utf-8"?>
+<p:sld xmlns:a="http://schemas.openxmlformats.org/drawingml/2006/main" xmlns:r="http://schemas.openxmlformats.org/officeDocument/2006/relationships" xmlns:p="http://schemas.openxmlformats.org/presentationml/2006/main">
+  <p:cSld>
+    <p:spTree>
+      <p:nvGrpSpPr>
+        <p:cNvPr id="1" name=""/>
+        <p:cNvGrpSpPr/>
+        <p:nvPr/>
+      </p:nvGrpSpPr>
+      <p:grpSpPr>
+        <a:xfrm>
+          <a:off x="0" y="0"/>
+          <a:ext cx="0" cy="0"/>
+          <a:chOff x="0" y="0"/>
+          <a:chExt cx="0" cy="0"/>
+        </a:xfrm>
+      </p:grpSpPr>
+      <p:sp>
+        <p:nvSpPr>
+          <p:cNvPr id="2" name="TextBox 1">
+            <a:extLst>
+              <a:ext uri="{FF2B5EF4-FFF2-40B4-BE49-F238E27FC236}">
+                <a16:creationId xmlns:a16="http://schemas.microsoft.com/office/drawing/2014/main" id="{8F559799-5375-37BD-9FDB-52D59196B3CF}"/>
+              </a:ext>
+            </a:extLst>
+          </p:cNvPr>
+          <p:cNvSpPr txBox="1"/>
+          <p:nvPr/>
+        </p:nvSpPr>
+        <p:spPr>
+          <a:xfrm>
+            <a:off x="1765300" y="984250"/>
+            <a:ext cx="9023350" cy="2308324"/>
+          </a:xfrm>
+          <a:prstGeom prst="rect">
+            <a:avLst/>
+          </a:prstGeom>
+          <a:noFill/>
+        </p:spPr>
+        <p:txBody>
+          <a:bodyPr wrap="square" rtlCol="0">
+            <a:spAutoFit/>
+          </a:bodyPr>
+          <a:lstStyle/>
+          <a:p>
+            <a:r>
               <a:rPr lang="en-US" dirty="0"/>
               <a:t>Diagram source, noted 5/8/24:</a:t>
             </a:r>
@@ -7674,13 +15244,8 @@
           <a:p>
             <a:r>
               <a:rPr lang="en-US" dirty="0"/>
-              <a:t>Update 5/17/24: this is now the diagram source since the colors </a:t>
-            </a:r>
-            <a:r>
-              <a:rPr lang="en-US"/>
-              <a:t>were updated.</a:t>
-            </a:r>
-            <a:endParaRPr lang="en-US" dirty="0"/>
+              <a:t>Update 5/17/24: this is now the diagram source since the colors were updated.</a:t>
+            </a:r>
           </a:p>
         </p:txBody>
       </p:sp>
